--- a/2025员工体检报告（模板）.pptx
+++ b/2025员工体检报告（模板）.pptx
@@ -7,27 +7,18 @@
     <p:sldMasterId id="2147483664" r:id="rId3"/>
   </p:sldMasterIdLst>
   <p:notesMasterIdLst>
-    <p:notesMasterId r:id="rId17"/>
+    <p:notesMasterId r:id="rId8"/>
   </p:notesMasterIdLst>
   <p:sldIdLst>
     <p:sldId id="311" r:id="rId4"/>
     <p:sldId id="352" r:id="rId5"/>
-    <p:sldId id="357" r:id="rId6"/>
-    <p:sldId id="285" r:id="rId7"/>
-    <p:sldId id="355" r:id="rId8"/>
-    <p:sldId id="358" r:id="rId9"/>
-    <p:sldId id="351" r:id="rId10"/>
-    <p:sldId id="354" r:id="rId11"/>
-    <p:sldId id="359" r:id="rId12"/>
-    <p:sldId id="360" r:id="rId13"/>
-    <p:sldId id="290" r:id="rId14"/>
-    <p:sldId id="353" r:id="rId15"/>
-    <p:sldId id="282" r:id="rId16"/>
+    <p:sldId id="290" r:id="rId6"/>
+    <p:sldId id="282" r:id="rId7"/>
   </p:sldIdLst>
   <p:sldSz cx="6858000" cy="9906000" type="A4"/>
   <p:notesSz cx="6797675" cy="9928225"/>
   <p:custDataLst>
-    <p:tags r:id="rId18"/>
+    <p:tags r:id="rId9"/>
   </p:custDataLst>
   <p:defaultTextStyle>
     <a:defPPr>
@@ -225,7 +216,7 @@
           <a:p>
             <a:fld id="{4CC4F749-1A8B-2A4A-9EFC-B5FDB292ED71}" type="datetimeFigureOut">
               <a:rPr kumimoji="1" lang="zh-CN" altLang="en-US" smtClean="0"/>
-              <a:t>2025/11/26</a:t>
+              <a:t>2025/11/27</a:t>
             </a:fld>
             <a:endParaRPr kumimoji="1" lang="zh-CN" altLang="en-US"/>
           </a:p>
@@ -1331,7 +1322,7 @@
           <a:p>
             <a:fld id="{CAF26E60-0005-794A-A2AC-CFCEB36E1E25}" type="datetimeFigureOut">
               <a:rPr kumimoji="1" lang="zh-CN" altLang="en-US" smtClean="0"/>
-              <a:t>2025/11/26</a:t>
+              <a:t>2025/11/27</a:t>
             </a:fld>
             <a:endParaRPr kumimoji="1" lang="zh-CN" altLang="en-US"/>
           </a:p>
@@ -1611,7 +1602,7 @@
           <a:p>
             <a:fld id="{CAF26E60-0005-794A-A2AC-CFCEB36E1E25}" type="datetimeFigureOut">
               <a:rPr kumimoji="1" lang="zh-CN" altLang="en-US" smtClean="0"/>
-              <a:t>2025/11/26</a:t>
+              <a:t>2025/11/27</a:t>
             </a:fld>
             <a:endParaRPr kumimoji="1" lang="zh-CN" altLang="en-US"/>
           </a:p>
@@ -1814,7 +1805,7 @@
           <a:p>
             <a:fld id="{CAF26E60-0005-794A-A2AC-CFCEB36E1E25}" type="datetimeFigureOut">
               <a:rPr kumimoji="1" lang="zh-CN" altLang="en-US" smtClean="0"/>
-              <a:t>2025/11/26</a:t>
+              <a:t>2025/11/27</a:t>
             </a:fld>
             <a:endParaRPr kumimoji="1" lang="zh-CN" altLang="en-US"/>
           </a:p>
@@ -2017,7 +2008,7 @@
           <a:p>
             <a:fld id="{CAF26E60-0005-794A-A2AC-CFCEB36E1E25}" type="datetimeFigureOut">
               <a:rPr kumimoji="1" lang="zh-CN" altLang="en-US" smtClean="0"/>
-              <a:t>2025/11/26</a:t>
+              <a:t>2025/11/27</a:t>
             </a:fld>
             <a:endParaRPr kumimoji="1" lang="zh-CN" altLang="en-US"/>
           </a:p>
@@ -10598,7 +10589,7 @@
           <a:p>
             <a:fld id="{CAF26E60-0005-794A-A2AC-CFCEB36E1E25}" type="datetimeFigureOut">
               <a:rPr kumimoji="1" lang="zh-CN" altLang="en-US" smtClean="0"/>
-              <a:t>2025/11/26</a:t>
+              <a:t>2025/11/27</a:t>
             </a:fld>
             <a:endParaRPr kumimoji="1" lang="zh-CN" altLang="en-US"/>
           </a:p>
@@ -10801,7 +10792,7 @@
           <a:p>
             <a:fld id="{CAF26E60-0005-794A-A2AC-CFCEB36E1E25}" type="datetimeFigureOut">
               <a:rPr kumimoji="1" lang="zh-CN" altLang="en-US" smtClean="0"/>
-              <a:t>2025/11/26</a:t>
+              <a:t>2025/11/27</a:t>
             </a:fld>
             <a:endParaRPr kumimoji="1" lang="zh-CN" altLang="en-US"/>
           </a:p>
@@ -11071,7 +11062,7 @@
           <a:p>
             <a:fld id="{CAF26E60-0005-794A-A2AC-CFCEB36E1E25}" type="datetimeFigureOut">
               <a:rPr kumimoji="1" lang="zh-CN" altLang="en-US" smtClean="0"/>
-              <a:t>2025/11/26</a:t>
+              <a:t>2025/11/27</a:t>
             </a:fld>
             <a:endParaRPr kumimoji="1" lang="zh-CN" altLang="en-US"/>
           </a:p>
@@ -11333,7 +11324,7 @@
           <a:p>
             <a:fld id="{CAF26E60-0005-794A-A2AC-CFCEB36E1E25}" type="datetimeFigureOut">
               <a:rPr kumimoji="1" lang="zh-CN" altLang="en-US" smtClean="0"/>
-              <a:t>2025/11/26</a:t>
+              <a:t>2025/11/27</a:t>
             </a:fld>
             <a:endParaRPr kumimoji="1" lang="zh-CN" altLang="en-US"/>
           </a:p>
@@ -11731,7 +11722,7 @@
           <a:p>
             <a:fld id="{CAF26E60-0005-794A-A2AC-CFCEB36E1E25}" type="datetimeFigureOut">
               <a:rPr kumimoji="1" lang="zh-CN" altLang="en-US" smtClean="0"/>
-              <a:t>2025/11/26</a:t>
+              <a:t>2025/11/27</a:t>
             </a:fld>
             <a:endParaRPr kumimoji="1" lang="zh-CN" altLang="en-US"/>
           </a:p>
@@ -11875,7 +11866,7 @@
           <a:p>
             <a:fld id="{CAF26E60-0005-794A-A2AC-CFCEB36E1E25}" type="datetimeFigureOut">
               <a:rPr kumimoji="1" lang="zh-CN" altLang="en-US" smtClean="0"/>
-              <a:t>2025/11/26</a:t>
+              <a:t>2025/11/27</a:t>
             </a:fld>
             <a:endParaRPr kumimoji="1" lang="zh-CN" altLang="en-US"/>
           </a:p>
@@ -11989,7 +11980,7 @@
           <a:p>
             <a:fld id="{CAF26E60-0005-794A-A2AC-CFCEB36E1E25}" type="datetimeFigureOut">
               <a:rPr kumimoji="1" lang="zh-CN" altLang="en-US" smtClean="0"/>
-              <a:t>2025/11/26</a:t>
+              <a:t>2025/11/27</a:t>
             </a:fld>
             <a:endParaRPr kumimoji="1" lang="zh-CN" altLang="en-US"/>
           </a:p>
@@ -12211,7 +12202,7 @@
           <a:p>
             <a:fld id="{1F22E670-0285-414D-9D27-33719FC40C21}" type="datetimeFigureOut">
               <a:rPr lang="zh-CN" altLang="en-US" smtClean="0"/>
-              <a:t>2025/11/26</a:t>
+              <a:t>2025/11/27</a:t>
             </a:fld>
             <a:endParaRPr lang="zh-CN" altLang="en-US"/>
           </a:p>
@@ -13270,8 +13261,20 @@
           <a:lstStyle/>
           <a:p>
             <a:r>
+              <a:rPr lang="en-US" altLang="zh-CN" dirty="0"/>
+              <a:t>{{</a:t>
+            </a:r>
+            <a:r>
               <a:rPr lang="zh-CN" altLang="en-US" dirty="0"/>
-              <a:t>  </a:t>
+              <a:t>姓名</a:t>
+            </a:r>
+            <a:r>
+              <a:rPr lang="en-US" altLang="zh-CN" dirty="0"/>
+              <a:t>}}</a:t>
+            </a:r>
+            <a:r>
+              <a:rPr lang="zh-CN" altLang="en-US" dirty="0"/>
+              <a:t> </a:t>
             </a:r>
             <a:endParaRPr kumimoji="1" lang="zh-CN" altLang="en-US" dirty="0"/>
           </a:p>
@@ -13292,6 +13295,22 @@
           <a:bodyPr/>
           <a:lstStyle/>
           <a:p>
+            <a:r>
+              <a:rPr lang="en-US" altLang="zh-CN" dirty="0"/>
+              <a:t>{{</a:t>
+            </a:r>
+            <a:r>
+              <a:rPr lang="zh-CN" altLang="en-US" dirty="0"/>
+              <a:t>性别</a:t>
+            </a:r>
+            <a:r>
+              <a:rPr lang="en-US" altLang="zh-CN" dirty="0"/>
+              <a:t>}}</a:t>
+            </a:r>
+            <a:r>
+              <a:rPr lang="zh-CN" altLang="en-US" dirty="0"/>
+              <a:t> </a:t>
+            </a:r>
             <a:endParaRPr kumimoji="1" lang="zh-CN" altLang="en-US" dirty="0"/>
           </a:p>
         </p:txBody>
@@ -13311,6 +13330,22 @@
           <a:bodyPr/>
           <a:lstStyle/>
           <a:p>
+            <a:r>
+              <a:rPr lang="en-US" altLang="zh-CN" dirty="0"/>
+              <a:t>{{</a:t>
+            </a:r>
+            <a:r>
+              <a:rPr lang="zh-CN" altLang="en-US" dirty="0"/>
+              <a:t>年龄</a:t>
+            </a:r>
+            <a:r>
+              <a:rPr lang="en-US" altLang="zh-CN" dirty="0"/>
+              <a:t>}}</a:t>
+            </a:r>
+            <a:r>
+              <a:rPr lang="zh-CN" altLang="en-US" dirty="0"/>
+              <a:t> </a:t>
+            </a:r>
             <a:endParaRPr kumimoji="1" lang="en-US" altLang="zh-CN" dirty="0"/>
           </a:p>
         </p:txBody>
@@ -13330,216 +13365,25 @@
           <a:bodyPr/>
           <a:lstStyle/>
           <a:p>
-            <a:endParaRPr lang="zh-CN" altLang="en-US" dirty="0"/>
-          </a:p>
-        </p:txBody>
-      </p:sp>
-    </p:spTree>
-  </p:cSld>
-  <p:clrMapOvr>
-    <a:masterClrMapping/>
-  </p:clrMapOvr>
-</p:sld>
-</file>
-
-<file path=ppt/slides/slide10.xml><?xml version="1.0" encoding="utf-8"?>
-<p:sld xmlns:a="http://schemas.openxmlformats.org/drawingml/2006/main" xmlns:r="http://schemas.openxmlformats.org/officeDocument/2006/relationships" xmlns:p="http://schemas.openxmlformats.org/presentationml/2006/main">
-  <p:cSld>
-    <p:spTree>
-      <p:nvGrpSpPr>
-        <p:cNvPr id="1" name="">
-          <a:extLst>
-            <a:ext uri="{FF2B5EF4-FFF2-40B4-BE49-F238E27FC236}">
-              <a16:creationId xmlns:a16="http://schemas.microsoft.com/office/drawing/2014/main" id="{E678215C-EB28-1092-5C33-690CD3DE2EC3}"/>
-            </a:ext>
-          </a:extLst>
-        </p:cNvPr>
-        <p:cNvGrpSpPr/>
-        <p:nvPr/>
-      </p:nvGrpSpPr>
-      <p:grpSpPr>
-        <a:xfrm>
-          <a:off x="0" y="0"/>
-          <a:ext cx="0" cy="0"/>
-          <a:chOff x="0" y="0"/>
-          <a:chExt cx="0" cy="0"/>
-        </a:xfrm>
-      </p:grpSpPr>
-    </p:spTree>
-    <p:extLst>
-      <p:ext uri="{BB962C8B-B14F-4D97-AF65-F5344CB8AC3E}">
-        <p14:creationId xmlns:p14="http://schemas.microsoft.com/office/powerpoint/2010/main" val="1272871652"/>
-      </p:ext>
-    </p:extLst>
-  </p:cSld>
-  <p:clrMapOvr>
-    <a:masterClrMapping/>
-  </p:clrMapOvr>
-</p:sld>
-</file>
-
-<file path=ppt/slides/slide11.xml><?xml version="1.0" encoding="utf-8"?>
-<p:sld xmlns:a="http://schemas.openxmlformats.org/drawingml/2006/main" xmlns:r="http://schemas.openxmlformats.org/officeDocument/2006/relationships" xmlns:p="http://schemas.openxmlformats.org/presentationml/2006/main">
-  <p:cSld>
-    <p:spTree>
-      <p:nvGrpSpPr>
-        <p:cNvPr id="1" name=""/>
-        <p:cNvGrpSpPr/>
-        <p:nvPr/>
-      </p:nvGrpSpPr>
-      <p:grpSpPr>
-        <a:xfrm>
-          <a:off x="0" y="0"/>
-          <a:ext cx="0" cy="0"/>
-          <a:chOff x="0" y="0"/>
-          <a:chExt cx="0" cy="0"/>
-        </a:xfrm>
-      </p:grpSpPr>
-      <p:sp>
-        <p:nvSpPr>
-          <p:cNvPr id="2" name="文本占位符 1"/>
-          <p:cNvSpPr>
-            <a:spLocks noGrp="1"/>
-          </p:cNvSpPr>
-          <p:nvPr>
-            <p:ph type="body" sz="quarter" idx="14"/>
-          </p:nvPr>
-        </p:nvSpPr>
-        <p:spPr>
-          <a:xfrm>
-            <a:off x="656590" y="850274"/>
-            <a:ext cx="5544185" cy="8111490"/>
-          </a:xfrm>
-          <a:ln>
-            <a:solidFill>
-              <a:schemeClr val="accent5">
-                <a:lumMod val="60000"/>
-                <a:lumOff val="40000"/>
-              </a:schemeClr>
-            </a:solidFill>
-          </a:ln>
-        </p:spPr>
-        <p:txBody>
-          <a:bodyPr/>
-          <a:lstStyle/>
-          <a:p>
-            <a:pPr marL="0" indent="0">
-              <a:buNone/>
-            </a:pPr>
-            <a:endParaRPr lang="zh-CN" altLang="en-US" sz="1400" dirty="0">
-              <a:latin typeface="微软雅黑" panose="020B0503020204020204" pitchFamily="34" charset="-122"/>
-              <a:ea typeface="微软雅黑" panose="020B0503020204020204" pitchFamily="34" charset="-122"/>
-              <a:sym typeface="+mn-ea"/>
-            </a:endParaRPr>
-          </a:p>
-        </p:txBody>
-      </p:sp>
-    </p:spTree>
-  </p:cSld>
-  <p:clrMapOvr>
-    <a:masterClrMapping/>
-  </p:clrMapOvr>
-</p:sld>
-</file>
-
-<file path=ppt/slides/slide12.xml><?xml version="1.0" encoding="utf-8"?>
-<p:sld xmlns:a="http://schemas.openxmlformats.org/drawingml/2006/main" xmlns:r="http://schemas.openxmlformats.org/officeDocument/2006/relationships" xmlns:p="http://schemas.openxmlformats.org/presentationml/2006/main">
-  <p:cSld>
-    <p:spTree>
-      <p:nvGrpSpPr>
-        <p:cNvPr id="1" name="">
-          <a:extLst>
-            <a:ext uri="{FF2B5EF4-FFF2-40B4-BE49-F238E27FC236}">
-              <a16:creationId xmlns:a16="http://schemas.microsoft.com/office/drawing/2014/main" id="{1046FC60-566F-BEB2-A678-E301F91993F1}"/>
-            </a:ext>
-          </a:extLst>
-        </p:cNvPr>
-        <p:cNvGrpSpPr/>
-        <p:nvPr/>
-      </p:nvGrpSpPr>
-      <p:grpSpPr>
-        <a:xfrm>
-          <a:off x="0" y="0"/>
-          <a:ext cx="0" cy="0"/>
-          <a:chOff x="0" y="0"/>
-          <a:chExt cx="0" cy="0"/>
-        </a:xfrm>
-      </p:grpSpPr>
-      <p:sp>
-        <p:nvSpPr>
-          <p:cNvPr id="2" name="文本占位符 1">
-            <a:extLst>
-              <a:ext uri="{FF2B5EF4-FFF2-40B4-BE49-F238E27FC236}">
-                <a16:creationId xmlns:a16="http://schemas.microsoft.com/office/drawing/2014/main" id="{28E9D0C4-714C-BF4D-3AEC-DCBF70A7CD40}"/>
-              </a:ext>
-            </a:extLst>
-          </p:cNvPr>
-          <p:cNvSpPr>
-            <a:spLocks noGrp="1"/>
-          </p:cNvSpPr>
-          <p:nvPr>
-            <p:ph type="body" sz="quarter" idx="14"/>
-          </p:nvPr>
-        </p:nvSpPr>
-        <p:spPr>
-          <a:xfrm>
-            <a:off x="656590" y="850274"/>
-            <a:ext cx="5544185" cy="8111490"/>
-          </a:xfrm>
-          <a:ln>
-            <a:solidFill>
-              <a:schemeClr val="accent5">
-                <a:lumMod val="60000"/>
-                <a:lumOff val="40000"/>
-              </a:schemeClr>
-            </a:solidFill>
-          </a:ln>
-        </p:spPr>
-        <p:txBody>
-          <a:bodyPr/>
-          <a:lstStyle/>
-          <a:p>
-            <a:pPr marL="0" indent="0">
-              <a:buNone/>
-            </a:pPr>
-            <a:endParaRPr lang="zh-CN" altLang="en-US" sz="1400" dirty="0">
-              <a:latin typeface="微软雅黑" panose="020B0503020204020204" pitchFamily="34" charset="-122"/>
-              <a:ea typeface="微软雅黑" panose="020B0503020204020204" pitchFamily="34" charset="-122"/>
-              <a:sym typeface="+mn-ea"/>
-            </a:endParaRPr>
-          </a:p>
-        </p:txBody>
-      </p:sp>
-    </p:spTree>
-    <p:extLst>
-      <p:ext uri="{BB962C8B-B14F-4D97-AF65-F5344CB8AC3E}">
-        <p14:creationId xmlns:p14="http://schemas.microsoft.com/office/powerpoint/2010/main" val="3657092052"/>
-      </p:ext>
-    </p:extLst>
-  </p:cSld>
-  <p:clrMapOvr>
-    <a:masterClrMapping/>
-  </p:clrMapOvr>
-</p:sld>
-</file>
-
-<file path=ppt/slides/slide13.xml><?xml version="1.0" encoding="utf-8"?>
-<p:sld xmlns:a="http://schemas.openxmlformats.org/drawingml/2006/main" xmlns:r="http://schemas.openxmlformats.org/officeDocument/2006/relationships" xmlns:p="http://schemas.openxmlformats.org/presentationml/2006/main">
-  <p:cSld>
-    <p:spTree>
-      <p:nvGrpSpPr>
-        <p:cNvPr id="1" name=""/>
-        <p:cNvGrpSpPr/>
-        <p:nvPr/>
-      </p:nvGrpSpPr>
-      <p:grpSpPr>
-        <a:xfrm>
-          <a:off x="0" y="0"/>
-          <a:ext cx="0" cy="0"/>
-          <a:chOff x="0" y="0"/>
-          <a:chExt cx="0" cy="0"/>
-        </a:xfrm>
-      </p:grpSpPr>
+            <a:r>
+              <a:rPr lang="en-US" altLang="zh-CN" dirty="0"/>
+              <a:t>{{</a:t>
+            </a:r>
+            <a:r>
+              <a:rPr lang="zh-CN" altLang="en-US"/>
+              <a:t>日期</a:t>
+            </a:r>
+            <a:r>
+              <a:rPr lang="en-US" altLang="zh-CN"/>
+              <a:t>}}</a:t>
+            </a:r>
+            <a:r>
+              <a:rPr lang="zh-CN" altLang="en-US" dirty="0"/>
+              <a:t> </a:t>
+            </a:r>
+          </a:p>
+        </p:txBody>
+      </p:sp>
     </p:spTree>
   </p:cSld>
   <p:clrMapOvr>
@@ -13589,13 +13433,7 @@
   <p:cSld>
     <p:spTree>
       <p:nvGrpSpPr>
-        <p:cNvPr id="1" name="">
-          <a:extLst>
-            <a:ext uri="{FF2B5EF4-FFF2-40B4-BE49-F238E27FC236}">
-              <a16:creationId xmlns:a16="http://schemas.microsoft.com/office/drawing/2014/main" id="{A067CAF2-AEB5-4F50-8E2D-B4F0B19E7C47}"/>
-            </a:ext>
-          </a:extLst>
-        </p:cNvPr>
+        <p:cNvPr id="1" name=""/>
         <p:cNvGrpSpPr/>
         <p:nvPr/>
       </p:nvGrpSpPr>
@@ -13607,12 +13445,70 @@
           <a:chExt cx="0" cy="0"/>
         </a:xfrm>
       </p:grpSpPr>
+      <p:sp>
+        <p:nvSpPr>
+          <p:cNvPr id="2" name="文本占位符 1"/>
+          <p:cNvSpPr>
+            <a:spLocks noGrp="1"/>
+          </p:cNvSpPr>
+          <p:nvPr>
+            <p:ph type="body" sz="quarter" idx="14"/>
+          </p:nvPr>
+        </p:nvSpPr>
+        <p:spPr>
+          <a:xfrm>
+            <a:off x="656590" y="850274"/>
+            <a:ext cx="5544185" cy="8111490"/>
+          </a:xfrm>
+          <a:ln>
+            <a:solidFill>
+              <a:schemeClr val="accent5">
+                <a:lumMod val="60000"/>
+                <a:lumOff val="40000"/>
+              </a:schemeClr>
+            </a:solidFill>
+          </a:ln>
+        </p:spPr>
+        <p:txBody>
+          <a:bodyPr/>
+          <a:lstStyle/>
+          <a:p>
+            <a:pPr marL="0" indent="0">
+              <a:buNone/>
+            </a:pPr>
+            <a:r>
+              <a:rPr lang="en-US" altLang="zh-CN" sz="1400" dirty="0">
+                <a:latin typeface="微软雅黑" panose="020B0503020204020204" pitchFamily="34" charset="-122"/>
+                <a:ea typeface="微软雅黑" panose="020B0503020204020204" pitchFamily="34" charset="-122"/>
+                <a:sym typeface="+mn-ea"/>
+              </a:rPr>
+              <a:t>{{AI</a:t>
+            </a:r>
+            <a:r>
+              <a:rPr lang="zh-CN" altLang="en-US" sz="1400" dirty="0">
+                <a:latin typeface="微软雅黑" panose="020B0503020204020204" pitchFamily="34" charset="-122"/>
+                <a:ea typeface="微软雅黑" panose="020B0503020204020204" pitchFamily="34" charset="-122"/>
+                <a:sym typeface="+mn-ea"/>
+              </a:rPr>
+              <a:t>总结</a:t>
+            </a:r>
+            <a:r>
+              <a:rPr lang="en-US" altLang="zh-CN" sz="1400" dirty="0">
+                <a:latin typeface="微软雅黑" panose="020B0503020204020204" pitchFamily="34" charset="-122"/>
+                <a:ea typeface="微软雅黑" panose="020B0503020204020204" pitchFamily="34" charset="-122"/>
+                <a:sym typeface="+mn-ea"/>
+              </a:rPr>
+              <a:t>}}</a:t>
+            </a:r>
+            <a:endParaRPr lang="zh-CN" altLang="en-US" sz="1400" dirty="0">
+              <a:latin typeface="微软雅黑" panose="020B0503020204020204" pitchFamily="34" charset="-122"/>
+              <a:ea typeface="微软雅黑" panose="020B0503020204020204" pitchFamily="34" charset="-122"/>
+              <a:sym typeface="+mn-ea"/>
+            </a:endParaRPr>
+          </a:p>
+        </p:txBody>
+      </p:sp>
     </p:spTree>
-    <p:extLst>
-      <p:ext uri="{BB962C8B-B14F-4D97-AF65-F5344CB8AC3E}">
-        <p14:creationId xmlns:p14="http://schemas.microsoft.com/office/powerpoint/2010/main" val="3249268388"/>
-      </p:ext>
-    </p:extLst>
   </p:cSld>
   <p:clrMapOvr>
     <a:masterClrMapping/>
@@ -13638,186 +13534,6 @@
         </a:xfrm>
       </p:grpSpPr>
     </p:spTree>
-  </p:cSld>
-  <p:clrMapOvr>
-    <a:masterClrMapping/>
-  </p:clrMapOvr>
-</p:sld>
-</file>
-
-<file path=ppt/slides/slide5.xml><?xml version="1.0" encoding="utf-8"?>
-<p:sld xmlns:a="http://schemas.openxmlformats.org/drawingml/2006/main" xmlns:r="http://schemas.openxmlformats.org/officeDocument/2006/relationships" xmlns:p="http://schemas.openxmlformats.org/presentationml/2006/main">
-  <p:cSld>
-    <p:spTree>
-      <p:nvGrpSpPr>
-        <p:cNvPr id="1" name="">
-          <a:extLst>
-            <a:ext uri="{FF2B5EF4-FFF2-40B4-BE49-F238E27FC236}">
-              <a16:creationId xmlns:a16="http://schemas.microsoft.com/office/drawing/2014/main" id="{9F5FB17E-F43A-EFEC-777E-8B30F487A308}"/>
-            </a:ext>
-          </a:extLst>
-        </p:cNvPr>
-        <p:cNvGrpSpPr/>
-        <p:nvPr/>
-      </p:nvGrpSpPr>
-      <p:grpSpPr>
-        <a:xfrm>
-          <a:off x="0" y="0"/>
-          <a:ext cx="0" cy="0"/>
-          <a:chOff x="0" y="0"/>
-          <a:chExt cx="0" cy="0"/>
-        </a:xfrm>
-      </p:grpSpPr>
-    </p:spTree>
-    <p:extLst>
-      <p:ext uri="{BB962C8B-B14F-4D97-AF65-F5344CB8AC3E}">
-        <p14:creationId xmlns:p14="http://schemas.microsoft.com/office/powerpoint/2010/main" val="3942320695"/>
-      </p:ext>
-    </p:extLst>
-  </p:cSld>
-  <p:clrMapOvr>
-    <a:masterClrMapping/>
-  </p:clrMapOvr>
-</p:sld>
-</file>
-
-<file path=ppt/slides/slide6.xml><?xml version="1.0" encoding="utf-8"?>
-<p:sld xmlns:a="http://schemas.openxmlformats.org/drawingml/2006/main" xmlns:r="http://schemas.openxmlformats.org/officeDocument/2006/relationships" xmlns:p="http://schemas.openxmlformats.org/presentationml/2006/main">
-  <p:cSld>
-    <p:spTree>
-      <p:nvGrpSpPr>
-        <p:cNvPr id="1" name="">
-          <a:extLst>
-            <a:ext uri="{FF2B5EF4-FFF2-40B4-BE49-F238E27FC236}">
-              <a16:creationId xmlns:a16="http://schemas.microsoft.com/office/drawing/2014/main" id="{C54B8681-CE66-0034-0EEB-4385A80670E8}"/>
-            </a:ext>
-          </a:extLst>
-        </p:cNvPr>
-        <p:cNvGrpSpPr/>
-        <p:nvPr/>
-      </p:nvGrpSpPr>
-      <p:grpSpPr>
-        <a:xfrm>
-          <a:off x="0" y="0"/>
-          <a:ext cx="0" cy="0"/>
-          <a:chOff x="0" y="0"/>
-          <a:chExt cx="0" cy="0"/>
-        </a:xfrm>
-      </p:grpSpPr>
-    </p:spTree>
-    <p:extLst>
-      <p:ext uri="{BB962C8B-B14F-4D97-AF65-F5344CB8AC3E}">
-        <p14:creationId xmlns:p14="http://schemas.microsoft.com/office/powerpoint/2010/main" val="2016448440"/>
-      </p:ext>
-    </p:extLst>
-  </p:cSld>
-  <p:clrMapOvr>
-    <a:masterClrMapping/>
-  </p:clrMapOvr>
-</p:sld>
-</file>
-
-<file path=ppt/slides/slide7.xml><?xml version="1.0" encoding="utf-8"?>
-<p:sld xmlns:a="http://schemas.openxmlformats.org/drawingml/2006/main" xmlns:r="http://schemas.openxmlformats.org/officeDocument/2006/relationships" xmlns:p="http://schemas.openxmlformats.org/presentationml/2006/main">
-  <p:cSld>
-    <p:spTree>
-      <p:nvGrpSpPr>
-        <p:cNvPr id="1" name="">
-          <a:extLst>
-            <a:ext uri="{FF2B5EF4-FFF2-40B4-BE49-F238E27FC236}">
-              <a16:creationId xmlns:a16="http://schemas.microsoft.com/office/drawing/2014/main" id="{84A639CC-54C7-ED66-75CC-65EF0C146CDD}"/>
-            </a:ext>
-          </a:extLst>
-        </p:cNvPr>
-        <p:cNvGrpSpPr/>
-        <p:nvPr/>
-      </p:nvGrpSpPr>
-      <p:grpSpPr>
-        <a:xfrm>
-          <a:off x="0" y="0"/>
-          <a:ext cx="0" cy="0"/>
-          <a:chOff x="0" y="0"/>
-          <a:chExt cx="0" cy="0"/>
-        </a:xfrm>
-      </p:grpSpPr>
-    </p:spTree>
-    <p:extLst>
-      <p:ext uri="{BB962C8B-B14F-4D97-AF65-F5344CB8AC3E}">
-        <p14:creationId xmlns:p14="http://schemas.microsoft.com/office/powerpoint/2010/main" val="2480319086"/>
-      </p:ext>
-    </p:extLst>
-  </p:cSld>
-  <p:clrMapOvr>
-    <a:masterClrMapping/>
-  </p:clrMapOvr>
-</p:sld>
-</file>
-
-<file path=ppt/slides/slide8.xml><?xml version="1.0" encoding="utf-8"?>
-<p:sld xmlns:a="http://schemas.openxmlformats.org/drawingml/2006/main" xmlns:r="http://schemas.openxmlformats.org/officeDocument/2006/relationships" xmlns:p="http://schemas.openxmlformats.org/presentationml/2006/main">
-  <p:cSld>
-    <p:spTree>
-      <p:nvGrpSpPr>
-        <p:cNvPr id="1" name="">
-          <a:extLst>
-            <a:ext uri="{FF2B5EF4-FFF2-40B4-BE49-F238E27FC236}">
-              <a16:creationId xmlns:a16="http://schemas.microsoft.com/office/drawing/2014/main" id="{9C5E782D-EF40-9C78-3D4F-301CA1799533}"/>
-            </a:ext>
-          </a:extLst>
-        </p:cNvPr>
-        <p:cNvGrpSpPr/>
-        <p:nvPr/>
-      </p:nvGrpSpPr>
-      <p:grpSpPr>
-        <a:xfrm>
-          <a:off x="0" y="0"/>
-          <a:ext cx="0" cy="0"/>
-          <a:chOff x="0" y="0"/>
-          <a:chExt cx="0" cy="0"/>
-        </a:xfrm>
-      </p:grpSpPr>
-    </p:spTree>
-    <p:extLst>
-      <p:ext uri="{BB962C8B-B14F-4D97-AF65-F5344CB8AC3E}">
-        <p14:creationId xmlns:p14="http://schemas.microsoft.com/office/powerpoint/2010/main" val="1585790386"/>
-      </p:ext>
-    </p:extLst>
-  </p:cSld>
-  <p:clrMapOvr>
-    <a:masterClrMapping/>
-  </p:clrMapOvr>
-</p:sld>
-</file>
-
-<file path=ppt/slides/slide9.xml><?xml version="1.0" encoding="utf-8"?>
-<p:sld xmlns:a="http://schemas.openxmlformats.org/drawingml/2006/main" xmlns:r="http://schemas.openxmlformats.org/officeDocument/2006/relationships" xmlns:p="http://schemas.openxmlformats.org/presentationml/2006/main">
-  <p:cSld>
-    <p:spTree>
-      <p:nvGrpSpPr>
-        <p:cNvPr id="1" name="">
-          <a:extLst>
-            <a:ext uri="{FF2B5EF4-FFF2-40B4-BE49-F238E27FC236}">
-              <a16:creationId xmlns:a16="http://schemas.microsoft.com/office/drawing/2014/main" id="{7526C1A4-3E35-C8A2-1720-7967E982E443}"/>
-            </a:ext>
-          </a:extLst>
-        </p:cNvPr>
-        <p:cNvGrpSpPr/>
-        <p:nvPr/>
-      </p:nvGrpSpPr>
-      <p:grpSpPr>
-        <a:xfrm>
-          <a:off x="0" y="0"/>
-          <a:ext cx="0" cy="0"/>
-          <a:chOff x="0" y="0"/>
-          <a:chExt cx="0" cy="0"/>
-        </a:xfrm>
-      </p:grpSpPr>
-    </p:spTree>
-    <p:extLst>
-      <p:ext uri="{BB962C8B-B14F-4D97-AF65-F5344CB8AC3E}">
-        <p14:creationId xmlns:p14="http://schemas.microsoft.com/office/powerpoint/2010/main" val="2143992735"/>
-      </p:ext>
-    </p:extLst>
   </p:cSld>
   <p:clrMapOvr>
     <a:masterClrMapping/>

--- a/2025员工体检报告（模板）.pptx
+++ b/2025员工体检报告（模板）.pptx
@@ -13261,20 +13261,8 @@
           <a:lstStyle/>
           <a:p>
             <a:r>
-              <a:rPr lang="en-US" altLang="zh-CN" dirty="0"/>
-              <a:t>{{</a:t>
-            </a:r>
-            <a:r>
               <a:rPr lang="zh-CN" altLang="en-US" dirty="0"/>
-              <a:t>姓名</a:t>
-            </a:r>
-            <a:r>
-              <a:rPr lang="en-US" altLang="zh-CN" dirty="0"/>
-              <a:t>}}</a:t>
-            </a:r>
-            <a:r>
-              <a:rPr lang="zh-CN" altLang="en-US" dirty="0"/>
-              <a:t> </a:t>
+              <a:t>姓名 </a:t>
             </a:r>
             <a:endParaRPr kumimoji="1" lang="zh-CN" altLang="en-US" dirty="0"/>
           </a:p>
@@ -13296,20 +13284,8 @@
           <a:lstStyle/>
           <a:p>
             <a:r>
-              <a:rPr lang="en-US" altLang="zh-CN" dirty="0"/>
-              <a:t>{{</a:t>
-            </a:r>
-            <a:r>
               <a:rPr lang="zh-CN" altLang="en-US" dirty="0"/>
               <a:t>性别</a:t>
-            </a:r>
-            <a:r>
-              <a:rPr lang="en-US" altLang="zh-CN" dirty="0"/>
-              <a:t>}}</a:t>
-            </a:r>
-            <a:r>
-              <a:rPr lang="zh-CN" altLang="en-US" dirty="0"/>
-              <a:t> </a:t>
             </a:r>
             <a:endParaRPr kumimoji="1" lang="zh-CN" altLang="en-US" dirty="0"/>
           </a:p>
@@ -13331,20 +13307,8 @@
           <a:lstStyle/>
           <a:p>
             <a:r>
-              <a:rPr lang="en-US" altLang="zh-CN" dirty="0"/>
-              <a:t>{{</a:t>
-            </a:r>
-            <a:r>
-              <a:rPr lang="zh-CN" altLang="en-US" dirty="0"/>
-              <a:t>年龄</a:t>
-            </a:r>
-            <a:r>
-              <a:rPr lang="en-US" altLang="zh-CN" dirty="0"/>
-              <a:t>}}</a:t>
-            </a:r>
-            <a:r>
-              <a:rPr lang="zh-CN" altLang="en-US" dirty="0"/>
-              <a:t> </a:t>
+              <a:rPr lang="zh-CN" altLang="en-US"/>
+              <a:t> 年龄 </a:t>
             </a:r>
             <a:endParaRPr kumimoji="1" lang="en-US" altLang="zh-CN" dirty="0"/>
           </a:p>
@@ -13366,21 +13330,10 @@
           <a:lstStyle/>
           <a:p>
             <a:r>
-              <a:rPr lang="en-US" altLang="zh-CN" dirty="0"/>
-              <a:t>{{</a:t>
-            </a:r>
-            <a:r>
               <a:rPr lang="zh-CN" altLang="en-US"/>
               <a:t>日期</a:t>
             </a:r>
-            <a:r>
-              <a:rPr lang="en-US" altLang="zh-CN"/>
-              <a:t>}}</a:t>
-            </a:r>
-            <a:r>
-              <a:rPr lang="zh-CN" altLang="en-US" dirty="0"/>
-              <a:t> </a:t>
-            </a:r>
+            <a:endParaRPr lang="zh-CN" altLang="en-US" dirty="0"/>
           </a:p>
         </p:txBody>
       </p:sp>

--- a/2025员工体检报告（模板）.pptx
+++ b/2025员工体检报告（模板）.pptx
@@ -216,7 +216,7 @@
           <a:p>
             <a:fld id="{4CC4F749-1A8B-2A4A-9EFC-B5FDB292ED71}" type="datetimeFigureOut">
               <a:rPr kumimoji="1" lang="zh-CN" altLang="en-US" smtClean="0"/>
-              <a:t>2025/11/27</a:t>
+              <a:t>2025/11/28</a:t>
             </a:fld>
             <a:endParaRPr kumimoji="1" lang="zh-CN" altLang="en-US"/>
           </a:p>
@@ -1322,7 +1322,7 @@
           <a:p>
             <a:fld id="{CAF26E60-0005-794A-A2AC-CFCEB36E1E25}" type="datetimeFigureOut">
               <a:rPr kumimoji="1" lang="zh-CN" altLang="en-US" smtClean="0"/>
-              <a:t>2025/11/27</a:t>
+              <a:t>2025/11/28</a:t>
             </a:fld>
             <a:endParaRPr kumimoji="1" lang="zh-CN" altLang="en-US"/>
           </a:p>
@@ -1602,7 +1602,7 @@
           <a:p>
             <a:fld id="{CAF26E60-0005-794A-A2AC-CFCEB36E1E25}" type="datetimeFigureOut">
               <a:rPr kumimoji="1" lang="zh-CN" altLang="en-US" smtClean="0"/>
-              <a:t>2025/11/27</a:t>
+              <a:t>2025/11/28</a:t>
             </a:fld>
             <a:endParaRPr kumimoji="1" lang="zh-CN" altLang="en-US"/>
           </a:p>
@@ -1805,7 +1805,7 @@
           <a:p>
             <a:fld id="{CAF26E60-0005-794A-A2AC-CFCEB36E1E25}" type="datetimeFigureOut">
               <a:rPr kumimoji="1" lang="zh-CN" altLang="en-US" smtClean="0"/>
-              <a:t>2025/11/27</a:t>
+              <a:t>2025/11/28</a:t>
             </a:fld>
             <a:endParaRPr kumimoji="1" lang="zh-CN" altLang="en-US"/>
           </a:p>
@@ -2008,7 +2008,7 @@
           <a:p>
             <a:fld id="{CAF26E60-0005-794A-A2AC-CFCEB36E1E25}" type="datetimeFigureOut">
               <a:rPr kumimoji="1" lang="zh-CN" altLang="en-US" smtClean="0"/>
-              <a:t>2025/11/27</a:t>
+              <a:t>2025/11/28</a:t>
             </a:fld>
             <a:endParaRPr kumimoji="1" lang="zh-CN" altLang="en-US"/>
           </a:p>
@@ -10589,7 +10589,7 @@
           <a:p>
             <a:fld id="{CAF26E60-0005-794A-A2AC-CFCEB36E1E25}" type="datetimeFigureOut">
               <a:rPr kumimoji="1" lang="zh-CN" altLang="en-US" smtClean="0"/>
-              <a:t>2025/11/27</a:t>
+              <a:t>2025/11/28</a:t>
             </a:fld>
             <a:endParaRPr kumimoji="1" lang="zh-CN" altLang="en-US"/>
           </a:p>
@@ -10792,7 +10792,7 @@
           <a:p>
             <a:fld id="{CAF26E60-0005-794A-A2AC-CFCEB36E1E25}" type="datetimeFigureOut">
               <a:rPr kumimoji="1" lang="zh-CN" altLang="en-US" smtClean="0"/>
-              <a:t>2025/11/27</a:t>
+              <a:t>2025/11/28</a:t>
             </a:fld>
             <a:endParaRPr kumimoji="1" lang="zh-CN" altLang="en-US"/>
           </a:p>
@@ -11062,7 +11062,7 @@
           <a:p>
             <a:fld id="{CAF26E60-0005-794A-A2AC-CFCEB36E1E25}" type="datetimeFigureOut">
               <a:rPr kumimoji="1" lang="zh-CN" altLang="en-US" smtClean="0"/>
-              <a:t>2025/11/27</a:t>
+              <a:t>2025/11/28</a:t>
             </a:fld>
             <a:endParaRPr kumimoji="1" lang="zh-CN" altLang="en-US"/>
           </a:p>
@@ -11324,7 +11324,7 @@
           <a:p>
             <a:fld id="{CAF26E60-0005-794A-A2AC-CFCEB36E1E25}" type="datetimeFigureOut">
               <a:rPr kumimoji="1" lang="zh-CN" altLang="en-US" smtClean="0"/>
-              <a:t>2025/11/27</a:t>
+              <a:t>2025/11/28</a:t>
             </a:fld>
             <a:endParaRPr kumimoji="1" lang="zh-CN" altLang="en-US"/>
           </a:p>
@@ -11722,7 +11722,7 @@
           <a:p>
             <a:fld id="{CAF26E60-0005-794A-A2AC-CFCEB36E1E25}" type="datetimeFigureOut">
               <a:rPr kumimoji="1" lang="zh-CN" altLang="en-US" smtClean="0"/>
-              <a:t>2025/11/27</a:t>
+              <a:t>2025/11/28</a:t>
             </a:fld>
             <a:endParaRPr kumimoji="1" lang="zh-CN" altLang="en-US"/>
           </a:p>
@@ -11866,7 +11866,7 @@
           <a:p>
             <a:fld id="{CAF26E60-0005-794A-A2AC-CFCEB36E1E25}" type="datetimeFigureOut">
               <a:rPr kumimoji="1" lang="zh-CN" altLang="en-US" smtClean="0"/>
-              <a:t>2025/11/27</a:t>
+              <a:t>2025/11/28</a:t>
             </a:fld>
             <a:endParaRPr kumimoji="1" lang="zh-CN" altLang="en-US"/>
           </a:p>
@@ -11980,7 +11980,7 @@
           <a:p>
             <a:fld id="{CAF26E60-0005-794A-A2AC-CFCEB36E1E25}" type="datetimeFigureOut">
               <a:rPr kumimoji="1" lang="zh-CN" altLang="en-US" smtClean="0"/>
-              <a:t>2025/11/27</a:t>
+              <a:t>2025/11/28</a:t>
             </a:fld>
             <a:endParaRPr kumimoji="1" lang="zh-CN" altLang="en-US"/>
           </a:p>
@@ -12202,7 +12202,7 @@
           <a:p>
             <a:fld id="{1F22E670-0285-414D-9D27-33719FC40C21}" type="datetimeFigureOut">
               <a:rPr lang="zh-CN" altLang="en-US" smtClean="0"/>
-              <a:t>2025/11/27</a:t>
+              <a:t>2025/11/28</a:t>
             </a:fld>
             <a:endParaRPr lang="zh-CN" altLang="en-US"/>
           </a:p>
@@ -13435,7 +13435,7 @@
                 <a:ea typeface="微软雅黑" panose="020B0503020204020204" pitchFamily="34" charset="-122"/>
                 <a:sym typeface="+mn-ea"/>
               </a:rPr>
-              <a:t>{{AI</a:t>
+              <a:t>{{</a:t>
             </a:r>
             <a:r>
               <a:rPr lang="zh-CN" altLang="en-US" sz="1400" dirty="0">

--- a/2025员工体检报告（模板）.pptx
+++ b/2025员工体检报告（模板）.pptx
@@ -13368,6 +13368,92 @@
           <a:chExt cx="0" cy="0"/>
         </a:xfrm>
       </p:grpSpPr>
+      <p:sp>
+        <p:nvSpPr>
+          <p:cNvPr id="2" name="Text 0">
+            <a:extLst>
+              <a:ext uri="{FF2B5EF4-FFF2-40B4-BE49-F238E27FC236}">
+                <a16:creationId xmlns:a16="http://schemas.microsoft.com/office/drawing/2014/main" id="{FD1F934A-9688-958D-D3C4-5743A3CD9DB5}"/>
+              </a:ext>
+            </a:extLst>
+          </p:cNvPr>
+          <p:cNvSpPr/>
+          <p:nvPr/>
+        </p:nvSpPr>
+        <p:spPr>
+          <a:xfrm>
+            <a:off x="302751" y="1233272"/>
+            <a:ext cx="5760720" cy="0"/>
+          </a:xfrm>
+          <a:prstGeom prst="rect">
+            <a:avLst/>
+          </a:prstGeom>
+          <a:noFill/>
+          <a:ln/>
+        </p:spPr>
+        <p:txBody>
+          <a:bodyPr wrap="square" rtlCol="0" anchor="ctr"/>
+          <a:lstStyle/>
+          <a:p>
+            <a:pPr marL="0" indent="0">
+              <a:buNone/>
+            </a:pPr>
+            <a:r>
+              <a:rPr lang="zh-CN" altLang="en-US" sz="2000" b="1" dirty="0">
+                <a:solidFill>
+                  <a:schemeClr val="accent1">
+                    <a:lumMod val="75000"/>
+                  </a:schemeClr>
+                </a:solidFill>
+              </a:rPr>
+              <a:t>影像标题</a:t>
+            </a:r>
+            <a:endParaRPr lang="en-US" sz="2000" b="1" dirty="0">
+              <a:solidFill>
+                <a:schemeClr val="accent1">
+                  <a:lumMod val="75000"/>
+                </a:schemeClr>
+              </a:solidFill>
+            </a:endParaRPr>
+          </a:p>
+        </p:txBody>
+      </p:sp>
+      <p:pic>
+        <p:nvPicPr>
+          <p:cNvPr id="5" name="图片 4">
+            <a:extLst>
+              <a:ext uri="{FF2B5EF4-FFF2-40B4-BE49-F238E27FC236}">
+                <a16:creationId xmlns:a16="http://schemas.microsoft.com/office/drawing/2014/main" id="{FE74C9D0-EFEC-873A-C0F6-594519EE32FC}"/>
+              </a:ext>
+            </a:extLst>
+          </p:cNvPr>
+          <p:cNvPicPr>
+            <a:picLocks noChangeAspect="1"/>
+          </p:cNvPicPr>
+          <p:nvPr/>
+        </p:nvPicPr>
+        <p:blipFill>
+          <a:blip r:embed="rId2">
+            <a:extLst>
+              <a:ext uri="{28A0092B-C50C-407E-A947-70E740481C1C}">
+                <a14:useLocalDpi xmlns:a14="http://schemas.microsoft.com/office/drawing/2010/main" val="0"/>
+              </a:ext>
+            </a:extLst>
+          </a:blip>
+          <a:stretch>
+            <a:fillRect/>
+          </a:stretch>
+        </p:blipFill>
+        <p:spPr>
+          <a:xfrm>
+            <a:off x="192101" y="1602482"/>
+            <a:ext cx="6500692" cy="7587617"/>
+          </a:xfrm>
+          <a:prstGeom prst="rect">
+            <a:avLst/>
+          </a:prstGeom>
+        </p:spPr>
+      </p:pic>
     </p:spTree>
     <p:extLst>
       <p:ext uri="{BB962C8B-B14F-4D97-AF65-F5344CB8AC3E}">

--- a/2025员工体检报告（模板）.pptx
+++ b/2025员工体检报告（模板）.pptx
@@ -13516,28 +13516,12 @@
               <a:buNone/>
             </a:pPr>
             <a:r>
-              <a:rPr lang="en-US" altLang="zh-CN" sz="1400" dirty="0">
-                <a:latin typeface="微软雅黑" panose="020B0503020204020204" pitchFamily="34" charset="-122"/>
-                <a:ea typeface="微软雅黑" panose="020B0503020204020204" pitchFamily="34" charset="-122"/>
-                <a:sym typeface="+mn-ea"/>
-              </a:rPr>
-              <a:t>{{</a:t>
-            </a:r>
-            <a:r>
-              <a:rPr lang="zh-CN" altLang="en-US" sz="1400" dirty="0">
+              <a:rPr lang="zh-CN" altLang="en-US" sz="1400">
                 <a:latin typeface="微软雅黑" panose="020B0503020204020204" pitchFamily="34" charset="-122"/>
                 <a:ea typeface="微软雅黑" panose="020B0503020204020204" pitchFamily="34" charset="-122"/>
                 <a:sym typeface="+mn-ea"/>
               </a:rPr>
               <a:t>总结</a:t>
-            </a:r>
-            <a:r>
-              <a:rPr lang="en-US" altLang="zh-CN" sz="1400" dirty="0">
-                <a:latin typeface="微软雅黑" panose="020B0503020204020204" pitchFamily="34" charset="-122"/>
-                <a:ea typeface="微软雅黑" panose="020B0503020204020204" pitchFamily="34" charset="-122"/>
-                <a:sym typeface="+mn-ea"/>
-              </a:rPr>
-              <a:t>}}</a:t>
             </a:r>
             <a:endParaRPr lang="zh-CN" altLang="en-US" sz="1400" dirty="0">
               <a:latin typeface="微软雅黑" panose="020B0503020204020204" pitchFamily="34" charset="-122"/>

--- a/2025员工体检报告（模板）.pptx
+++ b/2025员工体检报告（模板）.pptx
@@ -13368,56 +13368,6 @@
           <a:chExt cx="0" cy="0"/>
         </a:xfrm>
       </p:grpSpPr>
-      <p:sp>
-        <p:nvSpPr>
-          <p:cNvPr id="2" name="Text 0">
-            <a:extLst>
-              <a:ext uri="{FF2B5EF4-FFF2-40B4-BE49-F238E27FC236}">
-                <a16:creationId xmlns:a16="http://schemas.microsoft.com/office/drawing/2014/main" id="{FD1F934A-9688-958D-D3C4-5743A3CD9DB5}"/>
-              </a:ext>
-            </a:extLst>
-          </p:cNvPr>
-          <p:cNvSpPr/>
-          <p:nvPr/>
-        </p:nvSpPr>
-        <p:spPr>
-          <a:xfrm>
-            <a:off x="302751" y="1233272"/>
-            <a:ext cx="5760720" cy="0"/>
-          </a:xfrm>
-          <a:prstGeom prst="rect">
-            <a:avLst/>
-          </a:prstGeom>
-          <a:noFill/>
-          <a:ln/>
-        </p:spPr>
-        <p:txBody>
-          <a:bodyPr wrap="square" rtlCol="0" anchor="ctr"/>
-          <a:lstStyle/>
-          <a:p>
-            <a:pPr marL="0" indent="0">
-              <a:buNone/>
-            </a:pPr>
-            <a:r>
-              <a:rPr lang="zh-CN" altLang="en-US" sz="2000" b="1" dirty="0">
-                <a:solidFill>
-                  <a:schemeClr val="accent1">
-                    <a:lumMod val="75000"/>
-                  </a:schemeClr>
-                </a:solidFill>
-              </a:rPr>
-              <a:t>影像标题</a:t>
-            </a:r>
-            <a:endParaRPr lang="en-US" sz="2000" b="1" dirty="0">
-              <a:solidFill>
-                <a:schemeClr val="accent1">
-                  <a:lumMod val="75000"/>
-                </a:schemeClr>
-              </a:solidFill>
-            </a:endParaRPr>
-          </a:p>
-        </p:txBody>
-      </p:sp>
       <p:pic>
         <p:nvPicPr>
           <p:cNvPr id="5" name="图片 4">
@@ -13446,8 +13396,8 @@
         </p:blipFill>
         <p:spPr>
           <a:xfrm>
-            <a:off x="192101" y="1602482"/>
-            <a:ext cx="6500692" cy="7587617"/>
+            <a:off x="192101" y="990600"/>
+            <a:ext cx="6500692" cy="8199499"/>
           </a:xfrm>
           <a:prstGeom prst="rect">
             <a:avLst/>

--- a/2025员工体检报告（模板）.pptx
+++ b/2025员工体检报告（模板）.pptx
@@ -218,7 +218,7 @@
           <a:p>
             <a:fld id="{4CC4F749-1A8B-2A4A-9EFC-B5FDB292ED71}" type="datetimeFigureOut">
               <a:rPr kumimoji="1" lang="zh-CN" altLang="en-US" smtClean="0"/>
-              <a:t>2025/11/28</a:t>
+              <a:t>2025/11/29</a:t>
             </a:fld>
             <a:endParaRPr kumimoji="1" lang="zh-CN" altLang="en-US"/>
           </a:p>
@@ -1283,7 +1283,7 @@
           <a:p>
             <a:fld id="{CAF26E60-0005-794A-A2AC-CFCEB36E1E25}" type="datetimeFigureOut">
               <a:rPr kumimoji="1" lang="zh-CN" altLang="en-US" smtClean="0"/>
-              <a:t>2025/11/28</a:t>
+              <a:t>2025/11/29</a:t>
             </a:fld>
             <a:endParaRPr kumimoji="1" lang="zh-CN" altLang="en-US"/>
           </a:p>
@@ -1681,7 +1681,7 @@
           <a:p>
             <a:fld id="{CAF26E60-0005-794A-A2AC-CFCEB36E1E25}" type="datetimeFigureOut">
               <a:rPr kumimoji="1" lang="zh-CN" altLang="en-US" smtClean="0"/>
-              <a:t>2025/11/28</a:t>
+              <a:t>2025/11/29</a:t>
             </a:fld>
             <a:endParaRPr kumimoji="1" lang="zh-CN" altLang="en-US"/>
           </a:p>
@@ -1825,7 +1825,7 @@
           <a:p>
             <a:fld id="{CAF26E60-0005-794A-A2AC-CFCEB36E1E25}" type="datetimeFigureOut">
               <a:rPr kumimoji="1" lang="zh-CN" altLang="en-US" smtClean="0"/>
-              <a:t>2025/11/28</a:t>
+              <a:t>2025/11/29</a:t>
             </a:fld>
             <a:endParaRPr kumimoji="1" lang="zh-CN" altLang="en-US"/>
           </a:p>
@@ -1939,7 +1939,7 @@
           <a:p>
             <a:fld id="{CAF26E60-0005-794A-A2AC-CFCEB36E1E25}" type="datetimeFigureOut">
               <a:rPr kumimoji="1" lang="zh-CN" altLang="en-US" smtClean="0"/>
-              <a:t>2025/11/28</a:t>
+              <a:t>2025/11/29</a:t>
             </a:fld>
             <a:endParaRPr kumimoji="1" lang="zh-CN" altLang="en-US"/>
           </a:p>
@@ -2242,7 +2242,7 @@
           <a:p>
             <a:fld id="{CAF26E60-0005-794A-A2AC-CFCEB36E1E25}" type="datetimeFigureOut">
               <a:rPr kumimoji="1" lang="zh-CN" altLang="en-US" smtClean="0"/>
-              <a:t>2025/11/28</a:t>
+              <a:t>2025/11/29</a:t>
             </a:fld>
             <a:endParaRPr kumimoji="1" lang="zh-CN" altLang="en-US"/>
           </a:p>
@@ -2522,7 +2522,7 @@
           <a:p>
             <a:fld id="{CAF26E60-0005-794A-A2AC-CFCEB36E1E25}" type="datetimeFigureOut">
               <a:rPr kumimoji="1" lang="zh-CN" altLang="en-US" smtClean="0"/>
-              <a:t>2025/11/28</a:t>
+              <a:t>2025/11/29</a:t>
             </a:fld>
             <a:endParaRPr kumimoji="1" lang="zh-CN" altLang="en-US"/>
           </a:p>
@@ -2725,7 +2725,7 @@
           <a:p>
             <a:fld id="{CAF26E60-0005-794A-A2AC-CFCEB36E1E25}" type="datetimeFigureOut">
               <a:rPr kumimoji="1" lang="zh-CN" altLang="en-US" smtClean="0"/>
-              <a:t>2025/11/28</a:t>
+              <a:t>2025/11/29</a:t>
             </a:fld>
             <a:endParaRPr kumimoji="1" lang="zh-CN" altLang="en-US"/>
           </a:p>
@@ -2928,7 +2928,7 @@
           <a:p>
             <a:fld id="{CAF26E60-0005-794A-A2AC-CFCEB36E1E25}" type="datetimeFigureOut">
               <a:rPr kumimoji="1" lang="zh-CN" altLang="en-US" smtClean="0"/>
-              <a:t>2025/11/28</a:t>
+              <a:t>2025/11/29</a:t>
             </a:fld>
             <a:endParaRPr kumimoji="1" lang="zh-CN" altLang="en-US"/>
           </a:p>
@@ -5568,7 +5568,7 @@
           <a:p>
             <a:fld id="{CAF26E60-0005-794A-A2AC-CFCEB36E1E25}" type="datetimeFigureOut">
               <a:rPr kumimoji="1" lang="zh-CN" altLang="en-US" smtClean="0"/>
-              <a:t>2025/11/28</a:t>
+              <a:t>2025/11/29</a:t>
             </a:fld>
             <a:endParaRPr kumimoji="1" lang="zh-CN" altLang="en-US"/>
           </a:p>
@@ -5771,7 +5771,7 @@
           <a:p>
             <a:fld id="{CAF26E60-0005-794A-A2AC-CFCEB36E1E25}" type="datetimeFigureOut">
               <a:rPr kumimoji="1" lang="zh-CN" altLang="en-US" smtClean="0"/>
-              <a:t>2025/11/28</a:t>
+              <a:t>2025/11/29</a:t>
             </a:fld>
             <a:endParaRPr kumimoji="1" lang="zh-CN" altLang="en-US"/>
           </a:p>
@@ -6041,7 +6041,7 @@
           <a:p>
             <a:fld id="{CAF26E60-0005-794A-A2AC-CFCEB36E1E25}" type="datetimeFigureOut">
               <a:rPr kumimoji="1" lang="zh-CN" altLang="en-US" smtClean="0"/>
-              <a:t>2025/11/28</a:t>
+              <a:t>2025/11/29</a:t>
             </a:fld>
             <a:endParaRPr kumimoji="1" lang="zh-CN" altLang="en-US"/>
           </a:p>
@@ -6263,7 +6263,7 @@
           <a:p>
             <a:fld id="{1F22E670-0285-414D-9D27-33719FC40C21}" type="datetimeFigureOut">
               <a:rPr lang="zh-CN" altLang="en-US" smtClean="0"/>
-              <a:t>2025/11/28</a:t>
+              <a:t>2025/11/29</a:t>
             </a:fld>
             <a:endParaRPr lang="zh-CN" altLang="en-US"/>
           </a:p>
@@ -7101,49 +7101,42 @@
           <a:chExt cx="0" cy="0"/>
         </a:xfrm>
       </p:grpSpPr>
-      <p:sp>
-        <p:nvSpPr>
-          <p:cNvPr id="49154" name="图片占位符 1">
+      <p:pic>
+        <p:nvPicPr>
+          <p:cNvPr id="3" name="图片 2">
             <a:extLst>
               <a:ext uri="{FF2B5EF4-FFF2-40B4-BE49-F238E27FC236}">
-                <a16:creationId xmlns:a16="http://schemas.microsoft.com/office/drawing/2014/main" id="{488F2AE6-54B7-F383-FA1D-BF6A3C2E92AB}"/>
+                <a16:creationId xmlns:a16="http://schemas.microsoft.com/office/drawing/2014/main" id="{190863C2-ABAA-B42A-E0AC-D071CBCA10A6}"/>
               </a:ext>
             </a:extLst>
           </p:cNvPr>
-          <p:cNvSpPr>
-            <a:spLocks noGrp="1" noChangeArrowheads="1"/>
-          </p:cNvSpPr>
-          <p:nvPr>
-            <p:ph type="pic" sz="quarter" idx="10"/>
-          </p:nvPr>
-        </p:nvSpPr>
-        <p:spPr bwMode="auto">
-          <a:xfrm>
-            <a:off x="563563" y="1144588"/>
-            <a:ext cx="5730875" cy="8058150"/>
-          </a:xfrm>
-          <a:noFill/>
-          <a:extLst>
-            <a:ext uri="{909E8E84-426E-40DD-AFC4-6F175D3DCCD1}">
-              <a14:hiddenFill xmlns:a14="http://schemas.microsoft.com/office/drawing/2010/main">
-                <a:solidFill>
-                  <a:srgbClr val="FFFFFF"/>
-                </a:solidFill>
-              </a14:hiddenFill>
-            </a:ext>
-            <a:ext uri="{91240B29-F687-4F45-9708-019B960494DF}">
-              <a14:hiddenLine xmlns:a14="http://schemas.microsoft.com/office/drawing/2010/main" w="9525">
-                <a:solidFill>
-                  <a:srgbClr val="000000"/>
-                </a:solidFill>
-                <a:miter lim="800000"/>
-                <a:headEnd/>
-                <a:tailEnd/>
-              </a14:hiddenLine>
-            </a:ext>
-          </a:extLst>
-        </p:spPr>
-      </p:sp>
+          <p:cNvPicPr>
+            <a:picLocks noChangeAspect="1"/>
+          </p:cNvPicPr>
+          <p:nvPr/>
+        </p:nvPicPr>
+        <p:blipFill>
+          <a:blip r:embed="rId2">
+            <a:extLst>
+              <a:ext uri="{28A0092B-C50C-407E-A947-70E740481C1C}">
+                <a14:useLocalDpi xmlns:a14="http://schemas.microsoft.com/office/drawing/2010/main" val="0"/>
+              </a:ext>
+            </a:extLst>
+          </a:blip>
+          <a:stretch>
+            <a:fillRect/>
+          </a:stretch>
+        </p:blipFill>
+        <p:spPr>
+          <a:xfrm>
+            <a:off x="318653" y="937631"/>
+            <a:ext cx="6220693" cy="8335538"/>
+          </a:xfrm>
+          <a:prstGeom prst="rect">
+            <a:avLst/>
+          </a:prstGeom>
+        </p:spPr>
+      </p:pic>
     </p:spTree>
   </p:cSld>
   <p:clrMapOvr>
@@ -7169,49 +7162,42 @@
           <a:chExt cx="0" cy="0"/>
         </a:xfrm>
       </p:grpSpPr>
-      <p:sp>
-        <p:nvSpPr>
-          <p:cNvPr id="50178" name="图片占位符 1">
+      <p:pic>
+        <p:nvPicPr>
+          <p:cNvPr id="3" name="图片 2">
             <a:extLst>
               <a:ext uri="{FF2B5EF4-FFF2-40B4-BE49-F238E27FC236}">
-                <a16:creationId xmlns:a16="http://schemas.microsoft.com/office/drawing/2014/main" id="{029F5602-ACB3-2444-285F-22D55E2BD42E}"/>
+                <a16:creationId xmlns:a16="http://schemas.microsoft.com/office/drawing/2014/main" id="{C7EA775A-4A15-767E-DB81-69A4BDBD5DC0}"/>
               </a:ext>
             </a:extLst>
           </p:cNvPr>
-          <p:cNvSpPr>
-            <a:spLocks noGrp="1" noChangeArrowheads="1"/>
-          </p:cNvSpPr>
-          <p:nvPr>
-            <p:ph type="pic" sz="quarter" idx="10"/>
-          </p:nvPr>
-        </p:nvSpPr>
-        <p:spPr bwMode="auto">
-          <a:xfrm>
-            <a:off x="563563" y="1144588"/>
-            <a:ext cx="5730875" cy="8058150"/>
-          </a:xfrm>
-          <a:noFill/>
-          <a:extLst>
-            <a:ext uri="{909E8E84-426E-40DD-AFC4-6F175D3DCCD1}">
-              <a14:hiddenFill xmlns:a14="http://schemas.microsoft.com/office/drawing/2010/main">
-                <a:solidFill>
-                  <a:srgbClr val="FFFFFF"/>
-                </a:solidFill>
-              </a14:hiddenFill>
-            </a:ext>
-            <a:ext uri="{91240B29-F687-4F45-9708-019B960494DF}">
-              <a14:hiddenLine xmlns:a14="http://schemas.microsoft.com/office/drawing/2010/main" w="9525">
-                <a:solidFill>
-                  <a:srgbClr val="000000"/>
-                </a:solidFill>
-                <a:miter lim="800000"/>
-                <a:headEnd/>
-                <a:tailEnd/>
-              </a14:hiddenLine>
-            </a:ext>
-          </a:extLst>
-        </p:spPr>
-      </p:sp>
+          <p:cNvPicPr>
+            <a:picLocks noChangeAspect="1"/>
+          </p:cNvPicPr>
+          <p:nvPr/>
+        </p:nvPicPr>
+        <p:blipFill>
+          <a:blip r:embed="rId2">
+            <a:extLst>
+              <a:ext uri="{28A0092B-C50C-407E-A947-70E740481C1C}">
+                <a14:useLocalDpi xmlns:a14="http://schemas.microsoft.com/office/drawing/2010/main" val="0"/>
+              </a:ext>
+            </a:extLst>
+          </a:blip>
+          <a:stretch>
+            <a:fillRect/>
+          </a:stretch>
+        </p:blipFill>
+        <p:spPr>
+          <a:xfrm>
+            <a:off x="318653" y="950331"/>
+            <a:ext cx="6220693" cy="8335538"/>
+          </a:xfrm>
+          <a:prstGeom prst="rect">
+            <a:avLst/>
+          </a:prstGeom>
+        </p:spPr>
+      </p:pic>
     </p:spTree>
   </p:cSld>
   <p:clrMapOvr>
@@ -7237,49 +7223,42 @@
           <a:chExt cx="0" cy="0"/>
         </a:xfrm>
       </p:grpSpPr>
-      <p:sp>
-        <p:nvSpPr>
-          <p:cNvPr id="51202" name="图片占位符 1">
+      <p:pic>
+        <p:nvPicPr>
+          <p:cNvPr id="3" name="图片 2">
             <a:extLst>
               <a:ext uri="{FF2B5EF4-FFF2-40B4-BE49-F238E27FC236}">
-                <a16:creationId xmlns:a16="http://schemas.microsoft.com/office/drawing/2014/main" id="{A313F9B5-E27E-28CF-8395-301C0CA87632}"/>
+                <a16:creationId xmlns:a16="http://schemas.microsoft.com/office/drawing/2014/main" id="{225CE722-2F19-12C4-091F-C009FA0D81C0}"/>
               </a:ext>
             </a:extLst>
           </p:cNvPr>
-          <p:cNvSpPr>
-            <a:spLocks noGrp="1" noChangeArrowheads="1"/>
-          </p:cNvSpPr>
-          <p:nvPr>
-            <p:ph type="pic" sz="quarter" idx="10"/>
-          </p:nvPr>
-        </p:nvSpPr>
-        <p:spPr bwMode="auto">
-          <a:xfrm>
-            <a:off x="563563" y="998538"/>
-            <a:ext cx="5730875" cy="8058150"/>
-          </a:xfrm>
-          <a:noFill/>
-          <a:extLst>
-            <a:ext uri="{909E8E84-426E-40DD-AFC4-6F175D3DCCD1}">
-              <a14:hiddenFill xmlns:a14="http://schemas.microsoft.com/office/drawing/2010/main">
-                <a:solidFill>
-                  <a:srgbClr val="FFFFFF"/>
-                </a:solidFill>
-              </a14:hiddenFill>
-            </a:ext>
-            <a:ext uri="{91240B29-F687-4F45-9708-019B960494DF}">
-              <a14:hiddenLine xmlns:a14="http://schemas.microsoft.com/office/drawing/2010/main" w="9525">
-                <a:solidFill>
-                  <a:srgbClr val="000000"/>
-                </a:solidFill>
-                <a:miter lim="800000"/>
-                <a:headEnd/>
-                <a:tailEnd/>
-              </a14:hiddenLine>
-            </a:ext>
-          </a:extLst>
-        </p:spPr>
-      </p:sp>
+          <p:cNvPicPr>
+            <a:picLocks noChangeAspect="1"/>
+          </p:cNvPicPr>
+          <p:nvPr/>
+        </p:nvPicPr>
+        <p:blipFill>
+          <a:blip r:embed="rId2">
+            <a:extLst>
+              <a:ext uri="{28A0092B-C50C-407E-A947-70E740481C1C}">
+                <a14:useLocalDpi xmlns:a14="http://schemas.microsoft.com/office/drawing/2010/main" val="0"/>
+              </a:ext>
+            </a:extLst>
+          </a:blip>
+          <a:stretch>
+            <a:fillRect/>
+          </a:stretch>
+        </p:blipFill>
+        <p:spPr>
+          <a:xfrm>
+            <a:off x="318653" y="963031"/>
+            <a:ext cx="6220693" cy="8335538"/>
+          </a:xfrm>
+          <a:prstGeom prst="rect">
+            <a:avLst/>
+          </a:prstGeom>
+        </p:spPr>
+      </p:pic>
     </p:spTree>
   </p:cSld>
   <p:clrMapOvr>
@@ -7307,15 +7286,15 @@
       </p:grpSpPr>
       <p:pic>
         <p:nvPicPr>
-          <p:cNvPr id="52226" name="图片 7">
+          <p:cNvPr id="3" name="图片 2">
             <a:extLst>
               <a:ext uri="{FF2B5EF4-FFF2-40B4-BE49-F238E27FC236}">
-                <a16:creationId xmlns:a16="http://schemas.microsoft.com/office/drawing/2014/main" id="{3384B5AB-C0AB-82FC-C361-6A78ECD9A179}"/>
+                <a16:creationId xmlns:a16="http://schemas.microsoft.com/office/drawing/2014/main" id="{C699A94E-49FC-0F1E-8F84-358797E25A13}"/>
               </a:ext>
             </a:extLst>
           </p:cNvPr>
           <p:cNvPicPr>
-            <a:picLocks noChangeAspect="1" noChangeArrowheads="1"/>
+            <a:picLocks noChangeAspect="1"/>
           </p:cNvPicPr>
           <p:nvPr/>
         </p:nvPicPr>
@@ -7327,42 +7306,18 @@
               </a:ext>
             </a:extLst>
           </a:blip>
-          <a:srcRect/>
           <a:stretch>
             <a:fillRect/>
           </a:stretch>
         </p:blipFill>
-        <p:spPr bwMode="auto">
-          <a:xfrm>
-            <a:off x="560388" y="923925"/>
-            <a:ext cx="5737225" cy="8058150"/>
-          </a:xfrm>
-          <a:prstGeom prst="rect">
-            <a:avLst/>
-          </a:prstGeom>
-          <a:noFill/>
-          <a:ln>
-            <a:noFill/>
-          </a:ln>
-          <a:extLst>
-            <a:ext uri="{909E8E84-426E-40DD-AFC4-6F175D3DCCD1}">
-              <a14:hiddenFill xmlns:a14="http://schemas.microsoft.com/office/drawing/2010/main">
-                <a:solidFill>
-                  <a:srgbClr val="FFFFFF"/>
-                </a:solidFill>
-              </a14:hiddenFill>
-            </a:ext>
-            <a:ext uri="{91240B29-F687-4F45-9708-019B960494DF}">
-              <a14:hiddenLine xmlns:a14="http://schemas.microsoft.com/office/drawing/2010/main" w="9525">
-                <a:solidFill>
-                  <a:srgbClr val="000000"/>
-                </a:solidFill>
-                <a:miter lim="800000"/>
-                <a:headEnd/>
-                <a:tailEnd/>
-              </a14:hiddenLine>
-            </a:ext>
-          </a:extLst>
+        <p:spPr>
+          <a:xfrm>
+            <a:off x="318653" y="950331"/>
+            <a:ext cx="6220693" cy="8335538"/>
+          </a:xfrm>
+          <a:prstGeom prst="rect">
+            <a:avLst/>
+          </a:prstGeom>
         </p:spPr>
       </p:pic>
     </p:spTree>

--- a/2025员工体检报告（模板）.pptx
+++ b/2025员工体检报告（模板）.pptx
@@ -218,7 +218,7 @@
           <a:p>
             <a:fld id="{4CC4F749-1A8B-2A4A-9EFC-B5FDB292ED71}" type="datetimeFigureOut">
               <a:rPr kumimoji="1" lang="zh-CN" altLang="en-US" smtClean="0"/>
-              <a:t>2025/11/29</a:t>
+              <a:t>2025/12/1</a:t>
             </a:fld>
             <a:endParaRPr kumimoji="1" lang="zh-CN" altLang="en-US"/>
           </a:p>
@@ -1283,7 +1283,7 @@
           <a:p>
             <a:fld id="{CAF26E60-0005-794A-A2AC-CFCEB36E1E25}" type="datetimeFigureOut">
               <a:rPr kumimoji="1" lang="zh-CN" altLang="en-US" smtClean="0"/>
-              <a:t>2025/11/29</a:t>
+              <a:t>2025/12/1</a:t>
             </a:fld>
             <a:endParaRPr kumimoji="1" lang="zh-CN" altLang="en-US"/>
           </a:p>
@@ -1681,7 +1681,7 @@
           <a:p>
             <a:fld id="{CAF26E60-0005-794A-A2AC-CFCEB36E1E25}" type="datetimeFigureOut">
               <a:rPr kumimoji="1" lang="zh-CN" altLang="en-US" smtClean="0"/>
-              <a:t>2025/11/29</a:t>
+              <a:t>2025/12/1</a:t>
             </a:fld>
             <a:endParaRPr kumimoji="1" lang="zh-CN" altLang="en-US"/>
           </a:p>
@@ -1825,7 +1825,7 @@
           <a:p>
             <a:fld id="{CAF26E60-0005-794A-A2AC-CFCEB36E1E25}" type="datetimeFigureOut">
               <a:rPr kumimoji="1" lang="zh-CN" altLang="en-US" smtClean="0"/>
-              <a:t>2025/11/29</a:t>
+              <a:t>2025/12/1</a:t>
             </a:fld>
             <a:endParaRPr kumimoji="1" lang="zh-CN" altLang="en-US"/>
           </a:p>
@@ -1939,7 +1939,7 @@
           <a:p>
             <a:fld id="{CAF26E60-0005-794A-A2AC-CFCEB36E1E25}" type="datetimeFigureOut">
               <a:rPr kumimoji="1" lang="zh-CN" altLang="en-US" smtClean="0"/>
-              <a:t>2025/11/29</a:t>
+              <a:t>2025/12/1</a:t>
             </a:fld>
             <a:endParaRPr kumimoji="1" lang="zh-CN" altLang="en-US"/>
           </a:p>
@@ -2242,7 +2242,7 @@
           <a:p>
             <a:fld id="{CAF26E60-0005-794A-A2AC-CFCEB36E1E25}" type="datetimeFigureOut">
               <a:rPr kumimoji="1" lang="zh-CN" altLang="en-US" smtClean="0"/>
-              <a:t>2025/11/29</a:t>
+              <a:t>2025/12/1</a:t>
             </a:fld>
             <a:endParaRPr kumimoji="1" lang="zh-CN" altLang="en-US"/>
           </a:p>
@@ -2522,7 +2522,7 @@
           <a:p>
             <a:fld id="{CAF26E60-0005-794A-A2AC-CFCEB36E1E25}" type="datetimeFigureOut">
               <a:rPr kumimoji="1" lang="zh-CN" altLang="en-US" smtClean="0"/>
-              <a:t>2025/11/29</a:t>
+              <a:t>2025/12/1</a:t>
             </a:fld>
             <a:endParaRPr kumimoji="1" lang="zh-CN" altLang="en-US"/>
           </a:p>
@@ -2725,7 +2725,7 @@
           <a:p>
             <a:fld id="{CAF26E60-0005-794A-A2AC-CFCEB36E1E25}" type="datetimeFigureOut">
               <a:rPr kumimoji="1" lang="zh-CN" altLang="en-US" smtClean="0"/>
-              <a:t>2025/11/29</a:t>
+              <a:t>2025/12/1</a:t>
             </a:fld>
             <a:endParaRPr kumimoji="1" lang="zh-CN" altLang="en-US"/>
           </a:p>
@@ -2928,7 +2928,7 @@
           <a:p>
             <a:fld id="{CAF26E60-0005-794A-A2AC-CFCEB36E1E25}" type="datetimeFigureOut">
               <a:rPr kumimoji="1" lang="zh-CN" altLang="en-US" smtClean="0"/>
-              <a:t>2025/11/29</a:t>
+              <a:t>2025/12/1</a:t>
             </a:fld>
             <a:endParaRPr kumimoji="1" lang="zh-CN" altLang="en-US"/>
           </a:p>
@@ -5568,7 +5568,7 @@
           <a:p>
             <a:fld id="{CAF26E60-0005-794A-A2AC-CFCEB36E1E25}" type="datetimeFigureOut">
               <a:rPr kumimoji="1" lang="zh-CN" altLang="en-US" smtClean="0"/>
-              <a:t>2025/11/29</a:t>
+              <a:t>2025/12/1</a:t>
             </a:fld>
             <a:endParaRPr kumimoji="1" lang="zh-CN" altLang="en-US"/>
           </a:p>
@@ -5771,7 +5771,7 @@
           <a:p>
             <a:fld id="{CAF26E60-0005-794A-A2AC-CFCEB36E1E25}" type="datetimeFigureOut">
               <a:rPr kumimoji="1" lang="zh-CN" altLang="en-US" smtClean="0"/>
-              <a:t>2025/11/29</a:t>
+              <a:t>2025/12/1</a:t>
             </a:fld>
             <a:endParaRPr kumimoji="1" lang="zh-CN" altLang="en-US"/>
           </a:p>
@@ -6041,7 +6041,7 @@
           <a:p>
             <a:fld id="{CAF26E60-0005-794A-A2AC-CFCEB36E1E25}" type="datetimeFigureOut">
               <a:rPr kumimoji="1" lang="zh-CN" altLang="en-US" smtClean="0"/>
-              <a:t>2025/11/29</a:t>
+              <a:t>2025/12/1</a:t>
             </a:fld>
             <a:endParaRPr kumimoji="1" lang="zh-CN" altLang="en-US"/>
           </a:p>
@@ -6263,7 +6263,7 @@
           <a:p>
             <a:fld id="{1F22E670-0285-414D-9D27-33719FC40C21}" type="datetimeFigureOut">
               <a:rPr lang="zh-CN" altLang="en-US" smtClean="0"/>
-              <a:t>2025/11/29</a:t>
+              <a:t>2025/12/1</a:t>
             </a:fld>
             <a:endParaRPr lang="zh-CN" altLang="en-US"/>
           </a:p>
@@ -7103,10 +7103,10 @@
       </p:grpSpPr>
       <p:pic>
         <p:nvPicPr>
-          <p:cNvPr id="3" name="图片 2">
+          <p:cNvPr id="4" name="图片 3">
             <a:extLst>
               <a:ext uri="{FF2B5EF4-FFF2-40B4-BE49-F238E27FC236}">
-                <a16:creationId xmlns:a16="http://schemas.microsoft.com/office/drawing/2014/main" id="{190863C2-ABAA-B42A-E0AC-D071CBCA10A6}"/>
+                <a16:creationId xmlns:a16="http://schemas.microsoft.com/office/drawing/2014/main" id="{091638A7-A900-5F57-EF11-D1784D23F338}"/>
               </a:ext>
             </a:extLst>
           </p:cNvPr>
@@ -7116,7 +7116,7 @@
           <p:nvPr/>
         </p:nvPicPr>
         <p:blipFill>
-          <a:blip r:embed="rId2">
+          <a:blip r:embed="rId2" cstate="print">
             <a:extLst>
               <a:ext uri="{28A0092B-C50C-407E-A947-70E740481C1C}">
                 <a14:useLocalDpi xmlns:a14="http://schemas.microsoft.com/office/drawing/2010/main" val="0"/>
@@ -7129,8 +7129,8 @@
         </p:blipFill>
         <p:spPr>
           <a:xfrm>
-            <a:off x="318653" y="937631"/>
-            <a:ext cx="6220693" cy="8335538"/>
+            <a:off x="469900" y="889000"/>
+            <a:ext cx="5955036" cy="8420101"/>
           </a:xfrm>
           <a:prstGeom prst="rect">
             <a:avLst/>
@@ -7164,10 +7164,10 @@
       </p:grpSpPr>
       <p:pic>
         <p:nvPicPr>
-          <p:cNvPr id="3" name="图片 2">
+          <p:cNvPr id="2" name="图片 1">
             <a:extLst>
               <a:ext uri="{FF2B5EF4-FFF2-40B4-BE49-F238E27FC236}">
-                <a16:creationId xmlns:a16="http://schemas.microsoft.com/office/drawing/2014/main" id="{C7EA775A-4A15-767E-DB81-69A4BDBD5DC0}"/>
+                <a16:creationId xmlns:a16="http://schemas.microsoft.com/office/drawing/2014/main" id="{AA5F0FD0-BFF0-D0BB-8237-C2E59F1316E8}"/>
               </a:ext>
             </a:extLst>
           </p:cNvPr>
@@ -7177,7 +7177,7 @@
           <p:nvPr/>
         </p:nvPicPr>
         <p:blipFill>
-          <a:blip r:embed="rId2">
+          <a:blip r:embed="rId2" cstate="print">
             <a:extLst>
               <a:ext uri="{28A0092B-C50C-407E-A947-70E740481C1C}">
                 <a14:useLocalDpi xmlns:a14="http://schemas.microsoft.com/office/drawing/2010/main" val="0"/>
@@ -7190,8 +7190,8 @@
         </p:blipFill>
         <p:spPr>
           <a:xfrm>
-            <a:off x="318653" y="950331"/>
-            <a:ext cx="6220693" cy="8335538"/>
+            <a:off x="469900" y="889000"/>
+            <a:ext cx="5955036" cy="8420101"/>
           </a:xfrm>
           <a:prstGeom prst="rect">
             <a:avLst/>
@@ -7225,10 +7225,10 @@
       </p:grpSpPr>
       <p:pic>
         <p:nvPicPr>
-          <p:cNvPr id="3" name="图片 2">
+          <p:cNvPr id="2" name="图片 1">
             <a:extLst>
               <a:ext uri="{FF2B5EF4-FFF2-40B4-BE49-F238E27FC236}">
-                <a16:creationId xmlns:a16="http://schemas.microsoft.com/office/drawing/2014/main" id="{225CE722-2F19-12C4-091F-C009FA0D81C0}"/>
+                <a16:creationId xmlns:a16="http://schemas.microsoft.com/office/drawing/2014/main" id="{944ABAB9-5C1C-E94F-5FEA-70CB03E1EF8E}"/>
               </a:ext>
             </a:extLst>
           </p:cNvPr>
@@ -7238,7 +7238,7 @@
           <p:nvPr/>
         </p:nvPicPr>
         <p:blipFill>
-          <a:blip r:embed="rId2">
+          <a:blip r:embed="rId2" cstate="print">
             <a:extLst>
               <a:ext uri="{28A0092B-C50C-407E-A947-70E740481C1C}">
                 <a14:useLocalDpi xmlns:a14="http://schemas.microsoft.com/office/drawing/2010/main" val="0"/>
@@ -7251,8 +7251,8 @@
         </p:blipFill>
         <p:spPr>
           <a:xfrm>
-            <a:off x="318653" y="963031"/>
-            <a:ext cx="6220693" cy="8335538"/>
+            <a:off x="469900" y="889000"/>
+            <a:ext cx="5955036" cy="8420101"/>
           </a:xfrm>
           <a:prstGeom prst="rect">
             <a:avLst/>
@@ -7286,10 +7286,10 @@
       </p:grpSpPr>
       <p:pic>
         <p:nvPicPr>
-          <p:cNvPr id="3" name="图片 2">
+          <p:cNvPr id="2" name="图片 1">
             <a:extLst>
               <a:ext uri="{FF2B5EF4-FFF2-40B4-BE49-F238E27FC236}">
-                <a16:creationId xmlns:a16="http://schemas.microsoft.com/office/drawing/2014/main" id="{C699A94E-49FC-0F1E-8F84-358797E25A13}"/>
+                <a16:creationId xmlns:a16="http://schemas.microsoft.com/office/drawing/2014/main" id="{255A46D3-6472-6F91-895A-FA24A935B447}"/>
               </a:ext>
             </a:extLst>
           </p:cNvPr>
@@ -7299,7 +7299,7 @@
           <p:nvPr/>
         </p:nvPicPr>
         <p:blipFill>
-          <a:blip r:embed="rId2">
+          <a:blip r:embed="rId2" cstate="print">
             <a:extLst>
               <a:ext uri="{28A0092B-C50C-407E-A947-70E740481C1C}">
                 <a14:useLocalDpi xmlns:a14="http://schemas.microsoft.com/office/drawing/2010/main" val="0"/>
@@ -7312,8 +7312,8 @@
         </p:blipFill>
         <p:spPr>
           <a:xfrm>
-            <a:off x="318653" y="950331"/>
-            <a:ext cx="6220693" cy="8335538"/>
+            <a:off x="469900" y="889000"/>
+            <a:ext cx="5955036" cy="8420101"/>
           </a:xfrm>
           <a:prstGeom prst="rect">
             <a:avLst/>

--- a/2025员工体检报告（模板）.pptx
+++ b/2025员工体检报告（模板）.pptx
@@ -12,7 +12,7 @@
     <p:sldId id="311" r:id="rId3"/>
     <p:sldId id="362" r:id="rId4"/>
     <p:sldId id="361" r:id="rId5"/>
-    <p:sldId id="363" r:id="rId6"/>
+    <p:sldId id="365" r:id="rId6"/>
     <p:sldId id="290" r:id="rId7"/>
     <p:sldId id="364" r:id="rId8"/>
     <p:sldId id="282" r:id="rId9"/>
@@ -1094,6 +1094,276 @@
 </file>
 
 <file path=ppt/slideLayouts/slideLayout10.xml><?xml version="1.0" encoding="utf-8"?>
+<p:sldLayout xmlns:a="http://schemas.openxmlformats.org/drawingml/2006/main" xmlns:r="http://schemas.openxmlformats.org/officeDocument/2006/relationships" xmlns:p="http://schemas.openxmlformats.org/presentationml/2006/main" type="secHead" preserve="1">
+  <p:cSld name="节标题">
+    <p:spTree>
+      <p:nvGrpSpPr>
+        <p:cNvPr id="1" name=""/>
+        <p:cNvGrpSpPr/>
+        <p:nvPr/>
+      </p:nvGrpSpPr>
+      <p:grpSpPr>
+        <a:xfrm>
+          <a:off x="0" y="0"/>
+          <a:ext cx="0" cy="0"/>
+          <a:chOff x="0" y="0"/>
+          <a:chExt cx="0" cy="0"/>
+        </a:xfrm>
+      </p:grpSpPr>
+      <p:sp>
+        <p:nvSpPr>
+          <p:cNvPr id="2" name="标题 1"/>
+          <p:cNvSpPr>
+            <a:spLocks noGrp="1"/>
+          </p:cNvSpPr>
+          <p:nvPr>
+            <p:ph type="title"/>
+          </p:nvPr>
+        </p:nvSpPr>
+        <p:spPr>
+          <a:xfrm>
+            <a:off x="468313" y="2470150"/>
+            <a:ext cx="5915025" cy="4119563"/>
+          </a:xfrm>
+          <a:prstGeom prst="rect">
+            <a:avLst/>
+          </a:prstGeom>
+        </p:spPr>
+        <p:txBody>
+          <a:bodyPr anchor="b"/>
+          <a:lstStyle>
+            <a:lvl1pPr>
+              <a:defRPr sz="6000"/>
+            </a:lvl1pPr>
+          </a:lstStyle>
+          <a:p>
+            <a:r>
+              <a:rPr kumimoji="1" lang="zh-CN" altLang="en-US"/>
+              <a:t>单击此处编辑母版标题样式</a:t>
+            </a:r>
+          </a:p>
+        </p:txBody>
+      </p:sp>
+      <p:sp>
+        <p:nvSpPr>
+          <p:cNvPr id="3" name="文本占位符 2"/>
+          <p:cNvSpPr>
+            <a:spLocks noGrp="1"/>
+          </p:cNvSpPr>
+          <p:nvPr>
+            <p:ph type="body" idx="1"/>
+          </p:nvPr>
+        </p:nvSpPr>
+        <p:spPr>
+          <a:xfrm>
+            <a:off x="468313" y="6629400"/>
+            <a:ext cx="5915025" cy="2166938"/>
+          </a:xfrm>
+          <a:prstGeom prst="rect">
+            <a:avLst/>
+          </a:prstGeom>
+        </p:spPr>
+        <p:txBody>
+          <a:bodyPr/>
+          <a:lstStyle>
+            <a:lvl1pPr marL="0" indent="0">
+              <a:buNone/>
+              <a:defRPr sz="2400">
+                <a:solidFill>
+                  <a:schemeClr val="tx1">
+                    <a:tint val="75000"/>
+                  </a:schemeClr>
+                </a:solidFill>
+              </a:defRPr>
+            </a:lvl1pPr>
+            <a:lvl2pPr marL="457200" indent="0">
+              <a:buNone/>
+              <a:defRPr sz="2000">
+                <a:solidFill>
+                  <a:schemeClr val="tx1">
+                    <a:tint val="75000"/>
+                  </a:schemeClr>
+                </a:solidFill>
+              </a:defRPr>
+            </a:lvl2pPr>
+            <a:lvl3pPr marL="914400" indent="0">
+              <a:buNone/>
+              <a:defRPr sz="1800">
+                <a:solidFill>
+                  <a:schemeClr val="tx1">
+                    <a:tint val="75000"/>
+                  </a:schemeClr>
+                </a:solidFill>
+              </a:defRPr>
+            </a:lvl3pPr>
+            <a:lvl4pPr marL="1371600" indent="0">
+              <a:buNone/>
+              <a:defRPr sz="1600">
+                <a:solidFill>
+                  <a:schemeClr val="tx1">
+                    <a:tint val="75000"/>
+                  </a:schemeClr>
+                </a:solidFill>
+              </a:defRPr>
+            </a:lvl4pPr>
+            <a:lvl5pPr marL="1828800" indent="0">
+              <a:buNone/>
+              <a:defRPr sz="1600">
+                <a:solidFill>
+                  <a:schemeClr val="tx1">
+                    <a:tint val="75000"/>
+                  </a:schemeClr>
+                </a:solidFill>
+              </a:defRPr>
+            </a:lvl5pPr>
+            <a:lvl6pPr marL="2286000" indent="0">
+              <a:buNone/>
+              <a:defRPr sz="1600">
+                <a:solidFill>
+                  <a:schemeClr val="tx1">
+                    <a:tint val="75000"/>
+                  </a:schemeClr>
+                </a:solidFill>
+              </a:defRPr>
+            </a:lvl6pPr>
+            <a:lvl7pPr marL="2743200" indent="0">
+              <a:buNone/>
+              <a:defRPr sz="1600">
+                <a:solidFill>
+                  <a:schemeClr val="tx1">
+                    <a:tint val="75000"/>
+                  </a:schemeClr>
+                </a:solidFill>
+              </a:defRPr>
+            </a:lvl7pPr>
+            <a:lvl8pPr marL="3200400" indent="0">
+              <a:buNone/>
+              <a:defRPr sz="1600">
+                <a:solidFill>
+                  <a:schemeClr val="tx1">
+                    <a:tint val="75000"/>
+                  </a:schemeClr>
+                </a:solidFill>
+              </a:defRPr>
+            </a:lvl8pPr>
+            <a:lvl9pPr marL="3657600" indent="0">
+              <a:buNone/>
+              <a:defRPr sz="1600">
+                <a:solidFill>
+                  <a:schemeClr val="tx1">
+                    <a:tint val="75000"/>
+                  </a:schemeClr>
+                </a:solidFill>
+              </a:defRPr>
+            </a:lvl9pPr>
+          </a:lstStyle>
+          <a:p>
+            <a:pPr lvl="0"/>
+            <a:r>
+              <a:rPr kumimoji="1" lang="zh-CN" altLang="en-US"/>
+              <a:t>单击此处编辑母版文本样式</a:t>
+            </a:r>
+          </a:p>
+        </p:txBody>
+      </p:sp>
+      <p:sp>
+        <p:nvSpPr>
+          <p:cNvPr id="4" name="日期占位符 3"/>
+          <p:cNvSpPr>
+            <a:spLocks noGrp="1"/>
+          </p:cNvSpPr>
+          <p:nvPr>
+            <p:ph type="dt" sz="half" idx="10"/>
+          </p:nvPr>
+        </p:nvSpPr>
+        <p:spPr>
+          <a:xfrm>
+            <a:off x="471488" y="9182100"/>
+            <a:ext cx="1543050" cy="527050"/>
+          </a:xfrm>
+          <a:prstGeom prst="rect">
+            <a:avLst/>
+          </a:prstGeom>
+        </p:spPr>
+        <p:txBody>
+          <a:bodyPr/>
+          <a:lstStyle/>
+          <a:p>
+            <a:fld id="{CAF26E60-0005-794A-A2AC-CFCEB36E1E25}" type="datetimeFigureOut">
+              <a:rPr kumimoji="1" lang="zh-CN" altLang="en-US" smtClean="0"/>
+              <a:t>2025/12/1</a:t>
+            </a:fld>
+            <a:endParaRPr kumimoji="1" lang="zh-CN" altLang="en-US"/>
+          </a:p>
+        </p:txBody>
+      </p:sp>
+      <p:sp>
+        <p:nvSpPr>
+          <p:cNvPr id="5" name="页脚占位符 4"/>
+          <p:cNvSpPr>
+            <a:spLocks noGrp="1"/>
+          </p:cNvSpPr>
+          <p:nvPr>
+            <p:ph type="ftr" sz="quarter" idx="11"/>
+          </p:nvPr>
+        </p:nvSpPr>
+        <p:spPr>
+          <a:xfrm>
+            <a:off x="2271713" y="9182100"/>
+            <a:ext cx="2314575" cy="527050"/>
+          </a:xfrm>
+          <a:prstGeom prst="rect">
+            <a:avLst/>
+          </a:prstGeom>
+        </p:spPr>
+        <p:txBody>
+          <a:bodyPr/>
+          <a:lstStyle/>
+          <a:p>
+            <a:endParaRPr kumimoji="1" lang="zh-CN" altLang="en-US"/>
+          </a:p>
+        </p:txBody>
+      </p:sp>
+      <p:sp>
+        <p:nvSpPr>
+          <p:cNvPr id="6" name="幻灯片编号占位符 5"/>
+          <p:cNvSpPr>
+            <a:spLocks noGrp="1"/>
+          </p:cNvSpPr>
+          <p:nvPr>
+            <p:ph type="sldNum" sz="quarter" idx="12"/>
+          </p:nvPr>
+        </p:nvSpPr>
+        <p:spPr>
+          <a:xfrm>
+            <a:off x="4843463" y="9182100"/>
+            <a:ext cx="1543050" cy="527050"/>
+          </a:xfrm>
+          <a:prstGeom prst="rect">
+            <a:avLst/>
+          </a:prstGeom>
+        </p:spPr>
+        <p:txBody>
+          <a:bodyPr/>
+          <a:lstStyle/>
+          <a:p>
+            <a:fld id="{41BC3309-D252-D54C-A325-6BD28843C812}" type="slidenum">
+              <a:rPr kumimoji="1" lang="zh-CN" altLang="en-US" smtClean="0"/>
+              <a:t>‹#›</a:t>
+            </a:fld>
+            <a:endParaRPr kumimoji="1" lang="zh-CN" altLang="en-US"/>
+          </a:p>
+        </p:txBody>
+      </p:sp>
+    </p:spTree>
+  </p:cSld>
+  <p:clrMapOvr>
+    <a:masterClrMapping/>
+  </p:clrMapOvr>
+</p:sldLayout>
+</file>
+
+<file path=ppt/slideLayouts/slideLayout11.xml><?xml version="1.0" encoding="utf-8"?>
 <p:sldLayout xmlns:a="http://schemas.openxmlformats.org/drawingml/2006/main" xmlns:r="http://schemas.openxmlformats.org/officeDocument/2006/relationships" xmlns:p="http://schemas.openxmlformats.org/presentationml/2006/main" type="twoObj" preserve="1">
   <p:cSld name="两项内容">
     <p:spTree>
@@ -1355,7 +1625,7 @@
 </p:sldLayout>
 </file>
 
-<file path=ppt/slideLayouts/slideLayout11.xml><?xml version="1.0" encoding="utf-8"?>
+<file path=ppt/slideLayouts/slideLayout12.xml><?xml version="1.0" encoding="utf-8"?>
 <p:sldLayout xmlns:a="http://schemas.openxmlformats.org/drawingml/2006/main" xmlns:r="http://schemas.openxmlformats.org/officeDocument/2006/relationships" xmlns:p="http://schemas.openxmlformats.org/presentationml/2006/main" type="twoTxTwoObj" preserve="1">
   <p:cSld name="比较">
     <p:spTree>
@@ -1753,7 +2023,7 @@
 </p:sldLayout>
 </file>
 
-<file path=ppt/slideLayouts/slideLayout12.xml><?xml version="1.0" encoding="utf-8"?>
+<file path=ppt/slideLayouts/slideLayout13.xml><?xml version="1.0" encoding="utf-8"?>
 <p:sldLayout xmlns:a="http://schemas.openxmlformats.org/drawingml/2006/main" xmlns:r="http://schemas.openxmlformats.org/officeDocument/2006/relationships" xmlns:p="http://schemas.openxmlformats.org/presentationml/2006/main" type="titleOnly" preserve="1">
   <p:cSld name="仅标题">
     <p:spTree>
@@ -1897,7 +2167,7 @@
 </p:sldLayout>
 </file>
 
-<file path=ppt/slideLayouts/slideLayout13.xml><?xml version="1.0" encoding="utf-8"?>
+<file path=ppt/slideLayouts/slideLayout14.xml><?xml version="1.0" encoding="utf-8"?>
 <p:sldLayout xmlns:a="http://schemas.openxmlformats.org/drawingml/2006/main" xmlns:r="http://schemas.openxmlformats.org/officeDocument/2006/relationships" xmlns:p="http://schemas.openxmlformats.org/presentationml/2006/main" type="blank" preserve="1">
   <p:cSld name="空白">
     <p:spTree>
@@ -2011,7 +2281,7 @@
 </p:sldLayout>
 </file>
 
-<file path=ppt/slideLayouts/slideLayout14.xml><?xml version="1.0" encoding="utf-8"?>
+<file path=ppt/slideLayouts/slideLayout15.xml><?xml version="1.0" encoding="utf-8"?>
 <p:sldLayout xmlns:a="http://schemas.openxmlformats.org/drawingml/2006/main" xmlns:r="http://schemas.openxmlformats.org/officeDocument/2006/relationships" xmlns:p="http://schemas.openxmlformats.org/presentationml/2006/main" type="objTx" preserve="1">
   <p:cSld name="内容与标题">
     <p:spTree>
@@ -2314,7 +2584,7 @@
 </p:sldLayout>
 </file>
 
-<file path=ppt/slideLayouts/slideLayout15.xml><?xml version="1.0" encoding="utf-8"?>
+<file path=ppt/slideLayouts/slideLayout16.xml><?xml version="1.0" encoding="utf-8"?>
 <p:sldLayout xmlns:a="http://schemas.openxmlformats.org/drawingml/2006/main" xmlns:r="http://schemas.openxmlformats.org/officeDocument/2006/relationships" xmlns:p="http://schemas.openxmlformats.org/presentationml/2006/main" type="picTx" preserve="1">
   <p:cSld name="图片与标题">
     <p:spTree>
@@ -2594,7 +2864,7 @@
 </p:sldLayout>
 </file>
 
-<file path=ppt/slideLayouts/slideLayout16.xml><?xml version="1.0" encoding="utf-8"?>
+<file path=ppt/slideLayouts/slideLayout17.xml><?xml version="1.0" encoding="utf-8"?>
 <p:sldLayout xmlns:a="http://schemas.openxmlformats.org/drawingml/2006/main" xmlns:r="http://schemas.openxmlformats.org/officeDocument/2006/relationships" xmlns:p="http://schemas.openxmlformats.org/presentationml/2006/main" type="vertTx" preserve="1">
   <p:cSld name="标题和竖排文本">
     <p:spTree>
@@ -2797,7 +3067,7 @@
 </p:sldLayout>
 </file>
 
-<file path=ppt/slideLayouts/slideLayout17.xml><?xml version="1.0" encoding="utf-8"?>
+<file path=ppt/slideLayouts/slideLayout18.xml><?xml version="1.0" encoding="utf-8"?>
 <p:sldLayout xmlns:a="http://schemas.openxmlformats.org/drawingml/2006/main" xmlns:r="http://schemas.openxmlformats.org/officeDocument/2006/relationships" xmlns:p="http://schemas.openxmlformats.org/presentationml/2006/main" type="vertTitleAndTx" preserve="1">
   <p:cSld name="竖排标题和文本">
     <p:spTree>
@@ -4055,6 +4325,516 @@
 </file>
 
 <file path=ppt/slideLayouts/slideLayout4.xml><?xml version="1.0" encoding="utf-8"?>
+<p:sldLayout xmlns:a="http://schemas.openxmlformats.org/drawingml/2006/main" xmlns:r="http://schemas.openxmlformats.org/officeDocument/2006/relationships" xmlns:p="http://schemas.openxmlformats.org/presentationml/2006/main" preserve="1" userDrawn="1">
+  <p:cSld name="2_心电图">
+    <p:spTree>
+      <p:nvGrpSpPr>
+        <p:cNvPr id="1" name=""/>
+        <p:cNvGrpSpPr/>
+        <p:nvPr/>
+      </p:nvGrpSpPr>
+      <p:grpSpPr>
+        <a:xfrm>
+          <a:off x="0" y="0"/>
+          <a:ext cx="0" cy="0"/>
+          <a:chOff x="0" y="0"/>
+          <a:chExt cx="0" cy="0"/>
+        </a:xfrm>
+      </p:grpSpPr>
+      <p:pic>
+        <p:nvPicPr>
+          <p:cNvPr id="2" name="图片 10">
+            <a:extLst>
+              <a:ext uri="{FF2B5EF4-FFF2-40B4-BE49-F238E27FC236}">
+                <a16:creationId xmlns:a16="http://schemas.microsoft.com/office/drawing/2014/main" id="{DBF01F40-D69F-F00F-6878-15CA357C0DAA}"/>
+              </a:ext>
+            </a:extLst>
+          </p:cNvPr>
+          <p:cNvPicPr>
+            <a:picLocks noChangeAspect="1" noChangeArrowheads="1"/>
+          </p:cNvPicPr>
+          <p:nvPr userDrawn="1"/>
+        </p:nvPicPr>
+        <p:blipFill>
+          <a:blip r:embed="rId2">
+            <a:extLst>
+              <a:ext uri="{28A0092B-C50C-407E-A947-70E740481C1C}">
+                <a14:useLocalDpi xmlns:a14="http://schemas.microsoft.com/office/drawing/2010/main" val="0"/>
+              </a:ext>
+            </a:extLst>
+          </a:blip>
+          <a:srcRect/>
+          <a:stretch>
+            <a:fillRect/>
+          </a:stretch>
+        </p:blipFill>
+        <p:spPr bwMode="auto">
+          <a:xfrm>
+            <a:off x="1714500" y="2476500"/>
+            <a:ext cx="3429000" cy="4953000"/>
+          </a:xfrm>
+          <a:prstGeom prst="rect">
+            <a:avLst/>
+          </a:prstGeom>
+          <a:noFill/>
+          <a:ln>
+            <a:noFill/>
+          </a:ln>
+          <a:extLst>
+            <a:ext uri="{909E8E84-426E-40DD-AFC4-6F175D3DCCD1}">
+              <a14:hiddenFill xmlns:a14="http://schemas.microsoft.com/office/drawing/2010/main">
+                <a:solidFill>
+                  <a:srgbClr val="FFFFFF"/>
+                </a:solidFill>
+              </a14:hiddenFill>
+            </a:ext>
+            <a:ext uri="{91240B29-F687-4F45-9708-019B960494DF}">
+              <a14:hiddenLine xmlns:a14="http://schemas.microsoft.com/office/drawing/2010/main" w="9525">
+                <a:solidFill>
+                  <a:srgbClr val="000000"/>
+                </a:solidFill>
+                <a:miter lim="800000"/>
+                <a:headEnd/>
+                <a:tailEnd/>
+              </a14:hiddenLine>
+            </a:ext>
+          </a:extLst>
+        </p:spPr>
+      </p:pic>
+      <p:sp>
+        <p:nvSpPr>
+          <p:cNvPr id="3" name="矩形 2">
+            <a:extLst>
+              <a:ext uri="{FF2B5EF4-FFF2-40B4-BE49-F238E27FC236}">
+                <a16:creationId xmlns:a16="http://schemas.microsoft.com/office/drawing/2014/main" id="{8CF6B545-EE5B-FF45-6AC8-1C234F7F4E73}"/>
+              </a:ext>
+            </a:extLst>
+          </p:cNvPr>
+          <p:cNvSpPr/>
+          <p:nvPr userDrawn="1"/>
+        </p:nvSpPr>
+        <p:spPr>
+          <a:xfrm>
+            <a:off x="0" y="9383713"/>
+            <a:ext cx="6858000" cy="522287"/>
+          </a:xfrm>
+          <a:prstGeom prst="rect">
+            <a:avLst/>
+          </a:prstGeom>
+          <a:solidFill>
+            <a:schemeClr val="accent5">
+              <a:lumMod val="40000"/>
+              <a:lumOff val="60000"/>
+            </a:schemeClr>
+          </a:solidFill>
+          <a:ln>
+            <a:noFill/>
+          </a:ln>
+        </p:spPr>
+        <p:style>
+          <a:lnRef idx="2">
+            <a:schemeClr val="accent1">
+              <a:shade val="50000"/>
+            </a:schemeClr>
+          </a:lnRef>
+          <a:fillRef idx="1">
+            <a:schemeClr val="accent1"/>
+          </a:fillRef>
+          <a:effectRef idx="0">
+            <a:schemeClr val="accent1"/>
+          </a:effectRef>
+          <a:fontRef idx="minor">
+            <a:schemeClr val="lt1"/>
+          </a:fontRef>
+        </p:style>
+        <p:txBody>
+          <a:bodyPr anchor="ctr"/>
+          <a:lstStyle/>
+          <a:p>
+            <a:pPr algn="ctr" eaLnBrk="1" fontAlgn="auto" hangingPunct="1">
+              <a:defRPr/>
+            </a:pPr>
+            <a:endParaRPr kumimoji="1" lang="zh-CN" altLang="en-US" noProof="1"/>
+          </a:p>
+        </p:txBody>
+      </p:sp>
+      <p:pic>
+        <p:nvPicPr>
+          <p:cNvPr id="4" name="图形 22">
+            <a:extLst>
+              <a:ext uri="{FF2B5EF4-FFF2-40B4-BE49-F238E27FC236}">
+                <a16:creationId xmlns:a16="http://schemas.microsoft.com/office/drawing/2014/main" id="{D8A1F880-0BD6-3002-CAB6-2F35CFDDDD67}"/>
+              </a:ext>
+            </a:extLst>
+          </p:cNvPr>
+          <p:cNvPicPr>
+            <a:picLocks noChangeAspect="1" noChangeArrowheads="1"/>
+          </p:cNvPicPr>
+          <p:nvPr userDrawn="1"/>
+        </p:nvPicPr>
+        <p:blipFill>
+          <a:blip r:embed="rId3">
+            <a:extLst>
+              <a:ext uri="{28A0092B-C50C-407E-A947-70E740481C1C}">
+                <a14:useLocalDpi xmlns:a14="http://schemas.microsoft.com/office/drawing/2010/main" val="0"/>
+              </a:ext>
+            </a:extLst>
+          </a:blip>
+          <a:srcRect/>
+          <a:stretch>
+            <a:fillRect/>
+          </a:stretch>
+        </p:blipFill>
+        <p:spPr bwMode="auto">
+          <a:xfrm>
+            <a:off x="2562225" y="9540875"/>
+            <a:ext cx="1733550" cy="217488"/>
+          </a:xfrm>
+          <a:prstGeom prst="rect">
+            <a:avLst/>
+          </a:prstGeom>
+          <a:noFill/>
+          <a:ln>
+            <a:noFill/>
+          </a:ln>
+          <a:extLst>
+            <a:ext uri="{909E8E84-426E-40DD-AFC4-6F175D3DCCD1}">
+              <a14:hiddenFill xmlns:a14="http://schemas.microsoft.com/office/drawing/2010/main">
+                <a:solidFill>
+                  <a:srgbClr val="FFFFFF"/>
+                </a:solidFill>
+              </a14:hiddenFill>
+            </a:ext>
+            <a:ext uri="{91240B29-F687-4F45-9708-019B960494DF}">
+              <a14:hiddenLine xmlns:a14="http://schemas.microsoft.com/office/drawing/2010/main" w="9525">
+                <a:solidFill>
+                  <a:srgbClr val="000000"/>
+                </a:solidFill>
+                <a:miter lim="800000"/>
+                <a:headEnd/>
+                <a:tailEnd/>
+              </a14:hiddenLine>
+            </a:ext>
+          </a:extLst>
+        </p:spPr>
+      </p:pic>
+      <p:sp>
+        <p:nvSpPr>
+          <p:cNvPr id="5" name="矩形 4">
+            <a:extLst>
+              <a:ext uri="{FF2B5EF4-FFF2-40B4-BE49-F238E27FC236}">
+                <a16:creationId xmlns:a16="http://schemas.microsoft.com/office/drawing/2014/main" id="{9F27AC29-A6B4-C302-D20B-91E944C352CB}"/>
+              </a:ext>
+            </a:extLst>
+          </p:cNvPr>
+          <p:cNvSpPr/>
+          <p:nvPr userDrawn="1"/>
+        </p:nvSpPr>
+        <p:spPr>
+          <a:xfrm>
+            <a:off x="0" y="0"/>
+            <a:ext cx="6858000" cy="819150"/>
+          </a:xfrm>
+          <a:prstGeom prst="rect">
+            <a:avLst/>
+          </a:prstGeom>
+          <a:solidFill>
+            <a:schemeClr val="accent5">
+              <a:lumMod val="40000"/>
+              <a:lumOff val="60000"/>
+            </a:schemeClr>
+          </a:solidFill>
+          <a:ln>
+            <a:noFill/>
+          </a:ln>
+        </p:spPr>
+        <p:style>
+          <a:lnRef idx="2">
+            <a:schemeClr val="accent1">
+              <a:shade val="50000"/>
+            </a:schemeClr>
+          </a:lnRef>
+          <a:fillRef idx="1">
+            <a:schemeClr val="accent1"/>
+          </a:fillRef>
+          <a:effectRef idx="0">
+            <a:schemeClr val="accent1"/>
+          </a:effectRef>
+          <a:fontRef idx="minor">
+            <a:schemeClr val="lt1"/>
+          </a:fontRef>
+        </p:style>
+        <p:txBody>
+          <a:bodyPr anchor="ctr"/>
+          <a:lstStyle/>
+          <a:p>
+            <a:pPr algn="ctr" eaLnBrk="1" fontAlgn="auto" hangingPunct="1">
+              <a:defRPr/>
+            </a:pPr>
+            <a:endParaRPr kumimoji="1" lang="zh-CN" altLang="en-US" noProof="1"/>
+          </a:p>
+        </p:txBody>
+      </p:sp>
+      <p:sp>
+        <p:nvSpPr>
+          <p:cNvPr id="6" name="文本框 4">
+            <a:extLst>
+              <a:ext uri="{FF2B5EF4-FFF2-40B4-BE49-F238E27FC236}">
+                <a16:creationId xmlns:a16="http://schemas.microsoft.com/office/drawing/2014/main" id="{8A22FCD9-46F3-8992-1A51-701421158890}"/>
+              </a:ext>
+            </a:extLst>
+          </p:cNvPr>
+          <p:cNvSpPr txBox="1">
+            <a:spLocks noChangeArrowheads="1"/>
+          </p:cNvSpPr>
+          <p:nvPr userDrawn="1"/>
+        </p:nvSpPr>
+        <p:spPr bwMode="auto">
+          <a:xfrm>
+            <a:off x="200025" y="177800"/>
+            <a:ext cx="1107996" cy="461665"/>
+          </a:xfrm>
+          <a:prstGeom prst="rect">
+            <a:avLst/>
+          </a:prstGeom>
+          <a:noFill/>
+          <a:ln>
+            <a:noFill/>
+          </a:ln>
+        </p:spPr>
+        <p:txBody>
+          <a:bodyPr wrap="none">
+            <a:spAutoFit/>
+          </a:bodyPr>
+          <a:lstStyle>
+            <a:lvl1pPr>
+              <a:defRPr>
+                <a:solidFill>
+                  <a:schemeClr val="tx1"/>
+                </a:solidFill>
+                <a:latin typeface="等线" panose="02010600030101010101" pitchFamily="2" charset="-122"/>
+              </a:defRPr>
+            </a:lvl1pPr>
+            <a:lvl2pPr marL="742950" indent="-285750">
+              <a:defRPr>
+                <a:solidFill>
+                  <a:schemeClr val="tx1"/>
+                </a:solidFill>
+                <a:latin typeface="等线" panose="02010600030101010101" pitchFamily="2" charset="-122"/>
+              </a:defRPr>
+            </a:lvl2pPr>
+            <a:lvl3pPr marL="1143000" indent="-228600">
+              <a:defRPr>
+                <a:solidFill>
+                  <a:schemeClr val="tx1"/>
+                </a:solidFill>
+                <a:latin typeface="等线" panose="02010600030101010101" pitchFamily="2" charset="-122"/>
+              </a:defRPr>
+            </a:lvl3pPr>
+            <a:lvl4pPr marL="1600200" indent="-228600">
+              <a:defRPr>
+                <a:solidFill>
+                  <a:schemeClr val="tx1"/>
+                </a:solidFill>
+                <a:latin typeface="等线" panose="02010600030101010101" pitchFamily="2" charset="-122"/>
+              </a:defRPr>
+            </a:lvl4pPr>
+            <a:lvl5pPr marL="2057400" indent="-228600">
+              <a:defRPr>
+                <a:solidFill>
+                  <a:schemeClr val="tx1"/>
+                </a:solidFill>
+                <a:latin typeface="等线" panose="02010600030101010101" pitchFamily="2" charset="-122"/>
+              </a:defRPr>
+            </a:lvl5pPr>
+            <a:lvl6pPr marL="2514600" indent="-228600" defTabSz="457200" eaLnBrk="0" fontAlgn="base" hangingPunct="0">
+              <a:spcBef>
+                <a:spcPct val="0"/>
+              </a:spcBef>
+              <a:spcAft>
+                <a:spcPct val="0"/>
+              </a:spcAft>
+              <a:defRPr>
+                <a:solidFill>
+                  <a:schemeClr val="tx1"/>
+                </a:solidFill>
+                <a:latin typeface="等线" panose="02010600030101010101" pitchFamily="2" charset="-122"/>
+              </a:defRPr>
+            </a:lvl6pPr>
+            <a:lvl7pPr marL="2971800" indent="-228600" defTabSz="457200" eaLnBrk="0" fontAlgn="base" hangingPunct="0">
+              <a:spcBef>
+                <a:spcPct val="0"/>
+              </a:spcBef>
+              <a:spcAft>
+                <a:spcPct val="0"/>
+              </a:spcAft>
+              <a:defRPr>
+                <a:solidFill>
+                  <a:schemeClr val="tx1"/>
+                </a:solidFill>
+                <a:latin typeface="等线" panose="02010600030101010101" pitchFamily="2" charset="-122"/>
+              </a:defRPr>
+            </a:lvl7pPr>
+            <a:lvl8pPr marL="3429000" indent="-228600" defTabSz="457200" eaLnBrk="0" fontAlgn="base" hangingPunct="0">
+              <a:spcBef>
+                <a:spcPct val="0"/>
+              </a:spcBef>
+              <a:spcAft>
+                <a:spcPct val="0"/>
+              </a:spcAft>
+              <a:defRPr>
+                <a:solidFill>
+                  <a:schemeClr val="tx1"/>
+                </a:solidFill>
+                <a:latin typeface="等线" panose="02010600030101010101" pitchFamily="2" charset="-122"/>
+              </a:defRPr>
+            </a:lvl8pPr>
+            <a:lvl9pPr marL="3886200" indent="-228600" defTabSz="457200" eaLnBrk="0" fontAlgn="base" hangingPunct="0">
+              <a:spcBef>
+                <a:spcPct val="0"/>
+              </a:spcBef>
+              <a:spcAft>
+                <a:spcPct val="0"/>
+              </a:spcAft>
+              <a:defRPr>
+                <a:solidFill>
+                  <a:schemeClr val="tx1"/>
+                </a:solidFill>
+                <a:latin typeface="等线" panose="02010600030101010101" pitchFamily="2" charset="-122"/>
+              </a:defRPr>
+            </a:lvl9pPr>
+          </a:lstStyle>
+          <a:p>
+            <a:pPr eaLnBrk="1" hangingPunct="1">
+              <a:defRPr/>
+            </a:pPr>
+            <a:r>
+              <a:rPr lang="zh-CN" altLang="en-US" sz="2400" b="1" dirty="0">
+                <a:solidFill>
+                  <a:srgbClr val="002F7C"/>
+                </a:solidFill>
+                <a:latin typeface="微软雅黑" panose="020B0503020204020204" pitchFamily="34" charset="-122"/>
+                <a:ea typeface="微软雅黑" panose="020B0503020204020204" pitchFamily="34" charset="-122"/>
+              </a:rPr>
+              <a:t>心电图</a:t>
+            </a:r>
+            <a:endParaRPr lang="en-US" altLang="zh-CN" sz="2400" b="1" dirty="0">
+              <a:solidFill>
+                <a:srgbClr val="002F7C"/>
+              </a:solidFill>
+              <a:latin typeface="微软雅黑" panose="020B0503020204020204" pitchFamily="34" charset="-122"/>
+              <a:ea typeface="微软雅黑" panose="020B0503020204020204" pitchFamily="34" charset="-122"/>
+            </a:endParaRPr>
+          </a:p>
+        </p:txBody>
+      </p:sp>
+      <p:pic>
+        <p:nvPicPr>
+          <p:cNvPr id="7" name="图形 6">
+            <a:extLst>
+              <a:ext uri="{FF2B5EF4-FFF2-40B4-BE49-F238E27FC236}">
+                <a16:creationId xmlns:a16="http://schemas.microsoft.com/office/drawing/2014/main" id="{A9915455-8530-07A9-CFCC-A0593D1182FE}"/>
+              </a:ext>
+            </a:extLst>
+          </p:cNvPr>
+          <p:cNvPicPr>
+            <a:picLocks noChangeAspect="1" noChangeArrowheads="1"/>
+          </p:cNvPicPr>
+          <p:nvPr/>
+        </p:nvPicPr>
+        <p:blipFill>
+          <a:blip r:embed="rId4" cstate="print">
+            <a:extLst>
+              <a:ext uri="{28A0092B-C50C-407E-A947-70E740481C1C}">
+                <a14:useLocalDpi xmlns:a14="http://schemas.microsoft.com/office/drawing/2010/main" val="0"/>
+              </a:ext>
+            </a:extLst>
+          </a:blip>
+          <a:srcRect/>
+          <a:stretch>
+            <a:fillRect/>
+          </a:stretch>
+        </p:blipFill>
+        <p:spPr bwMode="auto">
+          <a:xfrm>
+            <a:off x="6049963" y="109538"/>
+            <a:ext cx="600075" cy="600075"/>
+          </a:xfrm>
+          <a:prstGeom prst="rect">
+            <a:avLst/>
+          </a:prstGeom>
+          <a:noFill/>
+          <a:ln>
+            <a:noFill/>
+          </a:ln>
+          <a:extLst>
+            <a:ext uri="{909E8E84-426E-40DD-AFC4-6F175D3DCCD1}">
+              <a14:hiddenFill xmlns:a14="http://schemas.microsoft.com/office/drawing/2010/main">
+                <a:solidFill>
+                  <a:srgbClr val="FFFFFF"/>
+                </a:solidFill>
+              </a14:hiddenFill>
+            </a:ext>
+            <a:ext uri="{91240B29-F687-4F45-9708-019B960494DF}">
+              <a14:hiddenLine xmlns:a14="http://schemas.microsoft.com/office/drawing/2010/main" w="9525">
+                <a:solidFill>
+                  <a:srgbClr val="000000"/>
+                </a:solidFill>
+                <a:miter lim="800000"/>
+                <a:headEnd/>
+                <a:tailEnd/>
+              </a14:hiddenLine>
+            </a:ext>
+          </a:extLst>
+        </p:spPr>
+      </p:pic>
+      <p:sp>
+        <p:nvSpPr>
+          <p:cNvPr id="12" name="图片占位符 9"/>
+          <p:cNvSpPr>
+            <a:spLocks noGrp="1"/>
+          </p:cNvSpPr>
+          <p:nvPr>
+            <p:ph type="pic" sz="quarter" idx="10"/>
+          </p:nvPr>
+        </p:nvSpPr>
+        <p:spPr>
+          <a:xfrm>
+            <a:off x="564292" y="1144418"/>
+            <a:ext cx="5729416" cy="8058378"/>
+          </a:xfrm>
+          <a:prstGeom prst="rect">
+            <a:avLst/>
+          </a:prstGeom>
+        </p:spPr>
+        <p:txBody>
+          <a:bodyPr/>
+          <a:lstStyle>
+            <a:lvl1pPr marL="0" indent="0">
+              <a:buNone/>
+              <a:defRPr/>
+            </a:lvl1pPr>
+          </a:lstStyle>
+          <a:p>
+            <a:pPr lvl="0"/>
+            <a:endParaRPr lang="zh-CN" altLang="en-US" noProof="1"/>
+          </a:p>
+        </p:txBody>
+      </p:sp>
+    </p:spTree>
+    <p:extLst>
+      <p:ext uri="{BB962C8B-B14F-4D97-AF65-F5344CB8AC3E}">
+        <p14:creationId xmlns:p14="http://schemas.microsoft.com/office/powerpoint/2010/main" val="980354548"/>
+      </p:ext>
+    </p:extLst>
+  </p:cSld>
+  <p:clrMapOvr>
+    <a:masterClrMapping/>
+  </p:clrMapOvr>
+</p:sldLayout>
+</file>
+
+<file path=ppt/slideLayouts/slideLayout5.xml><?xml version="1.0" encoding="utf-8"?>
 <p:sldLayout xmlns:a="http://schemas.openxmlformats.org/drawingml/2006/main" xmlns:r="http://schemas.openxmlformats.org/officeDocument/2006/relationships" xmlns:p="http://schemas.openxmlformats.org/presentationml/2006/main" userDrawn="1">
   <p:cSld name="实验室检查">
     <p:spTree>
@@ -4590,7 +5370,7 @@
 </p:sldLayout>
 </file>
 
-<file path=ppt/slideLayouts/slideLayout5.xml><?xml version="1.0" encoding="utf-8"?>
+<file path=ppt/slideLayouts/slideLayout6.xml><?xml version="1.0" encoding="utf-8"?>
 <p:sldLayout xmlns:a="http://schemas.openxmlformats.org/drawingml/2006/main" xmlns:r="http://schemas.openxmlformats.org/officeDocument/2006/relationships" xmlns:p="http://schemas.openxmlformats.org/presentationml/2006/main" userDrawn="1">
   <p:cSld name="医生建议与指导">
     <p:spTree>
@@ -5050,7 +5830,7 @@
 </p:sldLayout>
 </file>
 
-<file path=ppt/slideLayouts/slideLayout6.xml><?xml version="1.0" encoding="utf-8"?>
+<file path=ppt/slideLayouts/slideLayout7.xml><?xml version="1.0" encoding="utf-8"?>
 <p:sldLayout xmlns:a="http://schemas.openxmlformats.org/drawingml/2006/main" xmlns:r="http://schemas.openxmlformats.org/officeDocument/2006/relationships" xmlns:p="http://schemas.openxmlformats.org/presentationml/2006/main" userDrawn="1">
   <p:cSld name="1_医生建议与指导">
     <p:spTree>
@@ -5425,7 +6205,7 @@
 </p:sldLayout>
 </file>
 
-<file path=ppt/slideLayouts/slideLayout7.xml><?xml version="1.0" encoding="utf-8"?>
+<file path=ppt/slideLayouts/slideLayout8.xml><?xml version="1.0" encoding="utf-8"?>
 <p:sldLayout xmlns:a="http://schemas.openxmlformats.org/drawingml/2006/main" xmlns:r="http://schemas.openxmlformats.org/officeDocument/2006/relationships" xmlns:p="http://schemas.openxmlformats.org/presentationml/2006/main" type="title" preserve="1">
   <p:cSld name="标题幻灯片">
     <p:spTree>
@@ -5640,7 +6420,7 @@
 </p:sldLayout>
 </file>
 
-<file path=ppt/slideLayouts/slideLayout8.xml><?xml version="1.0" encoding="utf-8"?>
+<file path=ppt/slideLayouts/slideLayout9.xml><?xml version="1.0" encoding="utf-8"?>
 <p:sldLayout xmlns:a="http://schemas.openxmlformats.org/drawingml/2006/main" xmlns:r="http://schemas.openxmlformats.org/officeDocument/2006/relationships" xmlns:p="http://schemas.openxmlformats.org/presentationml/2006/main" type="obj" preserve="1">
   <p:cSld name="标题和内容">
     <p:spTree>
@@ -5742,276 +6522,6 @@
             <a:r>
               <a:rPr kumimoji="1" lang="zh-CN" altLang="en-US"/>
               <a:t>五级</a:t>
-            </a:r>
-          </a:p>
-        </p:txBody>
-      </p:sp>
-      <p:sp>
-        <p:nvSpPr>
-          <p:cNvPr id="4" name="日期占位符 3"/>
-          <p:cNvSpPr>
-            <a:spLocks noGrp="1"/>
-          </p:cNvSpPr>
-          <p:nvPr>
-            <p:ph type="dt" sz="half" idx="10"/>
-          </p:nvPr>
-        </p:nvSpPr>
-        <p:spPr>
-          <a:xfrm>
-            <a:off x="471488" y="9182100"/>
-            <a:ext cx="1543050" cy="527050"/>
-          </a:xfrm>
-          <a:prstGeom prst="rect">
-            <a:avLst/>
-          </a:prstGeom>
-        </p:spPr>
-        <p:txBody>
-          <a:bodyPr/>
-          <a:lstStyle/>
-          <a:p>
-            <a:fld id="{CAF26E60-0005-794A-A2AC-CFCEB36E1E25}" type="datetimeFigureOut">
-              <a:rPr kumimoji="1" lang="zh-CN" altLang="en-US" smtClean="0"/>
-              <a:t>2025/12/1</a:t>
-            </a:fld>
-            <a:endParaRPr kumimoji="1" lang="zh-CN" altLang="en-US"/>
-          </a:p>
-        </p:txBody>
-      </p:sp>
-      <p:sp>
-        <p:nvSpPr>
-          <p:cNvPr id="5" name="页脚占位符 4"/>
-          <p:cNvSpPr>
-            <a:spLocks noGrp="1"/>
-          </p:cNvSpPr>
-          <p:nvPr>
-            <p:ph type="ftr" sz="quarter" idx="11"/>
-          </p:nvPr>
-        </p:nvSpPr>
-        <p:spPr>
-          <a:xfrm>
-            <a:off x="2271713" y="9182100"/>
-            <a:ext cx="2314575" cy="527050"/>
-          </a:xfrm>
-          <a:prstGeom prst="rect">
-            <a:avLst/>
-          </a:prstGeom>
-        </p:spPr>
-        <p:txBody>
-          <a:bodyPr/>
-          <a:lstStyle/>
-          <a:p>
-            <a:endParaRPr kumimoji="1" lang="zh-CN" altLang="en-US"/>
-          </a:p>
-        </p:txBody>
-      </p:sp>
-      <p:sp>
-        <p:nvSpPr>
-          <p:cNvPr id="6" name="幻灯片编号占位符 5"/>
-          <p:cNvSpPr>
-            <a:spLocks noGrp="1"/>
-          </p:cNvSpPr>
-          <p:nvPr>
-            <p:ph type="sldNum" sz="quarter" idx="12"/>
-          </p:nvPr>
-        </p:nvSpPr>
-        <p:spPr>
-          <a:xfrm>
-            <a:off x="4843463" y="9182100"/>
-            <a:ext cx="1543050" cy="527050"/>
-          </a:xfrm>
-          <a:prstGeom prst="rect">
-            <a:avLst/>
-          </a:prstGeom>
-        </p:spPr>
-        <p:txBody>
-          <a:bodyPr/>
-          <a:lstStyle/>
-          <a:p>
-            <a:fld id="{41BC3309-D252-D54C-A325-6BD28843C812}" type="slidenum">
-              <a:rPr kumimoji="1" lang="zh-CN" altLang="en-US" smtClean="0"/>
-              <a:t>‹#›</a:t>
-            </a:fld>
-            <a:endParaRPr kumimoji="1" lang="zh-CN" altLang="en-US"/>
-          </a:p>
-        </p:txBody>
-      </p:sp>
-    </p:spTree>
-  </p:cSld>
-  <p:clrMapOvr>
-    <a:masterClrMapping/>
-  </p:clrMapOvr>
-</p:sldLayout>
-</file>
-
-<file path=ppt/slideLayouts/slideLayout9.xml><?xml version="1.0" encoding="utf-8"?>
-<p:sldLayout xmlns:a="http://schemas.openxmlformats.org/drawingml/2006/main" xmlns:r="http://schemas.openxmlformats.org/officeDocument/2006/relationships" xmlns:p="http://schemas.openxmlformats.org/presentationml/2006/main" type="secHead" preserve="1">
-  <p:cSld name="节标题">
-    <p:spTree>
-      <p:nvGrpSpPr>
-        <p:cNvPr id="1" name=""/>
-        <p:cNvGrpSpPr/>
-        <p:nvPr/>
-      </p:nvGrpSpPr>
-      <p:grpSpPr>
-        <a:xfrm>
-          <a:off x="0" y="0"/>
-          <a:ext cx="0" cy="0"/>
-          <a:chOff x="0" y="0"/>
-          <a:chExt cx="0" cy="0"/>
-        </a:xfrm>
-      </p:grpSpPr>
-      <p:sp>
-        <p:nvSpPr>
-          <p:cNvPr id="2" name="标题 1"/>
-          <p:cNvSpPr>
-            <a:spLocks noGrp="1"/>
-          </p:cNvSpPr>
-          <p:nvPr>
-            <p:ph type="title"/>
-          </p:nvPr>
-        </p:nvSpPr>
-        <p:spPr>
-          <a:xfrm>
-            <a:off x="468313" y="2470150"/>
-            <a:ext cx="5915025" cy="4119563"/>
-          </a:xfrm>
-          <a:prstGeom prst="rect">
-            <a:avLst/>
-          </a:prstGeom>
-        </p:spPr>
-        <p:txBody>
-          <a:bodyPr anchor="b"/>
-          <a:lstStyle>
-            <a:lvl1pPr>
-              <a:defRPr sz="6000"/>
-            </a:lvl1pPr>
-          </a:lstStyle>
-          <a:p>
-            <a:r>
-              <a:rPr kumimoji="1" lang="zh-CN" altLang="en-US"/>
-              <a:t>单击此处编辑母版标题样式</a:t>
-            </a:r>
-          </a:p>
-        </p:txBody>
-      </p:sp>
-      <p:sp>
-        <p:nvSpPr>
-          <p:cNvPr id="3" name="文本占位符 2"/>
-          <p:cNvSpPr>
-            <a:spLocks noGrp="1"/>
-          </p:cNvSpPr>
-          <p:nvPr>
-            <p:ph type="body" idx="1"/>
-          </p:nvPr>
-        </p:nvSpPr>
-        <p:spPr>
-          <a:xfrm>
-            <a:off x="468313" y="6629400"/>
-            <a:ext cx="5915025" cy="2166938"/>
-          </a:xfrm>
-          <a:prstGeom prst="rect">
-            <a:avLst/>
-          </a:prstGeom>
-        </p:spPr>
-        <p:txBody>
-          <a:bodyPr/>
-          <a:lstStyle>
-            <a:lvl1pPr marL="0" indent="0">
-              <a:buNone/>
-              <a:defRPr sz="2400">
-                <a:solidFill>
-                  <a:schemeClr val="tx1">
-                    <a:tint val="75000"/>
-                  </a:schemeClr>
-                </a:solidFill>
-              </a:defRPr>
-            </a:lvl1pPr>
-            <a:lvl2pPr marL="457200" indent="0">
-              <a:buNone/>
-              <a:defRPr sz="2000">
-                <a:solidFill>
-                  <a:schemeClr val="tx1">
-                    <a:tint val="75000"/>
-                  </a:schemeClr>
-                </a:solidFill>
-              </a:defRPr>
-            </a:lvl2pPr>
-            <a:lvl3pPr marL="914400" indent="0">
-              <a:buNone/>
-              <a:defRPr sz="1800">
-                <a:solidFill>
-                  <a:schemeClr val="tx1">
-                    <a:tint val="75000"/>
-                  </a:schemeClr>
-                </a:solidFill>
-              </a:defRPr>
-            </a:lvl3pPr>
-            <a:lvl4pPr marL="1371600" indent="0">
-              <a:buNone/>
-              <a:defRPr sz="1600">
-                <a:solidFill>
-                  <a:schemeClr val="tx1">
-                    <a:tint val="75000"/>
-                  </a:schemeClr>
-                </a:solidFill>
-              </a:defRPr>
-            </a:lvl4pPr>
-            <a:lvl5pPr marL="1828800" indent="0">
-              <a:buNone/>
-              <a:defRPr sz="1600">
-                <a:solidFill>
-                  <a:schemeClr val="tx1">
-                    <a:tint val="75000"/>
-                  </a:schemeClr>
-                </a:solidFill>
-              </a:defRPr>
-            </a:lvl5pPr>
-            <a:lvl6pPr marL="2286000" indent="0">
-              <a:buNone/>
-              <a:defRPr sz="1600">
-                <a:solidFill>
-                  <a:schemeClr val="tx1">
-                    <a:tint val="75000"/>
-                  </a:schemeClr>
-                </a:solidFill>
-              </a:defRPr>
-            </a:lvl6pPr>
-            <a:lvl7pPr marL="2743200" indent="0">
-              <a:buNone/>
-              <a:defRPr sz="1600">
-                <a:solidFill>
-                  <a:schemeClr val="tx1">
-                    <a:tint val="75000"/>
-                  </a:schemeClr>
-                </a:solidFill>
-              </a:defRPr>
-            </a:lvl7pPr>
-            <a:lvl8pPr marL="3200400" indent="0">
-              <a:buNone/>
-              <a:defRPr sz="1600">
-                <a:solidFill>
-                  <a:schemeClr val="tx1">
-                    <a:tint val="75000"/>
-                  </a:schemeClr>
-                </a:solidFill>
-              </a:defRPr>
-            </a:lvl8pPr>
-            <a:lvl9pPr marL="3657600" indent="0">
-              <a:buNone/>
-              <a:defRPr sz="1600">
-                <a:solidFill>
-                  <a:schemeClr val="tx1">
-                    <a:tint val="75000"/>
-                  </a:schemeClr>
-                </a:solidFill>
-              </a:defRPr>
-            </a:lvl9pPr>
-          </a:lstStyle>
-          <a:p>
-            <a:pPr lvl="0"/>
-            <a:r>
-              <a:rPr kumimoji="1" lang="zh-CN" altLang="en-US"/>
-              <a:t>单击此处编辑母版文本样式</a:t>
             </a:r>
           </a:p>
         </p:txBody>
@@ -6354,9 +6864,10 @@
     <p:sldLayoutId id="2147483649" r:id="rId1"/>
     <p:sldLayoutId id="2147483650" r:id="rId2"/>
     <p:sldLayoutId id="2147483664" r:id="rId3"/>
-    <p:sldLayoutId id="2147483665" r:id="rId4"/>
-    <p:sldLayoutId id="2147483666" r:id="rId5"/>
-    <p:sldLayoutId id="2147483667" r:id="rId6"/>
+    <p:sldLayoutId id="2147483668" r:id="rId4"/>
+    <p:sldLayoutId id="2147483665" r:id="rId5"/>
+    <p:sldLayoutId id="2147483666" r:id="rId6"/>
+    <p:sldLayoutId id="2147483667" r:id="rId7"/>
   </p:sldLayoutIdLst>
   <p:txStyles>
     <p:titleStyle>
@@ -7225,10 +7736,10 @@
       </p:grpSpPr>
       <p:pic>
         <p:nvPicPr>
-          <p:cNvPr id="2" name="图片 1">
+          <p:cNvPr id="3" name="图片 2">
             <a:extLst>
               <a:ext uri="{FF2B5EF4-FFF2-40B4-BE49-F238E27FC236}">
-                <a16:creationId xmlns:a16="http://schemas.microsoft.com/office/drawing/2014/main" id="{944ABAB9-5C1C-E94F-5FEA-70CB03E1EF8E}"/>
+                <a16:creationId xmlns:a16="http://schemas.microsoft.com/office/drawing/2014/main" id="{33330CD5-38FF-6DCF-BBBC-EEC2F0ED820E}"/>
               </a:ext>
             </a:extLst>
           </p:cNvPr>
@@ -7260,6 +7771,11 @@
         </p:spPr>
       </p:pic>
     </p:spTree>
+    <p:extLst>
+      <p:ext uri="{BB962C8B-B14F-4D97-AF65-F5344CB8AC3E}">
+        <p14:creationId xmlns:p14="http://schemas.microsoft.com/office/powerpoint/2010/main" val="34182216"/>
+      </p:ext>
+    </p:extLst>
   </p:cSld>
   <p:clrMapOvr>
     <a:masterClrMapping/>

--- a/2025员工体检报告（模板）.pptx
+++ b/2025员工体检报告（模板）.pptx
@@ -7900,14 +7900,11 @@
               <a:buNone/>
               <a:defRPr/>
             </a:pPr>
-            <a:r>
-              <a:rPr lang="zh-CN" altLang="en-US" sz="1400" noProof="1">
-                <a:latin typeface="微软雅黑" panose="020B0503020204020204" pitchFamily="34" charset="-122"/>
-                <a:ea typeface="微软雅黑" panose="020B0503020204020204" pitchFamily="34" charset="-122"/>
-                <a:sym typeface="+mn-ea"/>
-              </a:rPr>
-              <a:t>总结</a:t>
-            </a:r>
+            <a:endParaRPr lang="zh-CN" altLang="en-US" sz="1400" noProof="1">
+              <a:latin typeface="微软雅黑" panose="020B0503020204020204" pitchFamily="34" charset="-122"/>
+              <a:ea typeface="微软雅黑" panose="020B0503020204020204" pitchFamily="34" charset="-122"/>
+              <a:sym typeface="+mn-ea"/>
+            </a:endParaRPr>
           </a:p>
         </p:txBody>
       </p:sp>

--- a/2025员工体检报告（模板）.pptx
+++ b/2025员工体检报告（模板）.pptx
@@ -3,24 +3,23 @@
 <p:presentation xmlns:a="http://schemas.openxmlformats.org/drawingml/2006/main" xmlns:r="http://schemas.openxmlformats.org/officeDocument/2006/relationships" xmlns:p="http://schemas.openxmlformats.org/presentationml/2006/main" saveSubsetFonts="1">
   <p:sldMasterIdLst>
     <p:sldMasterId id="2147483648" r:id="rId1"/>
-    <p:sldMasterId id="2147483652" r:id="rId2"/>
   </p:sldMasterIdLst>
   <p:notesMasterIdLst>
-    <p:notesMasterId r:id="rId10"/>
+    <p:notesMasterId r:id="rId9"/>
   </p:notesMasterIdLst>
   <p:sldIdLst>
-    <p:sldId id="311" r:id="rId3"/>
-    <p:sldId id="362" r:id="rId4"/>
-    <p:sldId id="361" r:id="rId5"/>
-    <p:sldId id="365" r:id="rId6"/>
-    <p:sldId id="290" r:id="rId7"/>
-    <p:sldId id="364" r:id="rId8"/>
-    <p:sldId id="282" r:id="rId9"/>
+    <p:sldId id="366" r:id="rId2"/>
+    <p:sldId id="362" r:id="rId3"/>
+    <p:sldId id="361" r:id="rId4"/>
+    <p:sldId id="365" r:id="rId5"/>
+    <p:sldId id="290" r:id="rId6"/>
+    <p:sldId id="364" r:id="rId7"/>
+    <p:sldId id="282" r:id="rId8"/>
   </p:sldIdLst>
   <p:sldSz cx="6858000" cy="9906000" type="A4"/>
   <p:notesSz cx="6797675" cy="9928225"/>
   <p:custDataLst>
-    <p:tags r:id="rId11"/>
+    <p:tags r:id="rId10"/>
   </p:custDataLst>
   <p:defaultTextStyle>
     <a:defPPr>
@@ -1093,2735 +1092,7 @@
 </p:sldLayout>
 </file>
 
-<file path=ppt/slideLayouts/slideLayout10.xml><?xml version="1.0" encoding="utf-8"?>
-<p:sldLayout xmlns:a="http://schemas.openxmlformats.org/drawingml/2006/main" xmlns:r="http://schemas.openxmlformats.org/officeDocument/2006/relationships" xmlns:p="http://schemas.openxmlformats.org/presentationml/2006/main" type="secHead" preserve="1">
-  <p:cSld name="节标题">
-    <p:spTree>
-      <p:nvGrpSpPr>
-        <p:cNvPr id="1" name=""/>
-        <p:cNvGrpSpPr/>
-        <p:nvPr/>
-      </p:nvGrpSpPr>
-      <p:grpSpPr>
-        <a:xfrm>
-          <a:off x="0" y="0"/>
-          <a:ext cx="0" cy="0"/>
-          <a:chOff x="0" y="0"/>
-          <a:chExt cx="0" cy="0"/>
-        </a:xfrm>
-      </p:grpSpPr>
-      <p:sp>
-        <p:nvSpPr>
-          <p:cNvPr id="2" name="标题 1"/>
-          <p:cNvSpPr>
-            <a:spLocks noGrp="1"/>
-          </p:cNvSpPr>
-          <p:nvPr>
-            <p:ph type="title"/>
-          </p:nvPr>
-        </p:nvSpPr>
-        <p:spPr>
-          <a:xfrm>
-            <a:off x="468313" y="2470150"/>
-            <a:ext cx="5915025" cy="4119563"/>
-          </a:xfrm>
-          <a:prstGeom prst="rect">
-            <a:avLst/>
-          </a:prstGeom>
-        </p:spPr>
-        <p:txBody>
-          <a:bodyPr anchor="b"/>
-          <a:lstStyle>
-            <a:lvl1pPr>
-              <a:defRPr sz="6000"/>
-            </a:lvl1pPr>
-          </a:lstStyle>
-          <a:p>
-            <a:r>
-              <a:rPr kumimoji="1" lang="zh-CN" altLang="en-US"/>
-              <a:t>单击此处编辑母版标题样式</a:t>
-            </a:r>
-          </a:p>
-        </p:txBody>
-      </p:sp>
-      <p:sp>
-        <p:nvSpPr>
-          <p:cNvPr id="3" name="文本占位符 2"/>
-          <p:cNvSpPr>
-            <a:spLocks noGrp="1"/>
-          </p:cNvSpPr>
-          <p:nvPr>
-            <p:ph type="body" idx="1"/>
-          </p:nvPr>
-        </p:nvSpPr>
-        <p:spPr>
-          <a:xfrm>
-            <a:off x="468313" y="6629400"/>
-            <a:ext cx="5915025" cy="2166938"/>
-          </a:xfrm>
-          <a:prstGeom prst="rect">
-            <a:avLst/>
-          </a:prstGeom>
-        </p:spPr>
-        <p:txBody>
-          <a:bodyPr/>
-          <a:lstStyle>
-            <a:lvl1pPr marL="0" indent="0">
-              <a:buNone/>
-              <a:defRPr sz="2400">
-                <a:solidFill>
-                  <a:schemeClr val="tx1">
-                    <a:tint val="75000"/>
-                  </a:schemeClr>
-                </a:solidFill>
-              </a:defRPr>
-            </a:lvl1pPr>
-            <a:lvl2pPr marL="457200" indent="0">
-              <a:buNone/>
-              <a:defRPr sz="2000">
-                <a:solidFill>
-                  <a:schemeClr val="tx1">
-                    <a:tint val="75000"/>
-                  </a:schemeClr>
-                </a:solidFill>
-              </a:defRPr>
-            </a:lvl2pPr>
-            <a:lvl3pPr marL="914400" indent="0">
-              <a:buNone/>
-              <a:defRPr sz="1800">
-                <a:solidFill>
-                  <a:schemeClr val="tx1">
-                    <a:tint val="75000"/>
-                  </a:schemeClr>
-                </a:solidFill>
-              </a:defRPr>
-            </a:lvl3pPr>
-            <a:lvl4pPr marL="1371600" indent="0">
-              <a:buNone/>
-              <a:defRPr sz="1600">
-                <a:solidFill>
-                  <a:schemeClr val="tx1">
-                    <a:tint val="75000"/>
-                  </a:schemeClr>
-                </a:solidFill>
-              </a:defRPr>
-            </a:lvl4pPr>
-            <a:lvl5pPr marL="1828800" indent="0">
-              <a:buNone/>
-              <a:defRPr sz="1600">
-                <a:solidFill>
-                  <a:schemeClr val="tx1">
-                    <a:tint val="75000"/>
-                  </a:schemeClr>
-                </a:solidFill>
-              </a:defRPr>
-            </a:lvl5pPr>
-            <a:lvl6pPr marL="2286000" indent="0">
-              <a:buNone/>
-              <a:defRPr sz="1600">
-                <a:solidFill>
-                  <a:schemeClr val="tx1">
-                    <a:tint val="75000"/>
-                  </a:schemeClr>
-                </a:solidFill>
-              </a:defRPr>
-            </a:lvl6pPr>
-            <a:lvl7pPr marL="2743200" indent="0">
-              <a:buNone/>
-              <a:defRPr sz="1600">
-                <a:solidFill>
-                  <a:schemeClr val="tx1">
-                    <a:tint val="75000"/>
-                  </a:schemeClr>
-                </a:solidFill>
-              </a:defRPr>
-            </a:lvl7pPr>
-            <a:lvl8pPr marL="3200400" indent="0">
-              <a:buNone/>
-              <a:defRPr sz="1600">
-                <a:solidFill>
-                  <a:schemeClr val="tx1">
-                    <a:tint val="75000"/>
-                  </a:schemeClr>
-                </a:solidFill>
-              </a:defRPr>
-            </a:lvl8pPr>
-            <a:lvl9pPr marL="3657600" indent="0">
-              <a:buNone/>
-              <a:defRPr sz="1600">
-                <a:solidFill>
-                  <a:schemeClr val="tx1">
-                    <a:tint val="75000"/>
-                  </a:schemeClr>
-                </a:solidFill>
-              </a:defRPr>
-            </a:lvl9pPr>
-          </a:lstStyle>
-          <a:p>
-            <a:pPr lvl="0"/>
-            <a:r>
-              <a:rPr kumimoji="1" lang="zh-CN" altLang="en-US"/>
-              <a:t>单击此处编辑母版文本样式</a:t>
-            </a:r>
-          </a:p>
-        </p:txBody>
-      </p:sp>
-      <p:sp>
-        <p:nvSpPr>
-          <p:cNvPr id="4" name="日期占位符 3"/>
-          <p:cNvSpPr>
-            <a:spLocks noGrp="1"/>
-          </p:cNvSpPr>
-          <p:nvPr>
-            <p:ph type="dt" sz="half" idx="10"/>
-          </p:nvPr>
-        </p:nvSpPr>
-        <p:spPr>
-          <a:xfrm>
-            <a:off x="471488" y="9182100"/>
-            <a:ext cx="1543050" cy="527050"/>
-          </a:xfrm>
-          <a:prstGeom prst="rect">
-            <a:avLst/>
-          </a:prstGeom>
-        </p:spPr>
-        <p:txBody>
-          <a:bodyPr/>
-          <a:lstStyle/>
-          <a:p>
-            <a:fld id="{CAF26E60-0005-794A-A2AC-CFCEB36E1E25}" type="datetimeFigureOut">
-              <a:rPr kumimoji="1" lang="zh-CN" altLang="en-US" smtClean="0"/>
-              <a:t>2025/12/1</a:t>
-            </a:fld>
-            <a:endParaRPr kumimoji="1" lang="zh-CN" altLang="en-US"/>
-          </a:p>
-        </p:txBody>
-      </p:sp>
-      <p:sp>
-        <p:nvSpPr>
-          <p:cNvPr id="5" name="页脚占位符 4"/>
-          <p:cNvSpPr>
-            <a:spLocks noGrp="1"/>
-          </p:cNvSpPr>
-          <p:nvPr>
-            <p:ph type="ftr" sz="quarter" idx="11"/>
-          </p:nvPr>
-        </p:nvSpPr>
-        <p:spPr>
-          <a:xfrm>
-            <a:off x="2271713" y="9182100"/>
-            <a:ext cx="2314575" cy="527050"/>
-          </a:xfrm>
-          <a:prstGeom prst="rect">
-            <a:avLst/>
-          </a:prstGeom>
-        </p:spPr>
-        <p:txBody>
-          <a:bodyPr/>
-          <a:lstStyle/>
-          <a:p>
-            <a:endParaRPr kumimoji="1" lang="zh-CN" altLang="en-US"/>
-          </a:p>
-        </p:txBody>
-      </p:sp>
-      <p:sp>
-        <p:nvSpPr>
-          <p:cNvPr id="6" name="幻灯片编号占位符 5"/>
-          <p:cNvSpPr>
-            <a:spLocks noGrp="1"/>
-          </p:cNvSpPr>
-          <p:nvPr>
-            <p:ph type="sldNum" sz="quarter" idx="12"/>
-          </p:nvPr>
-        </p:nvSpPr>
-        <p:spPr>
-          <a:xfrm>
-            <a:off x="4843463" y="9182100"/>
-            <a:ext cx="1543050" cy="527050"/>
-          </a:xfrm>
-          <a:prstGeom prst="rect">
-            <a:avLst/>
-          </a:prstGeom>
-        </p:spPr>
-        <p:txBody>
-          <a:bodyPr/>
-          <a:lstStyle/>
-          <a:p>
-            <a:fld id="{41BC3309-D252-D54C-A325-6BD28843C812}" type="slidenum">
-              <a:rPr kumimoji="1" lang="zh-CN" altLang="en-US" smtClean="0"/>
-              <a:t>‹#›</a:t>
-            </a:fld>
-            <a:endParaRPr kumimoji="1" lang="zh-CN" altLang="en-US"/>
-          </a:p>
-        </p:txBody>
-      </p:sp>
-    </p:spTree>
-  </p:cSld>
-  <p:clrMapOvr>
-    <a:masterClrMapping/>
-  </p:clrMapOvr>
-</p:sldLayout>
-</file>
-
-<file path=ppt/slideLayouts/slideLayout11.xml><?xml version="1.0" encoding="utf-8"?>
-<p:sldLayout xmlns:a="http://schemas.openxmlformats.org/drawingml/2006/main" xmlns:r="http://schemas.openxmlformats.org/officeDocument/2006/relationships" xmlns:p="http://schemas.openxmlformats.org/presentationml/2006/main" type="twoObj" preserve="1">
-  <p:cSld name="两项内容">
-    <p:spTree>
-      <p:nvGrpSpPr>
-        <p:cNvPr id="1" name=""/>
-        <p:cNvGrpSpPr/>
-        <p:nvPr/>
-      </p:nvGrpSpPr>
-      <p:grpSpPr>
-        <a:xfrm>
-          <a:off x="0" y="0"/>
-          <a:ext cx="0" cy="0"/>
-          <a:chOff x="0" y="0"/>
-          <a:chExt cx="0" cy="0"/>
-        </a:xfrm>
-      </p:grpSpPr>
-      <p:sp>
-        <p:nvSpPr>
-          <p:cNvPr id="2" name="标题 1"/>
-          <p:cNvSpPr>
-            <a:spLocks noGrp="1"/>
-          </p:cNvSpPr>
-          <p:nvPr>
-            <p:ph type="title"/>
-          </p:nvPr>
-        </p:nvSpPr>
-        <p:spPr>
-          <a:xfrm>
-            <a:off x="471488" y="527050"/>
-            <a:ext cx="5915025" cy="1914525"/>
-          </a:xfrm>
-          <a:prstGeom prst="rect">
-            <a:avLst/>
-          </a:prstGeom>
-        </p:spPr>
-        <p:txBody>
-          <a:bodyPr/>
-          <a:lstStyle/>
-          <a:p>
-            <a:r>
-              <a:rPr kumimoji="1" lang="zh-CN" altLang="en-US"/>
-              <a:t>单击此处编辑母版标题样式</a:t>
-            </a:r>
-          </a:p>
-        </p:txBody>
-      </p:sp>
-      <p:sp>
-        <p:nvSpPr>
-          <p:cNvPr id="3" name="内容占位符 2"/>
-          <p:cNvSpPr>
-            <a:spLocks noGrp="1"/>
-          </p:cNvSpPr>
-          <p:nvPr>
-            <p:ph sz="half" idx="1"/>
-          </p:nvPr>
-        </p:nvSpPr>
-        <p:spPr>
-          <a:xfrm>
-            <a:off x="471488" y="2636838"/>
-            <a:ext cx="2881312" cy="6284912"/>
-          </a:xfrm>
-          <a:prstGeom prst="rect">
-            <a:avLst/>
-          </a:prstGeom>
-        </p:spPr>
-        <p:txBody>
-          <a:bodyPr/>
-          <a:lstStyle/>
-          <a:p>
-            <a:pPr lvl="0"/>
-            <a:r>
-              <a:rPr kumimoji="1" lang="zh-CN" altLang="en-US"/>
-              <a:t>单击此处编辑母版文本样式</a:t>
-            </a:r>
-          </a:p>
-          <a:p>
-            <a:pPr lvl="1"/>
-            <a:r>
-              <a:rPr kumimoji="1" lang="zh-CN" altLang="en-US"/>
-              <a:t>二级</a:t>
-            </a:r>
-          </a:p>
-          <a:p>
-            <a:pPr lvl="2"/>
-            <a:r>
-              <a:rPr kumimoji="1" lang="zh-CN" altLang="en-US"/>
-              <a:t>三级</a:t>
-            </a:r>
-          </a:p>
-          <a:p>
-            <a:pPr lvl="3"/>
-            <a:r>
-              <a:rPr kumimoji="1" lang="zh-CN" altLang="en-US"/>
-              <a:t>四级</a:t>
-            </a:r>
-          </a:p>
-          <a:p>
-            <a:pPr lvl="4"/>
-            <a:r>
-              <a:rPr kumimoji="1" lang="zh-CN" altLang="en-US"/>
-              <a:t>五级</a:t>
-            </a:r>
-          </a:p>
-        </p:txBody>
-      </p:sp>
-      <p:sp>
-        <p:nvSpPr>
-          <p:cNvPr id="4" name="内容占位符 3"/>
-          <p:cNvSpPr>
-            <a:spLocks noGrp="1"/>
-          </p:cNvSpPr>
-          <p:nvPr>
-            <p:ph sz="half" idx="2"/>
-          </p:nvPr>
-        </p:nvSpPr>
-        <p:spPr>
-          <a:xfrm>
-            <a:off x="3505200" y="2636838"/>
-            <a:ext cx="2881313" cy="6284912"/>
-          </a:xfrm>
-          <a:prstGeom prst="rect">
-            <a:avLst/>
-          </a:prstGeom>
-        </p:spPr>
-        <p:txBody>
-          <a:bodyPr/>
-          <a:lstStyle/>
-          <a:p>
-            <a:pPr lvl="0"/>
-            <a:r>
-              <a:rPr kumimoji="1" lang="zh-CN" altLang="en-US"/>
-              <a:t>单击此处编辑母版文本样式</a:t>
-            </a:r>
-          </a:p>
-          <a:p>
-            <a:pPr lvl="1"/>
-            <a:r>
-              <a:rPr kumimoji="1" lang="zh-CN" altLang="en-US"/>
-              <a:t>二级</a:t>
-            </a:r>
-          </a:p>
-          <a:p>
-            <a:pPr lvl="2"/>
-            <a:r>
-              <a:rPr kumimoji="1" lang="zh-CN" altLang="en-US"/>
-              <a:t>三级</a:t>
-            </a:r>
-          </a:p>
-          <a:p>
-            <a:pPr lvl="3"/>
-            <a:r>
-              <a:rPr kumimoji="1" lang="zh-CN" altLang="en-US"/>
-              <a:t>四级</a:t>
-            </a:r>
-          </a:p>
-          <a:p>
-            <a:pPr lvl="4"/>
-            <a:r>
-              <a:rPr kumimoji="1" lang="zh-CN" altLang="en-US"/>
-              <a:t>五级</a:t>
-            </a:r>
-          </a:p>
-        </p:txBody>
-      </p:sp>
-      <p:sp>
-        <p:nvSpPr>
-          <p:cNvPr id="5" name="日期占位符 4"/>
-          <p:cNvSpPr>
-            <a:spLocks noGrp="1"/>
-          </p:cNvSpPr>
-          <p:nvPr>
-            <p:ph type="dt" sz="half" idx="10"/>
-          </p:nvPr>
-        </p:nvSpPr>
-        <p:spPr>
-          <a:xfrm>
-            <a:off x="471488" y="9182100"/>
-            <a:ext cx="1543050" cy="527050"/>
-          </a:xfrm>
-          <a:prstGeom prst="rect">
-            <a:avLst/>
-          </a:prstGeom>
-        </p:spPr>
-        <p:txBody>
-          <a:bodyPr/>
-          <a:lstStyle/>
-          <a:p>
-            <a:fld id="{CAF26E60-0005-794A-A2AC-CFCEB36E1E25}" type="datetimeFigureOut">
-              <a:rPr kumimoji="1" lang="zh-CN" altLang="en-US" smtClean="0"/>
-              <a:t>2025/12/1</a:t>
-            </a:fld>
-            <a:endParaRPr kumimoji="1" lang="zh-CN" altLang="en-US"/>
-          </a:p>
-        </p:txBody>
-      </p:sp>
-      <p:sp>
-        <p:nvSpPr>
-          <p:cNvPr id="6" name="页脚占位符 5"/>
-          <p:cNvSpPr>
-            <a:spLocks noGrp="1"/>
-          </p:cNvSpPr>
-          <p:nvPr>
-            <p:ph type="ftr" sz="quarter" idx="11"/>
-          </p:nvPr>
-        </p:nvSpPr>
-        <p:spPr>
-          <a:xfrm>
-            <a:off x="2271713" y="9182100"/>
-            <a:ext cx="2314575" cy="527050"/>
-          </a:xfrm>
-          <a:prstGeom prst="rect">
-            <a:avLst/>
-          </a:prstGeom>
-        </p:spPr>
-        <p:txBody>
-          <a:bodyPr/>
-          <a:lstStyle/>
-          <a:p>
-            <a:endParaRPr kumimoji="1" lang="zh-CN" altLang="en-US"/>
-          </a:p>
-        </p:txBody>
-      </p:sp>
-      <p:sp>
-        <p:nvSpPr>
-          <p:cNvPr id="7" name="幻灯片编号占位符 6"/>
-          <p:cNvSpPr>
-            <a:spLocks noGrp="1"/>
-          </p:cNvSpPr>
-          <p:nvPr>
-            <p:ph type="sldNum" sz="quarter" idx="12"/>
-          </p:nvPr>
-        </p:nvSpPr>
-        <p:spPr>
-          <a:xfrm>
-            <a:off x="4843463" y="9182100"/>
-            <a:ext cx="1543050" cy="527050"/>
-          </a:xfrm>
-          <a:prstGeom prst="rect">
-            <a:avLst/>
-          </a:prstGeom>
-        </p:spPr>
-        <p:txBody>
-          <a:bodyPr/>
-          <a:lstStyle/>
-          <a:p>
-            <a:fld id="{41BC3309-D252-D54C-A325-6BD28843C812}" type="slidenum">
-              <a:rPr kumimoji="1" lang="zh-CN" altLang="en-US" smtClean="0"/>
-              <a:t>‹#›</a:t>
-            </a:fld>
-            <a:endParaRPr kumimoji="1" lang="zh-CN" altLang="en-US"/>
-          </a:p>
-        </p:txBody>
-      </p:sp>
-    </p:spTree>
-  </p:cSld>
-  <p:clrMapOvr>
-    <a:masterClrMapping/>
-  </p:clrMapOvr>
-</p:sldLayout>
-</file>
-
-<file path=ppt/slideLayouts/slideLayout12.xml><?xml version="1.0" encoding="utf-8"?>
-<p:sldLayout xmlns:a="http://schemas.openxmlformats.org/drawingml/2006/main" xmlns:r="http://schemas.openxmlformats.org/officeDocument/2006/relationships" xmlns:p="http://schemas.openxmlformats.org/presentationml/2006/main" type="twoTxTwoObj" preserve="1">
-  <p:cSld name="比较">
-    <p:spTree>
-      <p:nvGrpSpPr>
-        <p:cNvPr id="1" name=""/>
-        <p:cNvGrpSpPr/>
-        <p:nvPr/>
-      </p:nvGrpSpPr>
-      <p:grpSpPr>
-        <a:xfrm>
-          <a:off x="0" y="0"/>
-          <a:ext cx="0" cy="0"/>
-          <a:chOff x="0" y="0"/>
-          <a:chExt cx="0" cy="0"/>
-        </a:xfrm>
-      </p:grpSpPr>
-      <p:sp>
-        <p:nvSpPr>
-          <p:cNvPr id="2" name="标题 1"/>
-          <p:cNvSpPr>
-            <a:spLocks noGrp="1"/>
-          </p:cNvSpPr>
-          <p:nvPr>
-            <p:ph type="title"/>
-          </p:nvPr>
-        </p:nvSpPr>
-        <p:spPr>
-          <a:xfrm>
-            <a:off x="473075" y="527050"/>
-            <a:ext cx="5915025" cy="1914525"/>
-          </a:xfrm>
-          <a:prstGeom prst="rect">
-            <a:avLst/>
-          </a:prstGeom>
-        </p:spPr>
-        <p:txBody>
-          <a:bodyPr/>
-          <a:lstStyle/>
-          <a:p>
-            <a:r>
-              <a:rPr kumimoji="1" lang="zh-CN" altLang="en-US"/>
-              <a:t>单击此处编辑母版标题样式</a:t>
-            </a:r>
-          </a:p>
-        </p:txBody>
-      </p:sp>
-      <p:sp>
-        <p:nvSpPr>
-          <p:cNvPr id="3" name="文本占位符 2"/>
-          <p:cNvSpPr>
-            <a:spLocks noGrp="1"/>
-          </p:cNvSpPr>
-          <p:nvPr>
-            <p:ph type="body" idx="1"/>
-          </p:nvPr>
-        </p:nvSpPr>
-        <p:spPr>
-          <a:xfrm>
-            <a:off x="473075" y="2428875"/>
-            <a:ext cx="2900363" cy="1189038"/>
-          </a:xfrm>
-          <a:prstGeom prst="rect">
-            <a:avLst/>
-          </a:prstGeom>
-        </p:spPr>
-        <p:txBody>
-          <a:bodyPr anchor="b"/>
-          <a:lstStyle>
-            <a:lvl1pPr marL="0" indent="0">
-              <a:buNone/>
-              <a:defRPr sz="2400" b="1"/>
-            </a:lvl1pPr>
-            <a:lvl2pPr marL="457200" indent="0">
-              <a:buNone/>
-              <a:defRPr sz="2000" b="1"/>
-            </a:lvl2pPr>
-            <a:lvl3pPr marL="914400" indent="0">
-              <a:buNone/>
-              <a:defRPr sz="1800" b="1"/>
-            </a:lvl3pPr>
-            <a:lvl4pPr marL="1371600" indent="0">
-              <a:buNone/>
-              <a:defRPr sz="1600" b="1"/>
-            </a:lvl4pPr>
-            <a:lvl5pPr marL="1828800" indent="0">
-              <a:buNone/>
-              <a:defRPr sz="1600" b="1"/>
-            </a:lvl5pPr>
-            <a:lvl6pPr marL="2286000" indent="0">
-              <a:buNone/>
-              <a:defRPr sz="1600" b="1"/>
-            </a:lvl6pPr>
-            <a:lvl7pPr marL="2743200" indent="0">
-              <a:buNone/>
-              <a:defRPr sz="1600" b="1"/>
-            </a:lvl7pPr>
-            <a:lvl8pPr marL="3200400" indent="0">
-              <a:buNone/>
-              <a:defRPr sz="1600" b="1"/>
-            </a:lvl8pPr>
-            <a:lvl9pPr marL="3657600" indent="0">
-              <a:buNone/>
-              <a:defRPr sz="1600" b="1"/>
-            </a:lvl9pPr>
-          </a:lstStyle>
-          <a:p>
-            <a:pPr lvl="0"/>
-            <a:r>
-              <a:rPr kumimoji="1" lang="zh-CN" altLang="en-US"/>
-              <a:t>单击此处编辑母版文本样式</a:t>
-            </a:r>
-          </a:p>
-        </p:txBody>
-      </p:sp>
-      <p:sp>
-        <p:nvSpPr>
-          <p:cNvPr id="4" name="内容占位符 3"/>
-          <p:cNvSpPr>
-            <a:spLocks noGrp="1"/>
-          </p:cNvSpPr>
-          <p:nvPr>
-            <p:ph sz="half" idx="2"/>
-          </p:nvPr>
-        </p:nvSpPr>
-        <p:spPr>
-          <a:xfrm>
-            <a:off x="473075" y="3617913"/>
-            <a:ext cx="2900363" cy="5322887"/>
-          </a:xfrm>
-          <a:prstGeom prst="rect">
-            <a:avLst/>
-          </a:prstGeom>
-        </p:spPr>
-        <p:txBody>
-          <a:bodyPr/>
-          <a:lstStyle/>
-          <a:p>
-            <a:pPr lvl="0"/>
-            <a:r>
-              <a:rPr kumimoji="1" lang="zh-CN" altLang="en-US"/>
-              <a:t>单击此处编辑母版文本样式</a:t>
-            </a:r>
-          </a:p>
-          <a:p>
-            <a:pPr lvl="1"/>
-            <a:r>
-              <a:rPr kumimoji="1" lang="zh-CN" altLang="en-US"/>
-              <a:t>二级</a:t>
-            </a:r>
-          </a:p>
-          <a:p>
-            <a:pPr lvl="2"/>
-            <a:r>
-              <a:rPr kumimoji="1" lang="zh-CN" altLang="en-US"/>
-              <a:t>三级</a:t>
-            </a:r>
-          </a:p>
-          <a:p>
-            <a:pPr lvl="3"/>
-            <a:r>
-              <a:rPr kumimoji="1" lang="zh-CN" altLang="en-US"/>
-              <a:t>四级</a:t>
-            </a:r>
-          </a:p>
-          <a:p>
-            <a:pPr lvl="4"/>
-            <a:r>
-              <a:rPr kumimoji="1" lang="zh-CN" altLang="en-US"/>
-              <a:t>五级</a:t>
-            </a:r>
-          </a:p>
-        </p:txBody>
-      </p:sp>
-      <p:sp>
-        <p:nvSpPr>
-          <p:cNvPr id="5" name="文本占位符 4"/>
-          <p:cNvSpPr>
-            <a:spLocks noGrp="1"/>
-          </p:cNvSpPr>
-          <p:nvPr>
-            <p:ph type="body" sz="quarter" idx="3"/>
-          </p:nvPr>
-        </p:nvSpPr>
-        <p:spPr>
-          <a:xfrm>
-            <a:off x="3471863" y="2428875"/>
-            <a:ext cx="2916237" cy="1189038"/>
-          </a:xfrm>
-          <a:prstGeom prst="rect">
-            <a:avLst/>
-          </a:prstGeom>
-        </p:spPr>
-        <p:txBody>
-          <a:bodyPr anchor="b"/>
-          <a:lstStyle>
-            <a:lvl1pPr marL="0" indent="0">
-              <a:buNone/>
-              <a:defRPr sz="2400" b="1"/>
-            </a:lvl1pPr>
-            <a:lvl2pPr marL="457200" indent="0">
-              <a:buNone/>
-              <a:defRPr sz="2000" b="1"/>
-            </a:lvl2pPr>
-            <a:lvl3pPr marL="914400" indent="0">
-              <a:buNone/>
-              <a:defRPr sz="1800" b="1"/>
-            </a:lvl3pPr>
-            <a:lvl4pPr marL="1371600" indent="0">
-              <a:buNone/>
-              <a:defRPr sz="1600" b="1"/>
-            </a:lvl4pPr>
-            <a:lvl5pPr marL="1828800" indent="0">
-              <a:buNone/>
-              <a:defRPr sz="1600" b="1"/>
-            </a:lvl5pPr>
-            <a:lvl6pPr marL="2286000" indent="0">
-              <a:buNone/>
-              <a:defRPr sz="1600" b="1"/>
-            </a:lvl6pPr>
-            <a:lvl7pPr marL="2743200" indent="0">
-              <a:buNone/>
-              <a:defRPr sz="1600" b="1"/>
-            </a:lvl7pPr>
-            <a:lvl8pPr marL="3200400" indent="0">
-              <a:buNone/>
-              <a:defRPr sz="1600" b="1"/>
-            </a:lvl8pPr>
-            <a:lvl9pPr marL="3657600" indent="0">
-              <a:buNone/>
-              <a:defRPr sz="1600" b="1"/>
-            </a:lvl9pPr>
-          </a:lstStyle>
-          <a:p>
-            <a:pPr lvl="0"/>
-            <a:r>
-              <a:rPr kumimoji="1" lang="zh-CN" altLang="en-US"/>
-              <a:t>单击此处编辑母版文本样式</a:t>
-            </a:r>
-          </a:p>
-        </p:txBody>
-      </p:sp>
-      <p:sp>
-        <p:nvSpPr>
-          <p:cNvPr id="6" name="内容占位符 5"/>
-          <p:cNvSpPr>
-            <a:spLocks noGrp="1"/>
-          </p:cNvSpPr>
-          <p:nvPr>
-            <p:ph sz="quarter" idx="4"/>
-          </p:nvPr>
-        </p:nvSpPr>
-        <p:spPr>
-          <a:xfrm>
-            <a:off x="3471863" y="3617913"/>
-            <a:ext cx="2916237" cy="5322887"/>
-          </a:xfrm>
-          <a:prstGeom prst="rect">
-            <a:avLst/>
-          </a:prstGeom>
-        </p:spPr>
-        <p:txBody>
-          <a:bodyPr/>
-          <a:lstStyle/>
-          <a:p>
-            <a:pPr lvl="0"/>
-            <a:r>
-              <a:rPr kumimoji="1" lang="zh-CN" altLang="en-US"/>
-              <a:t>单击此处编辑母版文本样式</a:t>
-            </a:r>
-          </a:p>
-          <a:p>
-            <a:pPr lvl="1"/>
-            <a:r>
-              <a:rPr kumimoji="1" lang="zh-CN" altLang="en-US"/>
-              <a:t>二级</a:t>
-            </a:r>
-          </a:p>
-          <a:p>
-            <a:pPr lvl="2"/>
-            <a:r>
-              <a:rPr kumimoji="1" lang="zh-CN" altLang="en-US"/>
-              <a:t>三级</a:t>
-            </a:r>
-          </a:p>
-          <a:p>
-            <a:pPr lvl="3"/>
-            <a:r>
-              <a:rPr kumimoji="1" lang="zh-CN" altLang="en-US"/>
-              <a:t>四级</a:t>
-            </a:r>
-          </a:p>
-          <a:p>
-            <a:pPr lvl="4"/>
-            <a:r>
-              <a:rPr kumimoji="1" lang="zh-CN" altLang="en-US"/>
-              <a:t>五级</a:t>
-            </a:r>
-          </a:p>
-        </p:txBody>
-      </p:sp>
-      <p:sp>
-        <p:nvSpPr>
-          <p:cNvPr id="7" name="日期占位符 6"/>
-          <p:cNvSpPr>
-            <a:spLocks noGrp="1"/>
-          </p:cNvSpPr>
-          <p:nvPr>
-            <p:ph type="dt" sz="half" idx="10"/>
-          </p:nvPr>
-        </p:nvSpPr>
-        <p:spPr>
-          <a:xfrm>
-            <a:off x="471488" y="9182100"/>
-            <a:ext cx="1543050" cy="527050"/>
-          </a:xfrm>
-          <a:prstGeom prst="rect">
-            <a:avLst/>
-          </a:prstGeom>
-        </p:spPr>
-        <p:txBody>
-          <a:bodyPr/>
-          <a:lstStyle/>
-          <a:p>
-            <a:fld id="{CAF26E60-0005-794A-A2AC-CFCEB36E1E25}" type="datetimeFigureOut">
-              <a:rPr kumimoji="1" lang="zh-CN" altLang="en-US" smtClean="0"/>
-              <a:t>2025/12/1</a:t>
-            </a:fld>
-            <a:endParaRPr kumimoji="1" lang="zh-CN" altLang="en-US"/>
-          </a:p>
-        </p:txBody>
-      </p:sp>
-      <p:sp>
-        <p:nvSpPr>
-          <p:cNvPr id="8" name="页脚占位符 7"/>
-          <p:cNvSpPr>
-            <a:spLocks noGrp="1"/>
-          </p:cNvSpPr>
-          <p:nvPr>
-            <p:ph type="ftr" sz="quarter" idx="11"/>
-          </p:nvPr>
-        </p:nvSpPr>
-        <p:spPr>
-          <a:xfrm>
-            <a:off x="2271713" y="9182100"/>
-            <a:ext cx="2314575" cy="527050"/>
-          </a:xfrm>
-          <a:prstGeom prst="rect">
-            <a:avLst/>
-          </a:prstGeom>
-        </p:spPr>
-        <p:txBody>
-          <a:bodyPr/>
-          <a:lstStyle/>
-          <a:p>
-            <a:endParaRPr kumimoji="1" lang="zh-CN" altLang="en-US"/>
-          </a:p>
-        </p:txBody>
-      </p:sp>
-      <p:sp>
-        <p:nvSpPr>
-          <p:cNvPr id="9" name="幻灯片编号占位符 8"/>
-          <p:cNvSpPr>
-            <a:spLocks noGrp="1"/>
-          </p:cNvSpPr>
-          <p:nvPr>
-            <p:ph type="sldNum" sz="quarter" idx="12"/>
-          </p:nvPr>
-        </p:nvSpPr>
-        <p:spPr>
-          <a:xfrm>
-            <a:off x="4843463" y="9182100"/>
-            <a:ext cx="1543050" cy="527050"/>
-          </a:xfrm>
-          <a:prstGeom prst="rect">
-            <a:avLst/>
-          </a:prstGeom>
-        </p:spPr>
-        <p:txBody>
-          <a:bodyPr/>
-          <a:lstStyle/>
-          <a:p>
-            <a:fld id="{41BC3309-D252-D54C-A325-6BD28843C812}" type="slidenum">
-              <a:rPr kumimoji="1" lang="zh-CN" altLang="en-US" smtClean="0"/>
-              <a:t>‹#›</a:t>
-            </a:fld>
-            <a:endParaRPr kumimoji="1" lang="zh-CN" altLang="en-US"/>
-          </a:p>
-        </p:txBody>
-      </p:sp>
-    </p:spTree>
-  </p:cSld>
-  <p:clrMapOvr>
-    <a:masterClrMapping/>
-  </p:clrMapOvr>
-</p:sldLayout>
-</file>
-
-<file path=ppt/slideLayouts/slideLayout13.xml><?xml version="1.0" encoding="utf-8"?>
-<p:sldLayout xmlns:a="http://schemas.openxmlformats.org/drawingml/2006/main" xmlns:r="http://schemas.openxmlformats.org/officeDocument/2006/relationships" xmlns:p="http://schemas.openxmlformats.org/presentationml/2006/main" type="titleOnly" preserve="1">
-  <p:cSld name="仅标题">
-    <p:spTree>
-      <p:nvGrpSpPr>
-        <p:cNvPr id="1" name=""/>
-        <p:cNvGrpSpPr/>
-        <p:nvPr/>
-      </p:nvGrpSpPr>
-      <p:grpSpPr>
-        <a:xfrm>
-          <a:off x="0" y="0"/>
-          <a:ext cx="0" cy="0"/>
-          <a:chOff x="0" y="0"/>
-          <a:chExt cx="0" cy="0"/>
-        </a:xfrm>
-      </p:grpSpPr>
-      <p:sp>
-        <p:nvSpPr>
-          <p:cNvPr id="2" name="标题 1"/>
-          <p:cNvSpPr>
-            <a:spLocks noGrp="1"/>
-          </p:cNvSpPr>
-          <p:nvPr>
-            <p:ph type="title"/>
-          </p:nvPr>
-        </p:nvSpPr>
-        <p:spPr>
-          <a:xfrm>
-            <a:off x="471488" y="527050"/>
-            <a:ext cx="5915025" cy="1914525"/>
-          </a:xfrm>
-          <a:prstGeom prst="rect">
-            <a:avLst/>
-          </a:prstGeom>
-        </p:spPr>
-        <p:txBody>
-          <a:bodyPr/>
-          <a:lstStyle/>
-          <a:p>
-            <a:r>
-              <a:rPr kumimoji="1" lang="zh-CN" altLang="en-US"/>
-              <a:t>单击此处编辑母版标题样式</a:t>
-            </a:r>
-          </a:p>
-        </p:txBody>
-      </p:sp>
-      <p:sp>
-        <p:nvSpPr>
-          <p:cNvPr id="3" name="日期占位符 2"/>
-          <p:cNvSpPr>
-            <a:spLocks noGrp="1"/>
-          </p:cNvSpPr>
-          <p:nvPr>
-            <p:ph type="dt" sz="half" idx="10"/>
-          </p:nvPr>
-        </p:nvSpPr>
-        <p:spPr>
-          <a:xfrm>
-            <a:off x="471488" y="9182100"/>
-            <a:ext cx="1543050" cy="527050"/>
-          </a:xfrm>
-          <a:prstGeom prst="rect">
-            <a:avLst/>
-          </a:prstGeom>
-        </p:spPr>
-        <p:txBody>
-          <a:bodyPr/>
-          <a:lstStyle/>
-          <a:p>
-            <a:fld id="{CAF26E60-0005-794A-A2AC-CFCEB36E1E25}" type="datetimeFigureOut">
-              <a:rPr kumimoji="1" lang="zh-CN" altLang="en-US" smtClean="0"/>
-              <a:t>2025/12/1</a:t>
-            </a:fld>
-            <a:endParaRPr kumimoji="1" lang="zh-CN" altLang="en-US"/>
-          </a:p>
-        </p:txBody>
-      </p:sp>
-      <p:sp>
-        <p:nvSpPr>
-          <p:cNvPr id="4" name="页脚占位符 3"/>
-          <p:cNvSpPr>
-            <a:spLocks noGrp="1"/>
-          </p:cNvSpPr>
-          <p:nvPr>
-            <p:ph type="ftr" sz="quarter" idx="11"/>
-          </p:nvPr>
-        </p:nvSpPr>
-        <p:spPr>
-          <a:xfrm>
-            <a:off x="2271713" y="9182100"/>
-            <a:ext cx="2314575" cy="527050"/>
-          </a:xfrm>
-          <a:prstGeom prst="rect">
-            <a:avLst/>
-          </a:prstGeom>
-        </p:spPr>
-        <p:txBody>
-          <a:bodyPr/>
-          <a:lstStyle/>
-          <a:p>
-            <a:endParaRPr kumimoji="1" lang="zh-CN" altLang="en-US"/>
-          </a:p>
-        </p:txBody>
-      </p:sp>
-      <p:sp>
-        <p:nvSpPr>
-          <p:cNvPr id="5" name="幻灯片编号占位符 4"/>
-          <p:cNvSpPr>
-            <a:spLocks noGrp="1"/>
-          </p:cNvSpPr>
-          <p:nvPr>
-            <p:ph type="sldNum" sz="quarter" idx="12"/>
-          </p:nvPr>
-        </p:nvSpPr>
-        <p:spPr>
-          <a:xfrm>
-            <a:off x="4843463" y="9182100"/>
-            <a:ext cx="1543050" cy="527050"/>
-          </a:xfrm>
-          <a:prstGeom prst="rect">
-            <a:avLst/>
-          </a:prstGeom>
-        </p:spPr>
-        <p:txBody>
-          <a:bodyPr/>
-          <a:lstStyle/>
-          <a:p>
-            <a:fld id="{41BC3309-D252-D54C-A325-6BD28843C812}" type="slidenum">
-              <a:rPr kumimoji="1" lang="zh-CN" altLang="en-US" smtClean="0"/>
-              <a:t>‹#›</a:t>
-            </a:fld>
-            <a:endParaRPr kumimoji="1" lang="zh-CN" altLang="en-US"/>
-          </a:p>
-        </p:txBody>
-      </p:sp>
-    </p:spTree>
-  </p:cSld>
-  <p:clrMapOvr>
-    <a:masterClrMapping/>
-  </p:clrMapOvr>
-</p:sldLayout>
-</file>
-
-<file path=ppt/slideLayouts/slideLayout14.xml><?xml version="1.0" encoding="utf-8"?>
-<p:sldLayout xmlns:a="http://schemas.openxmlformats.org/drawingml/2006/main" xmlns:r="http://schemas.openxmlformats.org/officeDocument/2006/relationships" xmlns:p="http://schemas.openxmlformats.org/presentationml/2006/main" type="blank" preserve="1">
-  <p:cSld name="空白">
-    <p:spTree>
-      <p:nvGrpSpPr>
-        <p:cNvPr id="1" name=""/>
-        <p:cNvGrpSpPr/>
-        <p:nvPr/>
-      </p:nvGrpSpPr>
-      <p:grpSpPr>
-        <a:xfrm>
-          <a:off x="0" y="0"/>
-          <a:ext cx="0" cy="0"/>
-          <a:chOff x="0" y="0"/>
-          <a:chExt cx="0" cy="0"/>
-        </a:xfrm>
-      </p:grpSpPr>
-      <p:sp>
-        <p:nvSpPr>
-          <p:cNvPr id="2" name="日期占位符 1"/>
-          <p:cNvSpPr>
-            <a:spLocks noGrp="1"/>
-          </p:cNvSpPr>
-          <p:nvPr>
-            <p:ph type="dt" sz="half" idx="10"/>
-          </p:nvPr>
-        </p:nvSpPr>
-        <p:spPr>
-          <a:xfrm>
-            <a:off x="471488" y="9182100"/>
-            <a:ext cx="1543050" cy="527050"/>
-          </a:xfrm>
-          <a:prstGeom prst="rect">
-            <a:avLst/>
-          </a:prstGeom>
-        </p:spPr>
-        <p:txBody>
-          <a:bodyPr/>
-          <a:lstStyle/>
-          <a:p>
-            <a:fld id="{CAF26E60-0005-794A-A2AC-CFCEB36E1E25}" type="datetimeFigureOut">
-              <a:rPr kumimoji="1" lang="zh-CN" altLang="en-US" smtClean="0"/>
-              <a:t>2025/12/1</a:t>
-            </a:fld>
-            <a:endParaRPr kumimoji="1" lang="zh-CN" altLang="en-US"/>
-          </a:p>
-        </p:txBody>
-      </p:sp>
-      <p:sp>
-        <p:nvSpPr>
-          <p:cNvPr id="3" name="页脚占位符 2"/>
-          <p:cNvSpPr>
-            <a:spLocks noGrp="1"/>
-          </p:cNvSpPr>
-          <p:nvPr>
-            <p:ph type="ftr" sz="quarter" idx="11"/>
-          </p:nvPr>
-        </p:nvSpPr>
-        <p:spPr>
-          <a:xfrm>
-            <a:off x="2271713" y="9182100"/>
-            <a:ext cx="2314575" cy="527050"/>
-          </a:xfrm>
-          <a:prstGeom prst="rect">
-            <a:avLst/>
-          </a:prstGeom>
-        </p:spPr>
-        <p:txBody>
-          <a:bodyPr/>
-          <a:lstStyle/>
-          <a:p>
-            <a:endParaRPr kumimoji="1" lang="zh-CN" altLang="en-US"/>
-          </a:p>
-        </p:txBody>
-      </p:sp>
-      <p:sp>
-        <p:nvSpPr>
-          <p:cNvPr id="4" name="幻灯片编号占位符 3"/>
-          <p:cNvSpPr>
-            <a:spLocks noGrp="1"/>
-          </p:cNvSpPr>
-          <p:nvPr>
-            <p:ph type="sldNum" sz="quarter" idx="12"/>
-          </p:nvPr>
-        </p:nvSpPr>
-        <p:spPr>
-          <a:xfrm>
-            <a:off x="4843463" y="9182100"/>
-            <a:ext cx="1543050" cy="527050"/>
-          </a:xfrm>
-          <a:prstGeom prst="rect">
-            <a:avLst/>
-          </a:prstGeom>
-        </p:spPr>
-        <p:txBody>
-          <a:bodyPr/>
-          <a:lstStyle/>
-          <a:p>
-            <a:fld id="{41BC3309-D252-D54C-A325-6BD28843C812}" type="slidenum">
-              <a:rPr kumimoji="1" lang="zh-CN" altLang="en-US" smtClean="0"/>
-              <a:t>‹#›</a:t>
-            </a:fld>
-            <a:endParaRPr kumimoji="1" lang="zh-CN" altLang="en-US"/>
-          </a:p>
-        </p:txBody>
-      </p:sp>
-    </p:spTree>
-  </p:cSld>
-  <p:clrMapOvr>
-    <a:masterClrMapping/>
-  </p:clrMapOvr>
-</p:sldLayout>
-</file>
-
-<file path=ppt/slideLayouts/slideLayout15.xml><?xml version="1.0" encoding="utf-8"?>
-<p:sldLayout xmlns:a="http://schemas.openxmlformats.org/drawingml/2006/main" xmlns:r="http://schemas.openxmlformats.org/officeDocument/2006/relationships" xmlns:p="http://schemas.openxmlformats.org/presentationml/2006/main" type="objTx" preserve="1">
-  <p:cSld name="内容与标题">
-    <p:spTree>
-      <p:nvGrpSpPr>
-        <p:cNvPr id="1" name=""/>
-        <p:cNvGrpSpPr/>
-        <p:nvPr/>
-      </p:nvGrpSpPr>
-      <p:grpSpPr>
-        <a:xfrm>
-          <a:off x="0" y="0"/>
-          <a:ext cx="0" cy="0"/>
-          <a:chOff x="0" y="0"/>
-          <a:chExt cx="0" cy="0"/>
-        </a:xfrm>
-      </p:grpSpPr>
-      <p:sp>
-        <p:nvSpPr>
-          <p:cNvPr id="2" name="标题 1"/>
-          <p:cNvSpPr>
-            <a:spLocks noGrp="1"/>
-          </p:cNvSpPr>
-          <p:nvPr>
-            <p:ph type="title"/>
-          </p:nvPr>
-        </p:nvSpPr>
-        <p:spPr>
-          <a:xfrm>
-            <a:off x="473075" y="660400"/>
-            <a:ext cx="2211388" cy="2311400"/>
-          </a:xfrm>
-          <a:prstGeom prst="rect">
-            <a:avLst/>
-          </a:prstGeom>
-        </p:spPr>
-        <p:txBody>
-          <a:bodyPr anchor="b"/>
-          <a:lstStyle>
-            <a:lvl1pPr>
-              <a:defRPr sz="3200"/>
-            </a:lvl1pPr>
-          </a:lstStyle>
-          <a:p>
-            <a:r>
-              <a:rPr kumimoji="1" lang="zh-CN" altLang="en-US"/>
-              <a:t>单击此处编辑母版标题样式</a:t>
-            </a:r>
-          </a:p>
-        </p:txBody>
-      </p:sp>
-      <p:sp>
-        <p:nvSpPr>
-          <p:cNvPr id="3" name="内容占位符 2"/>
-          <p:cNvSpPr>
-            <a:spLocks noGrp="1"/>
-          </p:cNvSpPr>
-          <p:nvPr>
-            <p:ph idx="1"/>
-          </p:nvPr>
-        </p:nvSpPr>
-        <p:spPr>
-          <a:xfrm>
-            <a:off x="2916238" y="1425575"/>
-            <a:ext cx="3471862" cy="7040563"/>
-          </a:xfrm>
-          <a:prstGeom prst="rect">
-            <a:avLst/>
-          </a:prstGeom>
-        </p:spPr>
-        <p:txBody>
-          <a:bodyPr/>
-          <a:lstStyle>
-            <a:lvl1pPr>
-              <a:defRPr sz="3200"/>
-            </a:lvl1pPr>
-            <a:lvl2pPr>
-              <a:defRPr sz="2800"/>
-            </a:lvl2pPr>
-            <a:lvl3pPr>
-              <a:defRPr sz="2400"/>
-            </a:lvl3pPr>
-            <a:lvl4pPr>
-              <a:defRPr sz="2000"/>
-            </a:lvl4pPr>
-            <a:lvl5pPr>
-              <a:defRPr sz="2000"/>
-            </a:lvl5pPr>
-            <a:lvl6pPr>
-              <a:defRPr sz="2000"/>
-            </a:lvl6pPr>
-            <a:lvl7pPr>
-              <a:defRPr sz="2000"/>
-            </a:lvl7pPr>
-            <a:lvl8pPr>
-              <a:defRPr sz="2000"/>
-            </a:lvl8pPr>
-            <a:lvl9pPr>
-              <a:defRPr sz="2000"/>
-            </a:lvl9pPr>
-          </a:lstStyle>
-          <a:p>
-            <a:pPr lvl="0"/>
-            <a:r>
-              <a:rPr kumimoji="1" lang="zh-CN" altLang="en-US"/>
-              <a:t>单击此处编辑母版文本样式</a:t>
-            </a:r>
-          </a:p>
-          <a:p>
-            <a:pPr lvl="1"/>
-            <a:r>
-              <a:rPr kumimoji="1" lang="zh-CN" altLang="en-US"/>
-              <a:t>二级</a:t>
-            </a:r>
-          </a:p>
-          <a:p>
-            <a:pPr lvl="2"/>
-            <a:r>
-              <a:rPr kumimoji="1" lang="zh-CN" altLang="en-US"/>
-              <a:t>三级</a:t>
-            </a:r>
-          </a:p>
-          <a:p>
-            <a:pPr lvl="3"/>
-            <a:r>
-              <a:rPr kumimoji="1" lang="zh-CN" altLang="en-US"/>
-              <a:t>四级</a:t>
-            </a:r>
-          </a:p>
-          <a:p>
-            <a:pPr lvl="4"/>
-            <a:r>
-              <a:rPr kumimoji="1" lang="zh-CN" altLang="en-US"/>
-              <a:t>五级</a:t>
-            </a:r>
-          </a:p>
-        </p:txBody>
-      </p:sp>
-      <p:sp>
-        <p:nvSpPr>
-          <p:cNvPr id="4" name="文本占位符 3"/>
-          <p:cNvSpPr>
-            <a:spLocks noGrp="1"/>
-          </p:cNvSpPr>
-          <p:nvPr>
-            <p:ph type="body" sz="half" idx="2"/>
-          </p:nvPr>
-        </p:nvSpPr>
-        <p:spPr>
-          <a:xfrm>
-            <a:off x="473075" y="2971800"/>
-            <a:ext cx="2211388" cy="5505450"/>
-          </a:xfrm>
-          <a:prstGeom prst="rect">
-            <a:avLst/>
-          </a:prstGeom>
-        </p:spPr>
-        <p:txBody>
-          <a:bodyPr/>
-          <a:lstStyle>
-            <a:lvl1pPr marL="0" indent="0">
-              <a:buNone/>
-              <a:defRPr sz="1600"/>
-            </a:lvl1pPr>
-            <a:lvl2pPr marL="457200" indent="0">
-              <a:buNone/>
-              <a:defRPr sz="1400"/>
-            </a:lvl2pPr>
-            <a:lvl3pPr marL="914400" indent="0">
-              <a:buNone/>
-              <a:defRPr sz="1200"/>
-            </a:lvl3pPr>
-            <a:lvl4pPr marL="1371600" indent="0">
-              <a:buNone/>
-              <a:defRPr sz="1000"/>
-            </a:lvl4pPr>
-            <a:lvl5pPr marL="1828800" indent="0">
-              <a:buNone/>
-              <a:defRPr sz="1000"/>
-            </a:lvl5pPr>
-            <a:lvl6pPr marL="2286000" indent="0">
-              <a:buNone/>
-              <a:defRPr sz="1000"/>
-            </a:lvl6pPr>
-            <a:lvl7pPr marL="2743200" indent="0">
-              <a:buNone/>
-              <a:defRPr sz="1000"/>
-            </a:lvl7pPr>
-            <a:lvl8pPr marL="3200400" indent="0">
-              <a:buNone/>
-              <a:defRPr sz="1000"/>
-            </a:lvl8pPr>
-            <a:lvl9pPr marL="3657600" indent="0">
-              <a:buNone/>
-              <a:defRPr sz="1000"/>
-            </a:lvl9pPr>
-          </a:lstStyle>
-          <a:p>
-            <a:pPr lvl="0"/>
-            <a:r>
-              <a:rPr kumimoji="1" lang="zh-CN" altLang="en-US"/>
-              <a:t>单击此处编辑母版文本样式</a:t>
-            </a:r>
-          </a:p>
-        </p:txBody>
-      </p:sp>
-      <p:sp>
-        <p:nvSpPr>
-          <p:cNvPr id="5" name="日期占位符 4"/>
-          <p:cNvSpPr>
-            <a:spLocks noGrp="1"/>
-          </p:cNvSpPr>
-          <p:nvPr>
-            <p:ph type="dt" sz="half" idx="10"/>
-          </p:nvPr>
-        </p:nvSpPr>
-        <p:spPr>
-          <a:xfrm>
-            <a:off x="471488" y="9182100"/>
-            <a:ext cx="1543050" cy="527050"/>
-          </a:xfrm>
-          <a:prstGeom prst="rect">
-            <a:avLst/>
-          </a:prstGeom>
-        </p:spPr>
-        <p:txBody>
-          <a:bodyPr/>
-          <a:lstStyle/>
-          <a:p>
-            <a:fld id="{CAF26E60-0005-794A-A2AC-CFCEB36E1E25}" type="datetimeFigureOut">
-              <a:rPr kumimoji="1" lang="zh-CN" altLang="en-US" smtClean="0"/>
-              <a:t>2025/12/1</a:t>
-            </a:fld>
-            <a:endParaRPr kumimoji="1" lang="zh-CN" altLang="en-US"/>
-          </a:p>
-        </p:txBody>
-      </p:sp>
-      <p:sp>
-        <p:nvSpPr>
-          <p:cNvPr id="6" name="页脚占位符 5"/>
-          <p:cNvSpPr>
-            <a:spLocks noGrp="1"/>
-          </p:cNvSpPr>
-          <p:nvPr>
-            <p:ph type="ftr" sz="quarter" idx="11"/>
-          </p:nvPr>
-        </p:nvSpPr>
-        <p:spPr>
-          <a:xfrm>
-            <a:off x="2271713" y="9182100"/>
-            <a:ext cx="2314575" cy="527050"/>
-          </a:xfrm>
-          <a:prstGeom prst="rect">
-            <a:avLst/>
-          </a:prstGeom>
-        </p:spPr>
-        <p:txBody>
-          <a:bodyPr/>
-          <a:lstStyle/>
-          <a:p>
-            <a:endParaRPr kumimoji="1" lang="zh-CN" altLang="en-US"/>
-          </a:p>
-        </p:txBody>
-      </p:sp>
-      <p:sp>
-        <p:nvSpPr>
-          <p:cNvPr id="7" name="幻灯片编号占位符 6"/>
-          <p:cNvSpPr>
-            <a:spLocks noGrp="1"/>
-          </p:cNvSpPr>
-          <p:nvPr>
-            <p:ph type="sldNum" sz="quarter" idx="12"/>
-          </p:nvPr>
-        </p:nvSpPr>
-        <p:spPr>
-          <a:xfrm>
-            <a:off x="4843463" y="9182100"/>
-            <a:ext cx="1543050" cy="527050"/>
-          </a:xfrm>
-          <a:prstGeom prst="rect">
-            <a:avLst/>
-          </a:prstGeom>
-        </p:spPr>
-        <p:txBody>
-          <a:bodyPr/>
-          <a:lstStyle/>
-          <a:p>
-            <a:fld id="{41BC3309-D252-D54C-A325-6BD28843C812}" type="slidenum">
-              <a:rPr kumimoji="1" lang="zh-CN" altLang="en-US" smtClean="0"/>
-              <a:t>‹#›</a:t>
-            </a:fld>
-            <a:endParaRPr kumimoji="1" lang="zh-CN" altLang="en-US"/>
-          </a:p>
-        </p:txBody>
-      </p:sp>
-    </p:spTree>
-  </p:cSld>
-  <p:clrMapOvr>
-    <a:masterClrMapping/>
-  </p:clrMapOvr>
-</p:sldLayout>
-</file>
-
-<file path=ppt/slideLayouts/slideLayout16.xml><?xml version="1.0" encoding="utf-8"?>
-<p:sldLayout xmlns:a="http://schemas.openxmlformats.org/drawingml/2006/main" xmlns:r="http://schemas.openxmlformats.org/officeDocument/2006/relationships" xmlns:p="http://schemas.openxmlformats.org/presentationml/2006/main" type="picTx" preserve="1">
-  <p:cSld name="图片与标题">
-    <p:spTree>
-      <p:nvGrpSpPr>
-        <p:cNvPr id="1" name=""/>
-        <p:cNvGrpSpPr/>
-        <p:nvPr/>
-      </p:nvGrpSpPr>
-      <p:grpSpPr>
-        <a:xfrm>
-          <a:off x="0" y="0"/>
-          <a:ext cx="0" cy="0"/>
-          <a:chOff x="0" y="0"/>
-          <a:chExt cx="0" cy="0"/>
-        </a:xfrm>
-      </p:grpSpPr>
-      <p:sp>
-        <p:nvSpPr>
-          <p:cNvPr id="2" name="标题 1"/>
-          <p:cNvSpPr>
-            <a:spLocks noGrp="1"/>
-          </p:cNvSpPr>
-          <p:nvPr>
-            <p:ph type="title"/>
-          </p:nvPr>
-        </p:nvSpPr>
-        <p:spPr>
-          <a:xfrm>
-            <a:off x="473075" y="660400"/>
-            <a:ext cx="2211388" cy="2311400"/>
-          </a:xfrm>
-          <a:prstGeom prst="rect">
-            <a:avLst/>
-          </a:prstGeom>
-        </p:spPr>
-        <p:txBody>
-          <a:bodyPr anchor="b"/>
-          <a:lstStyle>
-            <a:lvl1pPr>
-              <a:defRPr sz="3200"/>
-            </a:lvl1pPr>
-          </a:lstStyle>
-          <a:p>
-            <a:r>
-              <a:rPr kumimoji="1" lang="zh-CN" altLang="en-US"/>
-              <a:t>单击此处编辑母版标题样式</a:t>
-            </a:r>
-          </a:p>
-        </p:txBody>
-      </p:sp>
-      <p:sp>
-        <p:nvSpPr>
-          <p:cNvPr id="3" name="图片占位符 2"/>
-          <p:cNvSpPr>
-            <a:spLocks noGrp="1"/>
-          </p:cNvSpPr>
-          <p:nvPr>
-            <p:ph type="pic" idx="1"/>
-          </p:nvPr>
-        </p:nvSpPr>
-        <p:spPr>
-          <a:xfrm>
-            <a:off x="2916238" y="1425575"/>
-            <a:ext cx="3471862" cy="7040563"/>
-          </a:xfrm>
-          <a:prstGeom prst="rect">
-            <a:avLst/>
-          </a:prstGeom>
-        </p:spPr>
-        <p:txBody>
-          <a:bodyPr/>
-          <a:lstStyle>
-            <a:lvl1pPr marL="0" indent="0">
-              <a:buNone/>
-              <a:defRPr sz="3200"/>
-            </a:lvl1pPr>
-            <a:lvl2pPr marL="457200" indent="0">
-              <a:buNone/>
-              <a:defRPr sz="2800"/>
-            </a:lvl2pPr>
-            <a:lvl3pPr marL="914400" indent="0">
-              <a:buNone/>
-              <a:defRPr sz="2400"/>
-            </a:lvl3pPr>
-            <a:lvl4pPr marL="1371600" indent="0">
-              <a:buNone/>
-              <a:defRPr sz="2000"/>
-            </a:lvl4pPr>
-            <a:lvl5pPr marL="1828800" indent="0">
-              <a:buNone/>
-              <a:defRPr sz="2000"/>
-            </a:lvl5pPr>
-            <a:lvl6pPr marL="2286000" indent="0">
-              <a:buNone/>
-              <a:defRPr sz="2000"/>
-            </a:lvl6pPr>
-            <a:lvl7pPr marL="2743200" indent="0">
-              <a:buNone/>
-              <a:defRPr sz="2000"/>
-            </a:lvl7pPr>
-            <a:lvl8pPr marL="3200400" indent="0">
-              <a:buNone/>
-              <a:defRPr sz="2000"/>
-            </a:lvl8pPr>
-            <a:lvl9pPr marL="3657600" indent="0">
-              <a:buNone/>
-              <a:defRPr sz="2000"/>
-            </a:lvl9pPr>
-          </a:lstStyle>
-          <a:p>
-            <a:endParaRPr kumimoji="1" lang="zh-CN" altLang="en-US"/>
-          </a:p>
-        </p:txBody>
-      </p:sp>
-      <p:sp>
-        <p:nvSpPr>
-          <p:cNvPr id="4" name="文本占位符 3"/>
-          <p:cNvSpPr>
-            <a:spLocks noGrp="1"/>
-          </p:cNvSpPr>
-          <p:nvPr>
-            <p:ph type="body" sz="half" idx="2"/>
-          </p:nvPr>
-        </p:nvSpPr>
-        <p:spPr>
-          <a:xfrm>
-            <a:off x="473075" y="2971800"/>
-            <a:ext cx="2211388" cy="5505450"/>
-          </a:xfrm>
-          <a:prstGeom prst="rect">
-            <a:avLst/>
-          </a:prstGeom>
-        </p:spPr>
-        <p:txBody>
-          <a:bodyPr/>
-          <a:lstStyle>
-            <a:lvl1pPr marL="0" indent="0">
-              <a:buNone/>
-              <a:defRPr sz="1600"/>
-            </a:lvl1pPr>
-            <a:lvl2pPr marL="457200" indent="0">
-              <a:buNone/>
-              <a:defRPr sz="1400"/>
-            </a:lvl2pPr>
-            <a:lvl3pPr marL="914400" indent="0">
-              <a:buNone/>
-              <a:defRPr sz="1200"/>
-            </a:lvl3pPr>
-            <a:lvl4pPr marL="1371600" indent="0">
-              <a:buNone/>
-              <a:defRPr sz="1000"/>
-            </a:lvl4pPr>
-            <a:lvl5pPr marL="1828800" indent="0">
-              <a:buNone/>
-              <a:defRPr sz="1000"/>
-            </a:lvl5pPr>
-            <a:lvl6pPr marL="2286000" indent="0">
-              <a:buNone/>
-              <a:defRPr sz="1000"/>
-            </a:lvl6pPr>
-            <a:lvl7pPr marL="2743200" indent="0">
-              <a:buNone/>
-              <a:defRPr sz="1000"/>
-            </a:lvl7pPr>
-            <a:lvl8pPr marL="3200400" indent="0">
-              <a:buNone/>
-              <a:defRPr sz="1000"/>
-            </a:lvl8pPr>
-            <a:lvl9pPr marL="3657600" indent="0">
-              <a:buNone/>
-              <a:defRPr sz="1000"/>
-            </a:lvl9pPr>
-          </a:lstStyle>
-          <a:p>
-            <a:pPr lvl="0"/>
-            <a:r>
-              <a:rPr kumimoji="1" lang="zh-CN" altLang="en-US"/>
-              <a:t>单击此处编辑母版文本样式</a:t>
-            </a:r>
-          </a:p>
-        </p:txBody>
-      </p:sp>
-      <p:sp>
-        <p:nvSpPr>
-          <p:cNvPr id="5" name="日期占位符 4"/>
-          <p:cNvSpPr>
-            <a:spLocks noGrp="1"/>
-          </p:cNvSpPr>
-          <p:nvPr>
-            <p:ph type="dt" sz="half" idx="10"/>
-          </p:nvPr>
-        </p:nvSpPr>
-        <p:spPr>
-          <a:xfrm>
-            <a:off x="471488" y="9182100"/>
-            <a:ext cx="1543050" cy="527050"/>
-          </a:xfrm>
-          <a:prstGeom prst="rect">
-            <a:avLst/>
-          </a:prstGeom>
-        </p:spPr>
-        <p:txBody>
-          <a:bodyPr/>
-          <a:lstStyle/>
-          <a:p>
-            <a:fld id="{CAF26E60-0005-794A-A2AC-CFCEB36E1E25}" type="datetimeFigureOut">
-              <a:rPr kumimoji="1" lang="zh-CN" altLang="en-US" smtClean="0"/>
-              <a:t>2025/12/1</a:t>
-            </a:fld>
-            <a:endParaRPr kumimoji="1" lang="zh-CN" altLang="en-US"/>
-          </a:p>
-        </p:txBody>
-      </p:sp>
-      <p:sp>
-        <p:nvSpPr>
-          <p:cNvPr id="6" name="页脚占位符 5"/>
-          <p:cNvSpPr>
-            <a:spLocks noGrp="1"/>
-          </p:cNvSpPr>
-          <p:nvPr>
-            <p:ph type="ftr" sz="quarter" idx="11"/>
-          </p:nvPr>
-        </p:nvSpPr>
-        <p:spPr>
-          <a:xfrm>
-            <a:off x="2271713" y="9182100"/>
-            <a:ext cx="2314575" cy="527050"/>
-          </a:xfrm>
-          <a:prstGeom prst="rect">
-            <a:avLst/>
-          </a:prstGeom>
-        </p:spPr>
-        <p:txBody>
-          <a:bodyPr/>
-          <a:lstStyle/>
-          <a:p>
-            <a:endParaRPr kumimoji="1" lang="zh-CN" altLang="en-US"/>
-          </a:p>
-        </p:txBody>
-      </p:sp>
-      <p:sp>
-        <p:nvSpPr>
-          <p:cNvPr id="7" name="幻灯片编号占位符 6"/>
-          <p:cNvSpPr>
-            <a:spLocks noGrp="1"/>
-          </p:cNvSpPr>
-          <p:nvPr>
-            <p:ph type="sldNum" sz="quarter" idx="12"/>
-          </p:nvPr>
-        </p:nvSpPr>
-        <p:spPr>
-          <a:xfrm>
-            <a:off x="4843463" y="9182100"/>
-            <a:ext cx="1543050" cy="527050"/>
-          </a:xfrm>
-          <a:prstGeom prst="rect">
-            <a:avLst/>
-          </a:prstGeom>
-        </p:spPr>
-        <p:txBody>
-          <a:bodyPr/>
-          <a:lstStyle/>
-          <a:p>
-            <a:fld id="{41BC3309-D252-D54C-A325-6BD28843C812}" type="slidenum">
-              <a:rPr kumimoji="1" lang="zh-CN" altLang="en-US" smtClean="0"/>
-              <a:t>‹#›</a:t>
-            </a:fld>
-            <a:endParaRPr kumimoji="1" lang="zh-CN" altLang="en-US"/>
-          </a:p>
-        </p:txBody>
-      </p:sp>
-    </p:spTree>
-  </p:cSld>
-  <p:clrMapOvr>
-    <a:masterClrMapping/>
-  </p:clrMapOvr>
-</p:sldLayout>
-</file>
-
-<file path=ppt/slideLayouts/slideLayout17.xml><?xml version="1.0" encoding="utf-8"?>
-<p:sldLayout xmlns:a="http://schemas.openxmlformats.org/drawingml/2006/main" xmlns:r="http://schemas.openxmlformats.org/officeDocument/2006/relationships" xmlns:p="http://schemas.openxmlformats.org/presentationml/2006/main" type="vertTx" preserve="1">
-  <p:cSld name="标题和竖排文本">
-    <p:spTree>
-      <p:nvGrpSpPr>
-        <p:cNvPr id="1" name=""/>
-        <p:cNvGrpSpPr/>
-        <p:nvPr/>
-      </p:nvGrpSpPr>
-      <p:grpSpPr>
-        <a:xfrm>
-          <a:off x="0" y="0"/>
-          <a:ext cx="0" cy="0"/>
-          <a:chOff x="0" y="0"/>
-          <a:chExt cx="0" cy="0"/>
-        </a:xfrm>
-      </p:grpSpPr>
-      <p:sp>
-        <p:nvSpPr>
-          <p:cNvPr id="2" name="标题 1"/>
-          <p:cNvSpPr>
-            <a:spLocks noGrp="1"/>
-          </p:cNvSpPr>
-          <p:nvPr>
-            <p:ph type="title"/>
-          </p:nvPr>
-        </p:nvSpPr>
-        <p:spPr>
-          <a:xfrm>
-            <a:off x="471488" y="527050"/>
-            <a:ext cx="5915025" cy="1914525"/>
-          </a:xfrm>
-          <a:prstGeom prst="rect">
-            <a:avLst/>
-          </a:prstGeom>
-        </p:spPr>
-        <p:txBody>
-          <a:bodyPr/>
-          <a:lstStyle/>
-          <a:p>
-            <a:r>
-              <a:rPr kumimoji="1" lang="zh-CN" altLang="en-US"/>
-              <a:t>单击此处编辑母版标题样式</a:t>
-            </a:r>
-          </a:p>
-        </p:txBody>
-      </p:sp>
-      <p:sp>
-        <p:nvSpPr>
-          <p:cNvPr id="3" name="竖排文本占位符 2"/>
-          <p:cNvSpPr>
-            <a:spLocks noGrp="1"/>
-          </p:cNvSpPr>
-          <p:nvPr>
-            <p:ph type="body" orient="vert" idx="1"/>
-          </p:nvPr>
-        </p:nvSpPr>
-        <p:spPr>
-          <a:xfrm>
-            <a:off x="471488" y="2636838"/>
-            <a:ext cx="5915025" cy="6284912"/>
-          </a:xfrm>
-          <a:prstGeom prst="rect">
-            <a:avLst/>
-          </a:prstGeom>
-        </p:spPr>
-        <p:txBody>
-          <a:bodyPr vert="eaVert"/>
-          <a:lstStyle/>
-          <a:p>
-            <a:pPr lvl="0"/>
-            <a:r>
-              <a:rPr kumimoji="1" lang="zh-CN" altLang="en-US"/>
-              <a:t>单击此处编辑母版文本样式</a:t>
-            </a:r>
-          </a:p>
-          <a:p>
-            <a:pPr lvl="1"/>
-            <a:r>
-              <a:rPr kumimoji="1" lang="zh-CN" altLang="en-US"/>
-              <a:t>二级</a:t>
-            </a:r>
-          </a:p>
-          <a:p>
-            <a:pPr lvl="2"/>
-            <a:r>
-              <a:rPr kumimoji="1" lang="zh-CN" altLang="en-US"/>
-              <a:t>三级</a:t>
-            </a:r>
-          </a:p>
-          <a:p>
-            <a:pPr lvl="3"/>
-            <a:r>
-              <a:rPr kumimoji="1" lang="zh-CN" altLang="en-US"/>
-              <a:t>四级</a:t>
-            </a:r>
-          </a:p>
-          <a:p>
-            <a:pPr lvl="4"/>
-            <a:r>
-              <a:rPr kumimoji="1" lang="zh-CN" altLang="en-US"/>
-              <a:t>五级</a:t>
-            </a:r>
-          </a:p>
-        </p:txBody>
-      </p:sp>
-      <p:sp>
-        <p:nvSpPr>
-          <p:cNvPr id="4" name="日期占位符 3"/>
-          <p:cNvSpPr>
-            <a:spLocks noGrp="1"/>
-          </p:cNvSpPr>
-          <p:nvPr>
-            <p:ph type="dt" sz="half" idx="10"/>
-          </p:nvPr>
-        </p:nvSpPr>
-        <p:spPr>
-          <a:xfrm>
-            <a:off x="471488" y="9182100"/>
-            <a:ext cx="1543050" cy="527050"/>
-          </a:xfrm>
-          <a:prstGeom prst="rect">
-            <a:avLst/>
-          </a:prstGeom>
-        </p:spPr>
-        <p:txBody>
-          <a:bodyPr/>
-          <a:lstStyle/>
-          <a:p>
-            <a:fld id="{CAF26E60-0005-794A-A2AC-CFCEB36E1E25}" type="datetimeFigureOut">
-              <a:rPr kumimoji="1" lang="zh-CN" altLang="en-US" smtClean="0"/>
-              <a:t>2025/12/1</a:t>
-            </a:fld>
-            <a:endParaRPr kumimoji="1" lang="zh-CN" altLang="en-US"/>
-          </a:p>
-        </p:txBody>
-      </p:sp>
-      <p:sp>
-        <p:nvSpPr>
-          <p:cNvPr id="5" name="页脚占位符 4"/>
-          <p:cNvSpPr>
-            <a:spLocks noGrp="1"/>
-          </p:cNvSpPr>
-          <p:nvPr>
-            <p:ph type="ftr" sz="quarter" idx="11"/>
-          </p:nvPr>
-        </p:nvSpPr>
-        <p:spPr>
-          <a:xfrm>
-            <a:off x="2271713" y="9182100"/>
-            <a:ext cx="2314575" cy="527050"/>
-          </a:xfrm>
-          <a:prstGeom prst="rect">
-            <a:avLst/>
-          </a:prstGeom>
-        </p:spPr>
-        <p:txBody>
-          <a:bodyPr/>
-          <a:lstStyle/>
-          <a:p>
-            <a:endParaRPr kumimoji="1" lang="zh-CN" altLang="en-US"/>
-          </a:p>
-        </p:txBody>
-      </p:sp>
-      <p:sp>
-        <p:nvSpPr>
-          <p:cNvPr id="6" name="幻灯片编号占位符 5"/>
-          <p:cNvSpPr>
-            <a:spLocks noGrp="1"/>
-          </p:cNvSpPr>
-          <p:nvPr>
-            <p:ph type="sldNum" sz="quarter" idx="12"/>
-          </p:nvPr>
-        </p:nvSpPr>
-        <p:spPr>
-          <a:xfrm>
-            <a:off x="4843463" y="9182100"/>
-            <a:ext cx="1543050" cy="527050"/>
-          </a:xfrm>
-          <a:prstGeom prst="rect">
-            <a:avLst/>
-          </a:prstGeom>
-        </p:spPr>
-        <p:txBody>
-          <a:bodyPr/>
-          <a:lstStyle/>
-          <a:p>
-            <a:fld id="{41BC3309-D252-D54C-A325-6BD28843C812}" type="slidenum">
-              <a:rPr kumimoji="1" lang="zh-CN" altLang="en-US" smtClean="0"/>
-              <a:t>‹#›</a:t>
-            </a:fld>
-            <a:endParaRPr kumimoji="1" lang="zh-CN" altLang="en-US"/>
-          </a:p>
-        </p:txBody>
-      </p:sp>
-    </p:spTree>
-  </p:cSld>
-  <p:clrMapOvr>
-    <a:masterClrMapping/>
-  </p:clrMapOvr>
-</p:sldLayout>
-</file>
-
-<file path=ppt/slideLayouts/slideLayout18.xml><?xml version="1.0" encoding="utf-8"?>
-<p:sldLayout xmlns:a="http://schemas.openxmlformats.org/drawingml/2006/main" xmlns:r="http://schemas.openxmlformats.org/officeDocument/2006/relationships" xmlns:p="http://schemas.openxmlformats.org/presentationml/2006/main" type="vertTitleAndTx" preserve="1">
-  <p:cSld name="竖排标题和文本">
-    <p:spTree>
-      <p:nvGrpSpPr>
-        <p:cNvPr id="1" name=""/>
-        <p:cNvGrpSpPr/>
-        <p:nvPr/>
-      </p:nvGrpSpPr>
-      <p:grpSpPr>
-        <a:xfrm>
-          <a:off x="0" y="0"/>
-          <a:ext cx="0" cy="0"/>
-          <a:chOff x="0" y="0"/>
-          <a:chExt cx="0" cy="0"/>
-        </a:xfrm>
-      </p:grpSpPr>
-      <p:sp>
-        <p:nvSpPr>
-          <p:cNvPr id="2" name="竖排标题 1"/>
-          <p:cNvSpPr>
-            <a:spLocks noGrp="1"/>
-          </p:cNvSpPr>
-          <p:nvPr>
-            <p:ph type="title" orient="vert"/>
-          </p:nvPr>
-        </p:nvSpPr>
-        <p:spPr>
-          <a:xfrm>
-            <a:off x="4908550" y="527050"/>
-            <a:ext cx="1477963" cy="8394700"/>
-          </a:xfrm>
-          <a:prstGeom prst="rect">
-            <a:avLst/>
-          </a:prstGeom>
-        </p:spPr>
-        <p:txBody>
-          <a:bodyPr vert="eaVert"/>
-          <a:lstStyle/>
-          <a:p>
-            <a:r>
-              <a:rPr kumimoji="1" lang="zh-CN" altLang="en-US"/>
-              <a:t>单击此处编辑母版标题样式</a:t>
-            </a:r>
-          </a:p>
-        </p:txBody>
-      </p:sp>
-      <p:sp>
-        <p:nvSpPr>
-          <p:cNvPr id="3" name="竖排文本占位符 2"/>
-          <p:cNvSpPr>
-            <a:spLocks noGrp="1"/>
-          </p:cNvSpPr>
-          <p:nvPr>
-            <p:ph type="body" orient="vert" idx="1"/>
-          </p:nvPr>
-        </p:nvSpPr>
-        <p:spPr>
-          <a:xfrm>
-            <a:off x="471488" y="527050"/>
-            <a:ext cx="4284662" cy="8394700"/>
-          </a:xfrm>
-          <a:prstGeom prst="rect">
-            <a:avLst/>
-          </a:prstGeom>
-        </p:spPr>
-        <p:txBody>
-          <a:bodyPr vert="eaVert"/>
-          <a:lstStyle/>
-          <a:p>
-            <a:pPr lvl="0"/>
-            <a:r>
-              <a:rPr kumimoji="1" lang="zh-CN" altLang="en-US"/>
-              <a:t>单击此处编辑母版文本样式</a:t>
-            </a:r>
-          </a:p>
-          <a:p>
-            <a:pPr lvl="1"/>
-            <a:r>
-              <a:rPr kumimoji="1" lang="zh-CN" altLang="en-US"/>
-              <a:t>二级</a:t>
-            </a:r>
-          </a:p>
-          <a:p>
-            <a:pPr lvl="2"/>
-            <a:r>
-              <a:rPr kumimoji="1" lang="zh-CN" altLang="en-US"/>
-              <a:t>三级</a:t>
-            </a:r>
-          </a:p>
-          <a:p>
-            <a:pPr lvl="3"/>
-            <a:r>
-              <a:rPr kumimoji="1" lang="zh-CN" altLang="en-US"/>
-              <a:t>四级</a:t>
-            </a:r>
-          </a:p>
-          <a:p>
-            <a:pPr lvl="4"/>
-            <a:r>
-              <a:rPr kumimoji="1" lang="zh-CN" altLang="en-US"/>
-              <a:t>五级</a:t>
-            </a:r>
-          </a:p>
-        </p:txBody>
-      </p:sp>
-      <p:sp>
-        <p:nvSpPr>
-          <p:cNvPr id="4" name="日期占位符 3"/>
-          <p:cNvSpPr>
-            <a:spLocks noGrp="1"/>
-          </p:cNvSpPr>
-          <p:nvPr>
-            <p:ph type="dt" sz="half" idx="10"/>
-          </p:nvPr>
-        </p:nvSpPr>
-        <p:spPr>
-          <a:xfrm>
-            <a:off x="471488" y="9182100"/>
-            <a:ext cx="1543050" cy="527050"/>
-          </a:xfrm>
-          <a:prstGeom prst="rect">
-            <a:avLst/>
-          </a:prstGeom>
-        </p:spPr>
-        <p:txBody>
-          <a:bodyPr/>
-          <a:lstStyle/>
-          <a:p>
-            <a:fld id="{CAF26E60-0005-794A-A2AC-CFCEB36E1E25}" type="datetimeFigureOut">
-              <a:rPr kumimoji="1" lang="zh-CN" altLang="en-US" smtClean="0"/>
-              <a:t>2025/12/1</a:t>
-            </a:fld>
-            <a:endParaRPr kumimoji="1" lang="zh-CN" altLang="en-US"/>
-          </a:p>
-        </p:txBody>
-      </p:sp>
-      <p:sp>
-        <p:nvSpPr>
-          <p:cNvPr id="5" name="页脚占位符 4"/>
-          <p:cNvSpPr>
-            <a:spLocks noGrp="1"/>
-          </p:cNvSpPr>
-          <p:nvPr>
-            <p:ph type="ftr" sz="quarter" idx="11"/>
-          </p:nvPr>
-        </p:nvSpPr>
-        <p:spPr>
-          <a:xfrm>
-            <a:off x="2271713" y="9182100"/>
-            <a:ext cx="2314575" cy="527050"/>
-          </a:xfrm>
-          <a:prstGeom prst="rect">
-            <a:avLst/>
-          </a:prstGeom>
-        </p:spPr>
-        <p:txBody>
-          <a:bodyPr/>
-          <a:lstStyle/>
-          <a:p>
-            <a:endParaRPr kumimoji="1" lang="zh-CN" altLang="en-US"/>
-          </a:p>
-        </p:txBody>
-      </p:sp>
-      <p:sp>
-        <p:nvSpPr>
-          <p:cNvPr id="6" name="幻灯片编号占位符 5"/>
-          <p:cNvSpPr>
-            <a:spLocks noGrp="1"/>
-          </p:cNvSpPr>
-          <p:nvPr>
-            <p:ph type="sldNum" sz="quarter" idx="12"/>
-          </p:nvPr>
-        </p:nvSpPr>
-        <p:spPr>
-          <a:xfrm>
-            <a:off x="4843463" y="9182100"/>
-            <a:ext cx="1543050" cy="527050"/>
-          </a:xfrm>
-          <a:prstGeom prst="rect">
-            <a:avLst/>
-          </a:prstGeom>
-        </p:spPr>
-        <p:txBody>
-          <a:bodyPr/>
-          <a:lstStyle/>
-          <a:p>
-            <a:fld id="{41BC3309-D252-D54C-A325-6BD28843C812}" type="slidenum">
-              <a:rPr kumimoji="1" lang="zh-CN" altLang="en-US" smtClean="0"/>
-              <a:t>‹#›</a:t>
-            </a:fld>
-            <a:endParaRPr kumimoji="1" lang="zh-CN" altLang="en-US"/>
-          </a:p>
-        </p:txBody>
-      </p:sp>
-    </p:spTree>
-  </p:cSld>
-  <p:clrMapOvr>
-    <a:masterClrMapping/>
-  </p:clrMapOvr>
-</p:sldLayout>
-</file>
-
 <file path=ppt/slideLayouts/slideLayout2.xml><?xml version="1.0" encoding="utf-8"?>
-<p:sldLayout xmlns:a="http://schemas.openxmlformats.org/drawingml/2006/main" xmlns:r="http://schemas.openxmlformats.org/officeDocument/2006/relationships" xmlns:p="http://schemas.openxmlformats.org/presentationml/2006/main" preserve="1" userDrawn="1">
-  <p:cSld name="3_封面">
-    <p:spTree>
-      <p:nvGrpSpPr>
-        <p:cNvPr id="1" name=""/>
-        <p:cNvGrpSpPr/>
-        <p:nvPr/>
-      </p:nvGrpSpPr>
-      <p:grpSpPr>
-        <a:xfrm>
-          <a:off x="0" y="0"/>
-          <a:ext cx="0" cy="0"/>
-          <a:chOff x="0" y="0"/>
-          <a:chExt cx="0" cy="0"/>
-        </a:xfrm>
-      </p:grpSpPr>
-      <p:sp>
-        <p:nvSpPr>
-          <p:cNvPr id="25" name="矩形 24"/>
-          <p:cNvSpPr/>
-          <p:nvPr userDrawn="1"/>
-        </p:nvSpPr>
-        <p:spPr>
-          <a:xfrm>
-            <a:off x="0" y="0"/>
-            <a:ext cx="6858000" cy="9906000"/>
-          </a:xfrm>
-          <a:prstGeom prst="rect">
-            <a:avLst/>
-          </a:prstGeom>
-          <a:solidFill>
-            <a:srgbClr val="FFC101"/>
-          </a:solidFill>
-          <a:ln>
-            <a:noFill/>
-          </a:ln>
-        </p:spPr>
-        <p:style>
-          <a:lnRef idx="2">
-            <a:schemeClr val="accent1">
-              <a:shade val="50000"/>
-            </a:schemeClr>
-          </a:lnRef>
-          <a:fillRef idx="1">
-            <a:schemeClr val="accent1"/>
-          </a:fillRef>
-          <a:effectRef idx="0">
-            <a:schemeClr val="accent1"/>
-          </a:effectRef>
-          <a:fontRef idx="minor">
-            <a:schemeClr val="lt1"/>
-          </a:fontRef>
-        </p:style>
-        <p:txBody>
-          <a:bodyPr rtlCol="0" anchor="ctr"/>
-          <a:lstStyle/>
-          <a:p>
-            <a:pPr algn="ctr"/>
-            <a:endParaRPr kumimoji="1" lang="zh-CN" altLang="en-US" sz="5400" b="0" i="0" dirty="0">
-              <a:latin typeface="微软雅黑" panose="020B0503020204020204" pitchFamily="34" charset="-122"/>
-              <a:ea typeface="微软雅黑" panose="020B0503020204020204" pitchFamily="34" charset="-122"/>
-            </a:endParaRPr>
-          </a:p>
-        </p:txBody>
-      </p:sp>
-      <p:sp>
-        <p:nvSpPr>
-          <p:cNvPr id="3" name="圆角矩形 2"/>
-          <p:cNvSpPr/>
-          <p:nvPr userDrawn="1"/>
-        </p:nvSpPr>
-        <p:spPr>
-          <a:xfrm>
-            <a:off x="1162756" y="5850466"/>
-            <a:ext cx="4526844" cy="2619022"/>
-          </a:xfrm>
-          <a:prstGeom prst="roundRect">
-            <a:avLst/>
-          </a:prstGeom>
-          <a:solidFill>
-            <a:schemeClr val="bg1"/>
-          </a:solidFill>
-          <a:ln>
-            <a:noFill/>
-          </a:ln>
-        </p:spPr>
-        <p:style>
-          <a:lnRef idx="2">
-            <a:schemeClr val="accent1">
-              <a:shade val="50000"/>
-            </a:schemeClr>
-          </a:lnRef>
-          <a:fillRef idx="1">
-            <a:schemeClr val="accent1"/>
-          </a:fillRef>
-          <a:effectRef idx="0">
-            <a:schemeClr val="accent1"/>
-          </a:effectRef>
-          <a:fontRef idx="minor">
-            <a:schemeClr val="lt1"/>
-          </a:fontRef>
-        </p:style>
-        <p:txBody>
-          <a:bodyPr rtlCol="0" anchor="ctr"/>
-          <a:lstStyle/>
-          <a:p>
-            <a:pPr algn="ctr"/>
-            <a:endParaRPr kumimoji="1" lang="zh-CN" altLang="en-US"/>
-          </a:p>
-        </p:txBody>
-      </p:sp>
-      <p:sp>
-        <p:nvSpPr>
-          <p:cNvPr id="2" name="文本框 1"/>
-          <p:cNvSpPr txBox="1"/>
-          <p:nvPr userDrawn="1"/>
-        </p:nvSpPr>
-        <p:spPr>
-          <a:xfrm>
-            <a:off x="1733536" y="6379228"/>
-            <a:ext cx="877163" cy="369332"/>
-          </a:xfrm>
-          <a:prstGeom prst="rect">
-            <a:avLst/>
-          </a:prstGeom>
-          <a:noFill/>
-        </p:spPr>
-        <p:txBody>
-          <a:bodyPr wrap="none" rtlCol="0">
-            <a:spAutoFit/>
-          </a:bodyPr>
-          <a:lstStyle/>
-          <a:p>
-            <a:pPr algn="l"/>
-            <a:r>
-              <a:rPr lang="zh-CN" altLang="en-US" b="0" i="0" dirty="0">
-                <a:latin typeface="微软雅黑 Light" panose="020B0502040204020203" pitchFamily="34" charset="-122"/>
-                <a:ea typeface="微软雅黑 Light" panose="020B0502040204020203" pitchFamily="34" charset="-122"/>
-              </a:rPr>
-              <a:t>姓名：</a:t>
-            </a:r>
-          </a:p>
-        </p:txBody>
-      </p:sp>
-      <p:sp>
-        <p:nvSpPr>
-          <p:cNvPr id="14" name="文本框 13"/>
-          <p:cNvSpPr txBox="1"/>
-          <p:nvPr userDrawn="1"/>
-        </p:nvSpPr>
-        <p:spPr>
-          <a:xfrm>
-            <a:off x="1733536" y="6996890"/>
-            <a:ext cx="877163" cy="369332"/>
-          </a:xfrm>
-          <a:prstGeom prst="rect">
-            <a:avLst/>
-          </a:prstGeom>
-          <a:noFill/>
-        </p:spPr>
-        <p:txBody>
-          <a:bodyPr wrap="none" rtlCol="0">
-            <a:spAutoFit/>
-          </a:bodyPr>
-          <a:lstStyle/>
-          <a:p>
-            <a:pPr algn="l"/>
-            <a:r>
-              <a:rPr lang="zh-CN" altLang="en-US" b="0" i="0" dirty="0">
-                <a:latin typeface="微软雅黑 Light" panose="020B0502040204020203" pitchFamily="34" charset="-122"/>
-                <a:ea typeface="微软雅黑 Light" panose="020B0502040204020203" pitchFamily="34" charset="-122"/>
-              </a:rPr>
-              <a:t>性别：</a:t>
-            </a:r>
-          </a:p>
-        </p:txBody>
-      </p:sp>
-      <p:sp>
-        <p:nvSpPr>
-          <p:cNvPr id="16" name="文本框 15"/>
-          <p:cNvSpPr txBox="1"/>
-          <p:nvPr userDrawn="1"/>
-        </p:nvSpPr>
-        <p:spPr>
-          <a:xfrm>
-            <a:off x="1733536" y="7612133"/>
-            <a:ext cx="877163" cy="369332"/>
-          </a:xfrm>
-          <a:prstGeom prst="rect">
-            <a:avLst/>
-          </a:prstGeom>
-          <a:noFill/>
-        </p:spPr>
-        <p:txBody>
-          <a:bodyPr wrap="none" rtlCol="0">
-            <a:spAutoFit/>
-          </a:bodyPr>
-          <a:lstStyle/>
-          <a:p>
-            <a:pPr algn="l"/>
-            <a:r>
-              <a:rPr lang="zh-CN" altLang="en-US" b="0" i="0" dirty="0">
-                <a:latin typeface="微软雅黑 Light" panose="020B0502040204020203" pitchFamily="34" charset="-122"/>
-                <a:ea typeface="微软雅黑 Light" panose="020B0502040204020203" pitchFamily="34" charset="-122"/>
-              </a:rPr>
-              <a:t>年龄：</a:t>
-            </a:r>
-          </a:p>
-        </p:txBody>
-      </p:sp>
-      <p:cxnSp>
-        <p:nvCxnSpPr>
-          <p:cNvPr id="17" name="直接连接符 16"/>
-          <p:cNvCxnSpPr/>
-          <p:nvPr userDrawn="1"/>
-        </p:nvCxnSpPr>
-        <p:spPr>
-          <a:xfrm>
-            <a:off x="2635844" y="6748560"/>
-            <a:ext cx="2291756" cy="0"/>
-          </a:xfrm>
-          <a:prstGeom prst="line">
-            <a:avLst/>
-          </a:prstGeom>
-        </p:spPr>
-        <p:style>
-          <a:lnRef idx="1">
-            <a:schemeClr val="dk1"/>
-          </a:lnRef>
-          <a:fillRef idx="0">
-            <a:schemeClr val="dk1"/>
-          </a:fillRef>
-          <a:effectRef idx="0">
-            <a:schemeClr val="dk1"/>
-          </a:effectRef>
-          <a:fontRef idx="minor">
-            <a:schemeClr val="tx1"/>
-          </a:fontRef>
-        </p:style>
-      </p:cxnSp>
-      <p:cxnSp>
-        <p:nvCxnSpPr>
-          <p:cNvPr id="18" name="直接连接符 17"/>
-          <p:cNvCxnSpPr/>
-          <p:nvPr userDrawn="1"/>
-        </p:nvCxnSpPr>
-        <p:spPr>
-          <a:xfrm>
-            <a:off x="2635844" y="7366222"/>
-            <a:ext cx="2291756" cy="0"/>
-          </a:xfrm>
-          <a:prstGeom prst="line">
-            <a:avLst/>
-          </a:prstGeom>
-        </p:spPr>
-        <p:style>
-          <a:lnRef idx="1">
-            <a:schemeClr val="dk1"/>
-          </a:lnRef>
-          <a:fillRef idx="0">
-            <a:schemeClr val="dk1"/>
-          </a:fillRef>
-          <a:effectRef idx="0">
-            <a:schemeClr val="dk1"/>
-          </a:effectRef>
-          <a:fontRef idx="minor">
-            <a:schemeClr val="tx1"/>
-          </a:fontRef>
-        </p:style>
-      </p:cxnSp>
-      <p:cxnSp>
-        <p:nvCxnSpPr>
-          <p:cNvPr id="19" name="直接连接符 18"/>
-          <p:cNvCxnSpPr/>
-          <p:nvPr userDrawn="1"/>
-        </p:nvCxnSpPr>
-        <p:spPr>
-          <a:xfrm>
-            <a:off x="2635844" y="7981465"/>
-            <a:ext cx="2291756" cy="0"/>
-          </a:xfrm>
-          <a:prstGeom prst="line">
-            <a:avLst/>
-          </a:prstGeom>
-        </p:spPr>
-        <p:style>
-          <a:lnRef idx="1">
-            <a:schemeClr val="dk1"/>
-          </a:lnRef>
-          <a:fillRef idx="0">
-            <a:schemeClr val="dk1"/>
-          </a:fillRef>
-          <a:effectRef idx="0">
-            <a:schemeClr val="dk1"/>
-          </a:effectRef>
-          <a:fontRef idx="minor">
-            <a:schemeClr val="tx1"/>
-          </a:fontRef>
-        </p:style>
-      </p:cxnSp>
-      <p:sp>
-        <p:nvSpPr>
-          <p:cNvPr id="20" name="文本占位符 23"/>
-          <p:cNvSpPr>
-            <a:spLocks noGrp="1"/>
-          </p:cNvSpPr>
-          <p:nvPr>
-            <p:ph type="body" sz="quarter" idx="13" hasCustomPrompt="1"/>
-          </p:nvPr>
-        </p:nvSpPr>
-        <p:spPr>
-          <a:xfrm>
-            <a:off x="2635844" y="6319934"/>
-            <a:ext cx="2291756" cy="488471"/>
-          </a:xfrm>
-          <a:prstGeom prst="rect">
-            <a:avLst/>
-          </a:prstGeom>
-        </p:spPr>
-        <p:txBody>
-          <a:bodyPr anchor="ctr"/>
-          <a:lstStyle>
-            <a:lvl1pPr marL="0" indent="0" algn="ctr">
-              <a:buNone/>
-              <a:defRPr sz="1800" b="0" i="0">
-                <a:latin typeface="微软雅黑 Light" panose="020B0502040204020203" pitchFamily="34" charset="-122"/>
-                <a:ea typeface="微软雅黑 Light" panose="020B0502040204020203" pitchFamily="34" charset="-122"/>
-              </a:defRPr>
-            </a:lvl1pPr>
-          </a:lstStyle>
-          <a:p>
-            <a:pPr lvl="0"/>
-            <a:r>
-              <a:rPr lang="zh-CN" altLang="en-US" dirty="0"/>
-              <a:t>请输入</a:t>
-            </a:r>
-          </a:p>
-        </p:txBody>
-      </p:sp>
-      <p:sp>
-        <p:nvSpPr>
-          <p:cNvPr id="21" name="文本占位符 23"/>
-          <p:cNvSpPr>
-            <a:spLocks noGrp="1"/>
-          </p:cNvSpPr>
-          <p:nvPr>
-            <p:ph type="body" sz="quarter" idx="14" hasCustomPrompt="1"/>
-          </p:nvPr>
-        </p:nvSpPr>
-        <p:spPr>
-          <a:xfrm>
-            <a:off x="2635844" y="6925221"/>
-            <a:ext cx="2291756" cy="488471"/>
-          </a:xfrm>
-          <a:prstGeom prst="rect">
-            <a:avLst/>
-          </a:prstGeom>
-        </p:spPr>
-        <p:txBody>
-          <a:bodyPr anchor="ctr"/>
-          <a:lstStyle>
-            <a:lvl1pPr marL="0" indent="0" algn="ctr">
-              <a:buNone/>
-              <a:defRPr sz="1800" b="0" i="0">
-                <a:latin typeface="微软雅黑 Light" panose="020B0502040204020203" pitchFamily="34" charset="-122"/>
-                <a:ea typeface="微软雅黑 Light" panose="020B0502040204020203" pitchFamily="34" charset="-122"/>
-              </a:defRPr>
-            </a:lvl1pPr>
-          </a:lstStyle>
-          <a:p>
-            <a:pPr lvl="0"/>
-            <a:r>
-              <a:rPr lang="zh-CN" altLang="en-US" dirty="0"/>
-              <a:t>请输入</a:t>
-            </a:r>
-          </a:p>
-        </p:txBody>
-      </p:sp>
-      <p:sp>
-        <p:nvSpPr>
-          <p:cNvPr id="22" name="文本占位符 23"/>
-          <p:cNvSpPr>
-            <a:spLocks noGrp="1"/>
-          </p:cNvSpPr>
-          <p:nvPr>
-            <p:ph type="body" sz="quarter" idx="15" hasCustomPrompt="1"/>
-          </p:nvPr>
-        </p:nvSpPr>
-        <p:spPr>
-          <a:xfrm>
-            <a:off x="2635844" y="7554319"/>
-            <a:ext cx="2291756" cy="488471"/>
-          </a:xfrm>
-          <a:prstGeom prst="rect">
-            <a:avLst/>
-          </a:prstGeom>
-        </p:spPr>
-        <p:txBody>
-          <a:bodyPr anchor="ctr"/>
-          <a:lstStyle>
-            <a:lvl1pPr marL="0" indent="0" algn="ctr">
-              <a:buNone/>
-              <a:defRPr sz="1800" b="0" i="0">
-                <a:latin typeface="微软雅黑 Light" panose="020B0502040204020203" pitchFamily="34" charset="-122"/>
-                <a:ea typeface="微软雅黑 Light" panose="020B0502040204020203" pitchFamily="34" charset="-122"/>
-              </a:defRPr>
-            </a:lvl1pPr>
-          </a:lstStyle>
-          <a:p>
-            <a:pPr lvl="0"/>
-            <a:r>
-              <a:rPr lang="zh-CN" altLang="en-US" dirty="0"/>
-              <a:t>请输入</a:t>
-            </a:r>
-          </a:p>
-        </p:txBody>
-      </p:sp>
-      <p:pic>
-        <p:nvPicPr>
-          <p:cNvPr id="4" name="图片 3"/>
-          <p:cNvPicPr>
-            <a:picLocks noChangeAspect="1"/>
-          </p:cNvPicPr>
-          <p:nvPr userDrawn="1"/>
-        </p:nvPicPr>
-        <p:blipFill>
-          <a:blip r:embed="rId2"/>
-          <a:stretch>
-            <a:fillRect/>
-          </a:stretch>
-        </p:blipFill>
-        <p:spPr>
-          <a:xfrm>
-            <a:off x="897100" y="771883"/>
-            <a:ext cx="1885950" cy="540173"/>
-          </a:xfrm>
-          <a:prstGeom prst="rect">
-            <a:avLst/>
-          </a:prstGeom>
-        </p:spPr>
-      </p:pic>
-      <p:pic>
-        <p:nvPicPr>
-          <p:cNvPr id="23" name="图形 22"/>
-          <p:cNvPicPr>
-            <a:picLocks noChangeAspect="1"/>
-          </p:cNvPicPr>
-          <p:nvPr userDrawn="1"/>
-        </p:nvPicPr>
-        <p:blipFill>
-          <a:blip r:embed="rId3" cstate="print">
-            <a:extLst>
-              <a:ext uri="{28A0092B-C50C-407E-A947-70E740481C1C}">
-                <a14:useLocalDpi xmlns:a14="http://schemas.microsoft.com/office/drawing/2010/main" val="0"/>
-              </a:ext>
-            </a:extLst>
-          </a:blip>
-          <a:stretch>
-            <a:fillRect/>
-          </a:stretch>
-        </p:blipFill>
-        <p:spPr>
-          <a:xfrm>
-            <a:off x="1840075" y="3711153"/>
-            <a:ext cx="3087525" cy="385941"/>
-          </a:xfrm>
-          <a:prstGeom prst="rect">
-            <a:avLst/>
-          </a:prstGeom>
-        </p:spPr>
-      </p:pic>
-      <p:sp>
-        <p:nvSpPr>
-          <p:cNvPr id="5" name="文本框 4"/>
-          <p:cNvSpPr txBox="1"/>
-          <p:nvPr userDrawn="1"/>
-        </p:nvSpPr>
-        <p:spPr>
-          <a:xfrm>
-            <a:off x="1641073" y="2338776"/>
-            <a:ext cx="3570208" cy="1107996"/>
-          </a:xfrm>
-          <a:prstGeom prst="rect">
-            <a:avLst/>
-          </a:prstGeom>
-          <a:noFill/>
-        </p:spPr>
-        <p:txBody>
-          <a:bodyPr wrap="none" rtlCol="0">
-            <a:spAutoFit/>
-          </a:bodyPr>
-          <a:lstStyle/>
-          <a:p>
-            <a:pPr algn="ctr"/>
-            <a:r>
-              <a:rPr kumimoji="1" lang="zh-CN" altLang="en-US" sz="6600" b="0" i="0" dirty="0">
-                <a:solidFill>
-                  <a:schemeClr val="bg1"/>
-                </a:solidFill>
-                <a:latin typeface="微软雅黑" panose="020B0503020204020204" pitchFamily="34" charset="-122"/>
-                <a:ea typeface="微软雅黑" panose="020B0503020204020204" pitchFamily="34" charset="-122"/>
-              </a:rPr>
-              <a:t>体检报告</a:t>
-            </a:r>
-          </a:p>
-        </p:txBody>
-      </p:sp>
-      <p:cxnSp>
-        <p:nvCxnSpPr>
-          <p:cNvPr id="8" name="直线连接符 7"/>
-          <p:cNvCxnSpPr/>
-          <p:nvPr userDrawn="1"/>
-        </p:nvCxnSpPr>
-        <p:spPr>
-          <a:xfrm>
-            <a:off x="1733536" y="3505481"/>
-            <a:ext cx="3332240" cy="0"/>
-          </a:xfrm>
-          <a:prstGeom prst="line">
-            <a:avLst/>
-          </a:prstGeom>
-          <a:ln w="28575">
-            <a:solidFill>
-              <a:schemeClr val="bg1"/>
-            </a:solidFill>
-          </a:ln>
-        </p:spPr>
-        <p:style>
-          <a:lnRef idx="1">
-            <a:schemeClr val="accent1"/>
-          </a:lnRef>
-          <a:fillRef idx="0">
-            <a:schemeClr val="accent1"/>
-          </a:fillRef>
-          <a:effectRef idx="0">
-            <a:schemeClr val="accent1"/>
-          </a:effectRef>
-          <a:fontRef idx="minor">
-            <a:schemeClr val="tx1"/>
-          </a:fontRef>
-        </p:style>
-      </p:cxnSp>
-    </p:spTree>
-  </p:cSld>
-  <p:clrMapOvr>
-    <a:masterClrMapping/>
-  </p:clrMapOvr>
-</p:sldLayout>
-</file>
-
-<file path=ppt/slideLayouts/slideLayout3.xml><?xml version="1.0" encoding="utf-8"?>
 <p:sldLayout xmlns:a="http://schemas.openxmlformats.org/drawingml/2006/main" xmlns:r="http://schemas.openxmlformats.org/officeDocument/2006/relationships" xmlns:p="http://schemas.openxmlformats.org/presentationml/2006/main" userDrawn="1">
   <p:cSld name="1_心电图">
     <p:spTree>
@@ -4324,7 +1595,7 @@
 </p:sldLayout>
 </file>
 
-<file path=ppt/slideLayouts/slideLayout4.xml><?xml version="1.0" encoding="utf-8"?>
+<file path=ppt/slideLayouts/slideLayout3.xml><?xml version="1.0" encoding="utf-8"?>
 <p:sldLayout xmlns:a="http://schemas.openxmlformats.org/drawingml/2006/main" xmlns:r="http://schemas.openxmlformats.org/officeDocument/2006/relationships" xmlns:p="http://schemas.openxmlformats.org/presentationml/2006/main" preserve="1" userDrawn="1">
   <p:cSld name="2_心电图">
     <p:spTree>
@@ -4834,7 +2105,7 @@
 </p:sldLayout>
 </file>
 
-<file path=ppt/slideLayouts/slideLayout5.xml><?xml version="1.0" encoding="utf-8"?>
+<file path=ppt/slideLayouts/slideLayout4.xml><?xml version="1.0" encoding="utf-8"?>
 <p:sldLayout xmlns:a="http://schemas.openxmlformats.org/drawingml/2006/main" xmlns:r="http://schemas.openxmlformats.org/officeDocument/2006/relationships" xmlns:p="http://schemas.openxmlformats.org/presentationml/2006/main" userDrawn="1">
   <p:cSld name="实验室检查">
     <p:spTree>
@@ -5303,41 +2574,8 @@
         </p:nvSpPr>
         <p:spPr>
           <a:xfrm>
-            <a:off x="716692" y="5525423"/>
-            <a:ext cx="5729416" cy="3686823"/>
-          </a:xfrm>
-          <a:prstGeom prst="rect">
-            <a:avLst/>
-          </a:prstGeom>
-        </p:spPr>
-        <p:txBody>
-          <a:bodyPr/>
-          <a:lstStyle>
-            <a:lvl1pPr marL="0" indent="0">
-              <a:buNone/>
-              <a:defRPr/>
-            </a:lvl1pPr>
-          </a:lstStyle>
-          <a:p>
-            <a:pPr lvl="0"/>
-            <a:endParaRPr lang="zh-CN" altLang="en-US" noProof="1"/>
-          </a:p>
-        </p:txBody>
-      </p:sp>
-      <p:sp>
-        <p:nvSpPr>
-          <p:cNvPr id="2" name="图片占位符 9"/>
-          <p:cNvSpPr>
-            <a:spLocks noGrp="1"/>
-          </p:cNvSpPr>
-          <p:nvPr>
-            <p:ph type="pic" sz="quarter" idx="11"/>
-          </p:nvPr>
-        </p:nvSpPr>
-        <p:spPr>
-          <a:xfrm>
-            <a:off x="716692" y="1296818"/>
-            <a:ext cx="5729416" cy="3808582"/>
+            <a:off x="512153" y="976313"/>
+            <a:ext cx="5729416" cy="8235934"/>
           </a:xfrm>
           <a:prstGeom prst="rect">
             <a:avLst/>
@@ -5370,7 +2608,7 @@
 </p:sldLayout>
 </file>
 
-<file path=ppt/slideLayouts/slideLayout6.xml><?xml version="1.0" encoding="utf-8"?>
+<file path=ppt/slideLayouts/slideLayout5.xml><?xml version="1.0" encoding="utf-8"?>
 <p:sldLayout xmlns:a="http://schemas.openxmlformats.org/drawingml/2006/main" xmlns:r="http://schemas.openxmlformats.org/officeDocument/2006/relationships" xmlns:p="http://schemas.openxmlformats.org/presentationml/2006/main" userDrawn="1">
   <p:cSld name="医生建议与指导">
     <p:spTree>
@@ -5830,7 +3068,7 @@
 </p:sldLayout>
 </file>
 
-<file path=ppt/slideLayouts/slideLayout7.xml><?xml version="1.0" encoding="utf-8"?>
+<file path=ppt/slideLayouts/slideLayout6.xml><?xml version="1.0" encoding="utf-8"?>
 <p:sldLayout xmlns:a="http://schemas.openxmlformats.org/drawingml/2006/main" xmlns:r="http://schemas.openxmlformats.org/officeDocument/2006/relationships" xmlns:p="http://schemas.openxmlformats.org/presentationml/2006/main" userDrawn="1">
   <p:cSld name="1_医生建议与指导">
     <p:spTree>
@@ -6198,424 +3436,6 @@
         <p14:creationId xmlns:p14="http://schemas.microsoft.com/office/powerpoint/2010/main" val="1787679131"/>
       </p:ext>
     </p:extLst>
-  </p:cSld>
-  <p:clrMapOvr>
-    <a:masterClrMapping/>
-  </p:clrMapOvr>
-</p:sldLayout>
-</file>
-
-<file path=ppt/slideLayouts/slideLayout8.xml><?xml version="1.0" encoding="utf-8"?>
-<p:sldLayout xmlns:a="http://schemas.openxmlformats.org/drawingml/2006/main" xmlns:r="http://schemas.openxmlformats.org/officeDocument/2006/relationships" xmlns:p="http://schemas.openxmlformats.org/presentationml/2006/main" type="title" preserve="1">
-  <p:cSld name="标题幻灯片">
-    <p:spTree>
-      <p:nvGrpSpPr>
-        <p:cNvPr id="1" name=""/>
-        <p:cNvGrpSpPr/>
-        <p:nvPr/>
-      </p:nvGrpSpPr>
-      <p:grpSpPr>
-        <a:xfrm>
-          <a:off x="0" y="0"/>
-          <a:ext cx="0" cy="0"/>
-          <a:chOff x="0" y="0"/>
-          <a:chExt cx="0" cy="0"/>
-        </a:xfrm>
-      </p:grpSpPr>
-      <p:sp>
-        <p:nvSpPr>
-          <p:cNvPr id="2" name="标题 1"/>
-          <p:cNvSpPr>
-            <a:spLocks noGrp="1"/>
-          </p:cNvSpPr>
-          <p:nvPr>
-            <p:ph type="ctrTitle"/>
-          </p:nvPr>
-        </p:nvSpPr>
-        <p:spPr>
-          <a:xfrm>
-            <a:off x="857250" y="1620838"/>
-            <a:ext cx="5143500" cy="3449637"/>
-          </a:xfrm>
-          <a:prstGeom prst="rect">
-            <a:avLst/>
-          </a:prstGeom>
-        </p:spPr>
-        <p:txBody>
-          <a:bodyPr anchor="b"/>
-          <a:lstStyle>
-            <a:lvl1pPr algn="ctr">
-              <a:defRPr sz="6000"/>
-            </a:lvl1pPr>
-          </a:lstStyle>
-          <a:p>
-            <a:r>
-              <a:rPr kumimoji="1" lang="zh-CN" altLang="en-US"/>
-              <a:t>单击此处编辑母版标题样式</a:t>
-            </a:r>
-          </a:p>
-        </p:txBody>
-      </p:sp>
-      <p:sp>
-        <p:nvSpPr>
-          <p:cNvPr id="3" name="副标题 2"/>
-          <p:cNvSpPr>
-            <a:spLocks noGrp="1"/>
-          </p:cNvSpPr>
-          <p:nvPr>
-            <p:ph type="subTitle" idx="1"/>
-          </p:nvPr>
-        </p:nvSpPr>
-        <p:spPr>
-          <a:xfrm>
-            <a:off x="857250" y="5202238"/>
-            <a:ext cx="5143500" cy="2392362"/>
-          </a:xfrm>
-          <a:prstGeom prst="rect">
-            <a:avLst/>
-          </a:prstGeom>
-        </p:spPr>
-        <p:txBody>
-          <a:bodyPr/>
-          <a:lstStyle>
-            <a:lvl1pPr marL="0" indent="0" algn="ctr">
-              <a:buNone/>
-              <a:defRPr sz="2400"/>
-            </a:lvl1pPr>
-            <a:lvl2pPr marL="457200" indent="0" algn="ctr">
-              <a:buNone/>
-              <a:defRPr sz="2000"/>
-            </a:lvl2pPr>
-            <a:lvl3pPr marL="914400" indent="0" algn="ctr">
-              <a:buNone/>
-              <a:defRPr sz="1800"/>
-            </a:lvl3pPr>
-            <a:lvl4pPr marL="1371600" indent="0" algn="ctr">
-              <a:buNone/>
-              <a:defRPr sz="1600"/>
-            </a:lvl4pPr>
-            <a:lvl5pPr marL="1828800" indent="0" algn="ctr">
-              <a:buNone/>
-              <a:defRPr sz="1600"/>
-            </a:lvl5pPr>
-            <a:lvl6pPr marL="2286000" indent="0" algn="ctr">
-              <a:buNone/>
-              <a:defRPr sz="1600"/>
-            </a:lvl6pPr>
-            <a:lvl7pPr marL="2743200" indent="0" algn="ctr">
-              <a:buNone/>
-              <a:defRPr sz="1600"/>
-            </a:lvl7pPr>
-            <a:lvl8pPr marL="3200400" indent="0" algn="ctr">
-              <a:buNone/>
-              <a:defRPr sz="1600"/>
-            </a:lvl8pPr>
-            <a:lvl9pPr marL="3657600" indent="0" algn="ctr">
-              <a:buNone/>
-              <a:defRPr sz="1600"/>
-            </a:lvl9pPr>
-          </a:lstStyle>
-          <a:p>
-            <a:r>
-              <a:rPr kumimoji="1" lang="zh-CN" altLang="en-US"/>
-              <a:t>单击此处编辑母版副标题样式</a:t>
-            </a:r>
-          </a:p>
-        </p:txBody>
-      </p:sp>
-      <p:sp>
-        <p:nvSpPr>
-          <p:cNvPr id="4" name="日期占位符 3"/>
-          <p:cNvSpPr>
-            <a:spLocks noGrp="1"/>
-          </p:cNvSpPr>
-          <p:nvPr>
-            <p:ph type="dt" sz="half" idx="10"/>
-          </p:nvPr>
-        </p:nvSpPr>
-        <p:spPr>
-          <a:xfrm>
-            <a:off x="471488" y="9182100"/>
-            <a:ext cx="1543050" cy="527050"/>
-          </a:xfrm>
-          <a:prstGeom prst="rect">
-            <a:avLst/>
-          </a:prstGeom>
-        </p:spPr>
-        <p:txBody>
-          <a:bodyPr/>
-          <a:lstStyle/>
-          <a:p>
-            <a:fld id="{CAF26E60-0005-794A-A2AC-CFCEB36E1E25}" type="datetimeFigureOut">
-              <a:rPr kumimoji="1" lang="zh-CN" altLang="en-US" smtClean="0"/>
-              <a:t>2025/12/1</a:t>
-            </a:fld>
-            <a:endParaRPr kumimoji="1" lang="zh-CN" altLang="en-US"/>
-          </a:p>
-        </p:txBody>
-      </p:sp>
-      <p:sp>
-        <p:nvSpPr>
-          <p:cNvPr id="5" name="页脚占位符 4"/>
-          <p:cNvSpPr>
-            <a:spLocks noGrp="1"/>
-          </p:cNvSpPr>
-          <p:nvPr>
-            <p:ph type="ftr" sz="quarter" idx="11"/>
-          </p:nvPr>
-        </p:nvSpPr>
-        <p:spPr>
-          <a:xfrm>
-            <a:off x="2271713" y="9182100"/>
-            <a:ext cx="2314575" cy="527050"/>
-          </a:xfrm>
-          <a:prstGeom prst="rect">
-            <a:avLst/>
-          </a:prstGeom>
-        </p:spPr>
-        <p:txBody>
-          <a:bodyPr/>
-          <a:lstStyle/>
-          <a:p>
-            <a:endParaRPr kumimoji="1" lang="zh-CN" altLang="en-US"/>
-          </a:p>
-        </p:txBody>
-      </p:sp>
-      <p:sp>
-        <p:nvSpPr>
-          <p:cNvPr id="6" name="幻灯片编号占位符 5"/>
-          <p:cNvSpPr>
-            <a:spLocks noGrp="1"/>
-          </p:cNvSpPr>
-          <p:nvPr>
-            <p:ph type="sldNum" sz="quarter" idx="12"/>
-          </p:nvPr>
-        </p:nvSpPr>
-        <p:spPr>
-          <a:xfrm>
-            <a:off x="4843463" y="9182100"/>
-            <a:ext cx="1543050" cy="527050"/>
-          </a:xfrm>
-          <a:prstGeom prst="rect">
-            <a:avLst/>
-          </a:prstGeom>
-        </p:spPr>
-        <p:txBody>
-          <a:bodyPr/>
-          <a:lstStyle/>
-          <a:p>
-            <a:fld id="{41BC3309-D252-D54C-A325-6BD28843C812}" type="slidenum">
-              <a:rPr kumimoji="1" lang="zh-CN" altLang="en-US" smtClean="0"/>
-              <a:t>‹#›</a:t>
-            </a:fld>
-            <a:endParaRPr kumimoji="1" lang="zh-CN" altLang="en-US"/>
-          </a:p>
-        </p:txBody>
-      </p:sp>
-    </p:spTree>
-  </p:cSld>
-  <p:clrMapOvr>
-    <a:masterClrMapping/>
-  </p:clrMapOvr>
-</p:sldLayout>
-</file>
-
-<file path=ppt/slideLayouts/slideLayout9.xml><?xml version="1.0" encoding="utf-8"?>
-<p:sldLayout xmlns:a="http://schemas.openxmlformats.org/drawingml/2006/main" xmlns:r="http://schemas.openxmlformats.org/officeDocument/2006/relationships" xmlns:p="http://schemas.openxmlformats.org/presentationml/2006/main" type="obj" preserve="1">
-  <p:cSld name="标题和内容">
-    <p:spTree>
-      <p:nvGrpSpPr>
-        <p:cNvPr id="1" name=""/>
-        <p:cNvGrpSpPr/>
-        <p:nvPr/>
-      </p:nvGrpSpPr>
-      <p:grpSpPr>
-        <a:xfrm>
-          <a:off x="0" y="0"/>
-          <a:ext cx="0" cy="0"/>
-          <a:chOff x="0" y="0"/>
-          <a:chExt cx="0" cy="0"/>
-        </a:xfrm>
-      </p:grpSpPr>
-      <p:sp>
-        <p:nvSpPr>
-          <p:cNvPr id="2" name="标题 1"/>
-          <p:cNvSpPr>
-            <a:spLocks noGrp="1"/>
-          </p:cNvSpPr>
-          <p:nvPr>
-            <p:ph type="title"/>
-          </p:nvPr>
-        </p:nvSpPr>
-        <p:spPr>
-          <a:xfrm>
-            <a:off x="471488" y="527050"/>
-            <a:ext cx="5915025" cy="1914525"/>
-          </a:xfrm>
-          <a:prstGeom prst="rect">
-            <a:avLst/>
-          </a:prstGeom>
-        </p:spPr>
-        <p:txBody>
-          <a:bodyPr/>
-          <a:lstStyle/>
-          <a:p>
-            <a:r>
-              <a:rPr kumimoji="1" lang="zh-CN" altLang="en-US"/>
-              <a:t>单击此处编辑母版标题样式</a:t>
-            </a:r>
-          </a:p>
-        </p:txBody>
-      </p:sp>
-      <p:sp>
-        <p:nvSpPr>
-          <p:cNvPr id="3" name="内容占位符 2"/>
-          <p:cNvSpPr>
-            <a:spLocks noGrp="1"/>
-          </p:cNvSpPr>
-          <p:nvPr>
-            <p:ph idx="1"/>
-          </p:nvPr>
-        </p:nvSpPr>
-        <p:spPr>
-          <a:xfrm>
-            <a:off x="471488" y="2636838"/>
-            <a:ext cx="5915025" cy="6284912"/>
-          </a:xfrm>
-          <a:prstGeom prst="rect">
-            <a:avLst/>
-          </a:prstGeom>
-        </p:spPr>
-        <p:txBody>
-          <a:bodyPr/>
-          <a:lstStyle/>
-          <a:p>
-            <a:pPr lvl="0"/>
-            <a:r>
-              <a:rPr kumimoji="1" lang="zh-CN" altLang="en-US"/>
-              <a:t>单击此处编辑母版文本样式</a:t>
-            </a:r>
-          </a:p>
-          <a:p>
-            <a:pPr lvl="1"/>
-            <a:r>
-              <a:rPr kumimoji="1" lang="zh-CN" altLang="en-US"/>
-              <a:t>二级</a:t>
-            </a:r>
-          </a:p>
-          <a:p>
-            <a:pPr lvl="2"/>
-            <a:r>
-              <a:rPr kumimoji="1" lang="zh-CN" altLang="en-US"/>
-              <a:t>三级</a:t>
-            </a:r>
-          </a:p>
-          <a:p>
-            <a:pPr lvl="3"/>
-            <a:r>
-              <a:rPr kumimoji="1" lang="zh-CN" altLang="en-US"/>
-              <a:t>四级</a:t>
-            </a:r>
-          </a:p>
-          <a:p>
-            <a:pPr lvl="4"/>
-            <a:r>
-              <a:rPr kumimoji="1" lang="zh-CN" altLang="en-US"/>
-              <a:t>五级</a:t>
-            </a:r>
-          </a:p>
-        </p:txBody>
-      </p:sp>
-      <p:sp>
-        <p:nvSpPr>
-          <p:cNvPr id="4" name="日期占位符 3"/>
-          <p:cNvSpPr>
-            <a:spLocks noGrp="1"/>
-          </p:cNvSpPr>
-          <p:nvPr>
-            <p:ph type="dt" sz="half" idx="10"/>
-          </p:nvPr>
-        </p:nvSpPr>
-        <p:spPr>
-          <a:xfrm>
-            <a:off x="471488" y="9182100"/>
-            <a:ext cx="1543050" cy="527050"/>
-          </a:xfrm>
-          <a:prstGeom prst="rect">
-            <a:avLst/>
-          </a:prstGeom>
-        </p:spPr>
-        <p:txBody>
-          <a:bodyPr/>
-          <a:lstStyle/>
-          <a:p>
-            <a:fld id="{CAF26E60-0005-794A-A2AC-CFCEB36E1E25}" type="datetimeFigureOut">
-              <a:rPr kumimoji="1" lang="zh-CN" altLang="en-US" smtClean="0"/>
-              <a:t>2025/12/1</a:t>
-            </a:fld>
-            <a:endParaRPr kumimoji="1" lang="zh-CN" altLang="en-US"/>
-          </a:p>
-        </p:txBody>
-      </p:sp>
-      <p:sp>
-        <p:nvSpPr>
-          <p:cNvPr id="5" name="页脚占位符 4"/>
-          <p:cNvSpPr>
-            <a:spLocks noGrp="1"/>
-          </p:cNvSpPr>
-          <p:nvPr>
-            <p:ph type="ftr" sz="quarter" idx="11"/>
-          </p:nvPr>
-        </p:nvSpPr>
-        <p:spPr>
-          <a:xfrm>
-            <a:off x="2271713" y="9182100"/>
-            <a:ext cx="2314575" cy="527050"/>
-          </a:xfrm>
-          <a:prstGeom prst="rect">
-            <a:avLst/>
-          </a:prstGeom>
-        </p:spPr>
-        <p:txBody>
-          <a:bodyPr/>
-          <a:lstStyle/>
-          <a:p>
-            <a:endParaRPr kumimoji="1" lang="zh-CN" altLang="en-US"/>
-          </a:p>
-        </p:txBody>
-      </p:sp>
-      <p:sp>
-        <p:nvSpPr>
-          <p:cNvPr id="6" name="幻灯片编号占位符 5"/>
-          <p:cNvSpPr>
-            <a:spLocks noGrp="1"/>
-          </p:cNvSpPr>
-          <p:nvPr>
-            <p:ph type="sldNum" sz="quarter" idx="12"/>
-          </p:nvPr>
-        </p:nvSpPr>
-        <p:spPr>
-          <a:xfrm>
-            <a:off x="4843463" y="9182100"/>
-            <a:ext cx="1543050" cy="527050"/>
-          </a:xfrm>
-          <a:prstGeom prst="rect">
-            <a:avLst/>
-          </a:prstGeom>
-        </p:spPr>
-        <p:txBody>
-          <a:bodyPr/>
-          <a:lstStyle/>
-          <a:p>
-            <a:fld id="{41BC3309-D252-D54C-A325-6BD28843C812}" type="slidenum">
-              <a:rPr kumimoji="1" lang="zh-CN" altLang="en-US" smtClean="0"/>
-              <a:t>‹#›</a:t>
-            </a:fld>
-            <a:endParaRPr kumimoji="1" lang="zh-CN" altLang="en-US"/>
-          </a:p>
-        </p:txBody>
-      </p:sp>
-    </p:spTree>
   </p:cSld>
   <p:clrMapOvr>
     <a:masterClrMapping/>
@@ -6862,12 +3682,11 @@
   <p:clrMap bg1="lt1" tx1="dk1" bg2="lt2" tx2="dk2" accent1="accent1" accent2="accent2" accent3="accent3" accent4="accent4" accent5="accent5" accent6="accent6" hlink="hlink" folHlink="folHlink"/>
   <p:sldLayoutIdLst>
     <p:sldLayoutId id="2147483649" r:id="rId1"/>
-    <p:sldLayoutId id="2147483650" r:id="rId2"/>
-    <p:sldLayoutId id="2147483664" r:id="rId3"/>
-    <p:sldLayoutId id="2147483668" r:id="rId4"/>
-    <p:sldLayoutId id="2147483665" r:id="rId5"/>
-    <p:sldLayoutId id="2147483666" r:id="rId6"/>
-    <p:sldLayoutId id="2147483667" r:id="rId7"/>
+    <p:sldLayoutId id="2147483664" r:id="rId2"/>
+    <p:sldLayoutId id="2147483668" r:id="rId3"/>
+    <p:sldLayoutId id="2147483665" r:id="rId4"/>
+    <p:sldLayoutId id="2147483666" r:id="rId5"/>
+    <p:sldLayoutId id="2147483667" r:id="rId6"/>
   </p:sldLayoutIdLst>
   <p:txStyles>
     <p:titleStyle>
@@ -7152,327 +3971,6 @@
 </p:sldMaster>
 </file>
 
-<file path=ppt/slideMasters/slideMaster2.xml><?xml version="1.0" encoding="utf-8"?>
-<p:sldMaster xmlns:a="http://schemas.openxmlformats.org/drawingml/2006/main" xmlns:r="http://schemas.openxmlformats.org/officeDocument/2006/relationships" xmlns:p="http://schemas.openxmlformats.org/presentationml/2006/main" preserve="1">
-  <p:cSld>
-    <p:bg>
-      <p:bgRef idx="1001">
-        <a:schemeClr val="bg1"/>
-      </p:bgRef>
-    </p:bg>
-    <p:spTree>
-      <p:nvGrpSpPr>
-        <p:cNvPr id="1" name=""/>
-        <p:cNvGrpSpPr/>
-        <p:nvPr/>
-      </p:nvGrpSpPr>
-      <p:grpSpPr>
-        <a:xfrm>
-          <a:off x="0" y="0"/>
-          <a:ext cx="0" cy="0"/>
-          <a:chOff x="0" y="0"/>
-          <a:chExt cx="0" cy="0"/>
-        </a:xfrm>
-      </p:grpSpPr>
-    </p:spTree>
-  </p:cSld>
-  <p:clrMap bg1="lt1" tx1="dk1" bg2="lt2" tx2="dk2" accent1="accent1" accent2="accent2" accent3="accent3" accent4="accent4" accent5="accent5" accent6="accent6" hlink="hlink" folHlink="folHlink"/>
-  <p:sldLayoutIdLst>
-    <p:sldLayoutId id="2147483653" r:id="rId1"/>
-    <p:sldLayoutId id="2147483654" r:id="rId2"/>
-    <p:sldLayoutId id="2147483655" r:id="rId3"/>
-    <p:sldLayoutId id="2147483656" r:id="rId4"/>
-    <p:sldLayoutId id="2147483657" r:id="rId5"/>
-    <p:sldLayoutId id="2147483658" r:id="rId6"/>
-    <p:sldLayoutId id="2147483659" r:id="rId7"/>
-    <p:sldLayoutId id="2147483660" r:id="rId8"/>
-    <p:sldLayoutId id="2147483661" r:id="rId9"/>
-    <p:sldLayoutId id="2147483662" r:id="rId10"/>
-    <p:sldLayoutId id="2147483663" r:id="rId11"/>
-  </p:sldLayoutIdLst>
-  <p:txStyles>
-    <p:titleStyle>
-      <a:lvl1pPr algn="l" defTabSz="914400" rtl="0" eaLnBrk="1" latinLnBrk="0" hangingPunct="1">
-        <a:lnSpc>
-          <a:spcPct val="90000"/>
-        </a:lnSpc>
-        <a:spcBef>
-          <a:spcPct val="0"/>
-        </a:spcBef>
-        <a:buNone/>
-        <a:defRPr sz="4400" kern="1200">
-          <a:solidFill>
-            <a:schemeClr val="tx1"/>
-          </a:solidFill>
-          <a:latin typeface="+mj-lt"/>
-          <a:ea typeface="+mj-ea"/>
-          <a:cs typeface="+mj-cs"/>
-        </a:defRPr>
-      </a:lvl1pPr>
-    </p:titleStyle>
-    <p:bodyStyle>
-      <a:lvl1pPr marL="228600" indent="-228600" algn="l" defTabSz="914400" rtl="0" eaLnBrk="1" latinLnBrk="0" hangingPunct="1">
-        <a:lnSpc>
-          <a:spcPct val="90000"/>
-        </a:lnSpc>
-        <a:spcBef>
-          <a:spcPts val="1000"/>
-        </a:spcBef>
-        <a:buFont typeface="Arial" panose="020B0604020202020204"/>
-        <a:buChar char="•"/>
-        <a:defRPr sz="2800" kern="1200">
-          <a:solidFill>
-            <a:schemeClr val="tx1"/>
-          </a:solidFill>
-          <a:latin typeface="+mn-lt"/>
-          <a:ea typeface="+mn-ea"/>
-          <a:cs typeface="+mn-cs"/>
-        </a:defRPr>
-      </a:lvl1pPr>
-      <a:lvl2pPr marL="685800" indent="-228600" algn="l" defTabSz="914400" rtl="0" eaLnBrk="1" latinLnBrk="0" hangingPunct="1">
-        <a:lnSpc>
-          <a:spcPct val="90000"/>
-        </a:lnSpc>
-        <a:spcBef>
-          <a:spcPts val="500"/>
-        </a:spcBef>
-        <a:buFont typeface="Arial" panose="020B0604020202020204"/>
-        <a:buChar char="•"/>
-        <a:defRPr sz="2400" kern="1200">
-          <a:solidFill>
-            <a:schemeClr val="tx1"/>
-          </a:solidFill>
-          <a:latin typeface="+mn-lt"/>
-          <a:ea typeface="+mn-ea"/>
-          <a:cs typeface="+mn-cs"/>
-        </a:defRPr>
-      </a:lvl2pPr>
-      <a:lvl3pPr marL="1143000" indent="-228600" algn="l" defTabSz="914400" rtl="0" eaLnBrk="1" latinLnBrk="0" hangingPunct="1">
-        <a:lnSpc>
-          <a:spcPct val="90000"/>
-        </a:lnSpc>
-        <a:spcBef>
-          <a:spcPts val="500"/>
-        </a:spcBef>
-        <a:buFont typeface="Arial" panose="020B0604020202020204"/>
-        <a:buChar char="•"/>
-        <a:defRPr sz="2000" kern="1200">
-          <a:solidFill>
-            <a:schemeClr val="tx1"/>
-          </a:solidFill>
-          <a:latin typeface="+mn-lt"/>
-          <a:ea typeface="+mn-ea"/>
-          <a:cs typeface="+mn-cs"/>
-        </a:defRPr>
-      </a:lvl3pPr>
-      <a:lvl4pPr marL="1600200" indent="-228600" algn="l" defTabSz="914400" rtl="0" eaLnBrk="1" latinLnBrk="0" hangingPunct="1">
-        <a:lnSpc>
-          <a:spcPct val="90000"/>
-        </a:lnSpc>
-        <a:spcBef>
-          <a:spcPts val="500"/>
-        </a:spcBef>
-        <a:buFont typeface="Arial" panose="020B0604020202020204"/>
-        <a:buChar char="•"/>
-        <a:defRPr sz="1800" kern="1200">
-          <a:solidFill>
-            <a:schemeClr val="tx1"/>
-          </a:solidFill>
-          <a:latin typeface="+mn-lt"/>
-          <a:ea typeface="+mn-ea"/>
-          <a:cs typeface="+mn-cs"/>
-        </a:defRPr>
-      </a:lvl4pPr>
-      <a:lvl5pPr marL="2057400" indent="-228600" algn="l" defTabSz="914400" rtl="0" eaLnBrk="1" latinLnBrk="0" hangingPunct="1">
-        <a:lnSpc>
-          <a:spcPct val="90000"/>
-        </a:lnSpc>
-        <a:spcBef>
-          <a:spcPts val="500"/>
-        </a:spcBef>
-        <a:buFont typeface="Arial" panose="020B0604020202020204"/>
-        <a:buChar char="•"/>
-        <a:defRPr sz="1800" kern="1200">
-          <a:solidFill>
-            <a:schemeClr val="tx1"/>
-          </a:solidFill>
-          <a:latin typeface="+mn-lt"/>
-          <a:ea typeface="+mn-ea"/>
-          <a:cs typeface="+mn-cs"/>
-        </a:defRPr>
-      </a:lvl5pPr>
-      <a:lvl6pPr marL="2514600" indent="-228600" algn="l" defTabSz="914400" rtl="0" eaLnBrk="1" latinLnBrk="0" hangingPunct="1">
-        <a:lnSpc>
-          <a:spcPct val="90000"/>
-        </a:lnSpc>
-        <a:spcBef>
-          <a:spcPts val="500"/>
-        </a:spcBef>
-        <a:buFont typeface="Arial" panose="020B0604020202020204"/>
-        <a:buChar char="•"/>
-        <a:defRPr sz="1800" kern="1200">
-          <a:solidFill>
-            <a:schemeClr val="tx1"/>
-          </a:solidFill>
-          <a:latin typeface="+mn-lt"/>
-          <a:ea typeface="+mn-ea"/>
-          <a:cs typeface="+mn-cs"/>
-        </a:defRPr>
-      </a:lvl6pPr>
-      <a:lvl7pPr marL="2971800" indent="-228600" algn="l" defTabSz="914400" rtl="0" eaLnBrk="1" latinLnBrk="0" hangingPunct="1">
-        <a:lnSpc>
-          <a:spcPct val="90000"/>
-        </a:lnSpc>
-        <a:spcBef>
-          <a:spcPts val="500"/>
-        </a:spcBef>
-        <a:buFont typeface="Arial" panose="020B0604020202020204"/>
-        <a:buChar char="•"/>
-        <a:defRPr sz="1800" kern="1200">
-          <a:solidFill>
-            <a:schemeClr val="tx1"/>
-          </a:solidFill>
-          <a:latin typeface="+mn-lt"/>
-          <a:ea typeface="+mn-ea"/>
-          <a:cs typeface="+mn-cs"/>
-        </a:defRPr>
-      </a:lvl7pPr>
-      <a:lvl8pPr marL="3429000" indent="-228600" algn="l" defTabSz="914400" rtl="0" eaLnBrk="1" latinLnBrk="0" hangingPunct="1">
-        <a:lnSpc>
-          <a:spcPct val="90000"/>
-        </a:lnSpc>
-        <a:spcBef>
-          <a:spcPts val="500"/>
-        </a:spcBef>
-        <a:buFont typeface="Arial" panose="020B0604020202020204"/>
-        <a:buChar char="•"/>
-        <a:defRPr sz="1800" kern="1200">
-          <a:solidFill>
-            <a:schemeClr val="tx1"/>
-          </a:solidFill>
-          <a:latin typeface="+mn-lt"/>
-          <a:ea typeface="+mn-ea"/>
-          <a:cs typeface="+mn-cs"/>
-        </a:defRPr>
-      </a:lvl8pPr>
-      <a:lvl9pPr marL="3886200" indent="-228600" algn="l" defTabSz="914400" rtl="0" eaLnBrk="1" latinLnBrk="0" hangingPunct="1">
-        <a:lnSpc>
-          <a:spcPct val="90000"/>
-        </a:lnSpc>
-        <a:spcBef>
-          <a:spcPts val="500"/>
-        </a:spcBef>
-        <a:buFont typeface="Arial" panose="020B0604020202020204"/>
-        <a:buChar char="•"/>
-        <a:defRPr sz="1800" kern="1200">
-          <a:solidFill>
-            <a:schemeClr val="tx1"/>
-          </a:solidFill>
-          <a:latin typeface="+mn-lt"/>
-          <a:ea typeface="+mn-ea"/>
-          <a:cs typeface="+mn-cs"/>
-        </a:defRPr>
-      </a:lvl9pPr>
-    </p:bodyStyle>
-    <p:otherStyle>
-      <a:defPPr>
-        <a:defRPr lang="zh-CN"/>
-      </a:defPPr>
-      <a:lvl1pPr marL="0" algn="l" defTabSz="914400" rtl="0" eaLnBrk="1" latinLnBrk="0" hangingPunct="1">
-        <a:defRPr sz="1800" kern="1200">
-          <a:solidFill>
-            <a:schemeClr val="tx1"/>
-          </a:solidFill>
-          <a:latin typeface="+mn-lt"/>
-          <a:ea typeface="+mn-ea"/>
-          <a:cs typeface="+mn-cs"/>
-        </a:defRPr>
-      </a:lvl1pPr>
-      <a:lvl2pPr marL="457200" algn="l" defTabSz="914400" rtl="0" eaLnBrk="1" latinLnBrk="0" hangingPunct="1">
-        <a:defRPr sz="1800" kern="1200">
-          <a:solidFill>
-            <a:schemeClr val="tx1"/>
-          </a:solidFill>
-          <a:latin typeface="+mn-lt"/>
-          <a:ea typeface="+mn-ea"/>
-          <a:cs typeface="+mn-cs"/>
-        </a:defRPr>
-      </a:lvl2pPr>
-      <a:lvl3pPr marL="914400" algn="l" defTabSz="914400" rtl="0" eaLnBrk="1" latinLnBrk="0" hangingPunct="1">
-        <a:defRPr sz="1800" kern="1200">
-          <a:solidFill>
-            <a:schemeClr val="tx1"/>
-          </a:solidFill>
-          <a:latin typeface="+mn-lt"/>
-          <a:ea typeface="+mn-ea"/>
-          <a:cs typeface="+mn-cs"/>
-        </a:defRPr>
-      </a:lvl3pPr>
-      <a:lvl4pPr marL="1371600" algn="l" defTabSz="914400" rtl="0" eaLnBrk="1" latinLnBrk="0" hangingPunct="1">
-        <a:defRPr sz="1800" kern="1200">
-          <a:solidFill>
-            <a:schemeClr val="tx1"/>
-          </a:solidFill>
-          <a:latin typeface="+mn-lt"/>
-          <a:ea typeface="+mn-ea"/>
-          <a:cs typeface="+mn-cs"/>
-        </a:defRPr>
-      </a:lvl4pPr>
-      <a:lvl5pPr marL="1828800" algn="l" defTabSz="914400" rtl="0" eaLnBrk="1" latinLnBrk="0" hangingPunct="1">
-        <a:defRPr sz="1800" kern="1200">
-          <a:solidFill>
-            <a:schemeClr val="tx1"/>
-          </a:solidFill>
-          <a:latin typeface="+mn-lt"/>
-          <a:ea typeface="+mn-ea"/>
-          <a:cs typeface="+mn-cs"/>
-        </a:defRPr>
-      </a:lvl5pPr>
-      <a:lvl6pPr marL="2286000" algn="l" defTabSz="914400" rtl="0" eaLnBrk="1" latinLnBrk="0" hangingPunct="1">
-        <a:defRPr sz="1800" kern="1200">
-          <a:solidFill>
-            <a:schemeClr val="tx1"/>
-          </a:solidFill>
-          <a:latin typeface="+mn-lt"/>
-          <a:ea typeface="+mn-ea"/>
-          <a:cs typeface="+mn-cs"/>
-        </a:defRPr>
-      </a:lvl6pPr>
-      <a:lvl7pPr marL="2743200" algn="l" defTabSz="914400" rtl="0" eaLnBrk="1" latinLnBrk="0" hangingPunct="1">
-        <a:defRPr sz="1800" kern="1200">
-          <a:solidFill>
-            <a:schemeClr val="tx1"/>
-          </a:solidFill>
-          <a:latin typeface="+mn-lt"/>
-          <a:ea typeface="+mn-ea"/>
-          <a:cs typeface="+mn-cs"/>
-        </a:defRPr>
-      </a:lvl7pPr>
-      <a:lvl8pPr marL="3200400" algn="l" defTabSz="914400" rtl="0" eaLnBrk="1" latinLnBrk="0" hangingPunct="1">
-        <a:defRPr sz="1800" kern="1200">
-          <a:solidFill>
-            <a:schemeClr val="tx1"/>
-          </a:solidFill>
-          <a:latin typeface="+mn-lt"/>
-          <a:ea typeface="+mn-ea"/>
-          <a:cs typeface="+mn-cs"/>
-        </a:defRPr>
-      </a:lvl8pPr>
-      <a:lvl9pPr marL="3657600" algn="l" defTabSz="914400" rtl="0" eaLnBrk="1" latinLnBrk="0" hangingPunct="1">
-        <a:defRPr sz="1800" kern="1200">
-          <a:solidFill>
-            <a:schemeClr val="tx1"/>
-          </a:solidFill>
-          <a:latin typeface="+mn-lt"/>
-          <a:ea typeface="+mn-ea"/>
-          <a:cs typeface="+mn-cs"/>
-        </a:defRPr>
-      </a:lvl9pPr>
-    </p:otherStyle>
-  </p:txStyles>
-</p:sldMaster>
-</file>
-
 <file path=ppt/slides/slide1.xml><?xml version="1.0" encoding="utf-8"?>
 <p:sld xmlns:a="http://schemas.openxmlformats.org/drawingml/2006/main" xmlns:r="http://schemas.openxmlformats.org/officeDocument/2006/relationships" xmlns:p="http://schemas.openxmlformats.org/presentationml/2006/main">
   <p:cSld>
@@ -7492,7 +3990,13 @@
       </p:grpSpPr>
       <p:sp>
         <p:nvSpPr>
-          <p:cNvPr id="2" name="文本占位符 1"/>
+          <p:cNvPr id="2" name="文本占位符 1">
+            <a:extLst>
+              <a:ext uri="{FF2B5EF4-FFF2-40B4-BE49-F238E27FC236}">
+                <a16:creationId xmlns:a16="http://schemas.microsoft.com/office/drawing/2014/main" id="{CCD9C174-AF61-C73D-910D-BB56F8CAC36F}"/>
+              </a:ext>
+            </a:extLst>
+          </p:cNvPr>
           <p:cNvSpPr>
             <a:spLocks noGrp="1"/>
           </p:cNvSpPr>
@@ -7500,27 +4004,27 @@
             <p:ph type="body" sz="quarter" idx="13"/>
           </p:nvPr>
         </p:nvSpPr>
-        <p:spPr>
-          <a:xfrm>
-            <a:off x="4210331" y="6787486"/>
-            <a:ext cx="2291756" cy="488471"/>
-          </a:xfrm>
-        </p:spPr>
+        <p:spPr/>
         <p:txBody>
           <a:bodyPr/>
           <a:lstStyle/>
           <a:p>
             <a:r>
               <a:rPr lang="zh-CN" altLang="en-US" dirty="0"/>
-              <a:t>姓名 </a:t>
+              <a:t>姓名</a:t>
             </a:r>
-            <a:endParaRPr kumimoji="1" lang="zh-CN" altLang="en-US" dirty="0"/>
           </a:p>
         </p:txBody>
       </p:sp>
       <p:sp>
         <p:nvSpPr>
-          <p:cNvPr id="3" name="文本占位符 2"/>
+          <p:cNvPr id="3" name="文本占位符 2">
+            <a:extLst>
+              <a:ext uri="{FF2B5EF4-FFF2-40B4-BE49-F238E27FC236}">
+                <a16:creationId xmlns:a16="http://schemas.microsoft.com/office/drawing/2014/main" id="{54AE69BD-BFA0-19C8-B4B6-7AA9E342B0B8}"/>
+              </a:ext>
+            </a:extLst>
+          </p:cNvPr>
           <p:cNvSpPr>
             <a:spLocks noGrp="1"/>
           </p:cNvSpPr>
@@ -7537,13 +4041,18 @@
               <a:rPr lang="zh-CN" altLang="en-US" dirty="0"/>
               <a:t>性别</a:t>
             </a:r>
-            <a:endParaRPr kumimoji="1" lang="zh-CN" altLang="en-US" dirty="0"/>
           </a:p>
         </p:txBody>
       </p:sp>
       <p:sp>
         <p:nvSpPr>
-          <p:cNvPr id="4" name="文本占位符 3"/>
+          <p:cNvPr id="4" name="文本占位符 3">
+            <a:extLst>
+              <a:ext uri="{FF2B5EF4-FFF2-40B4-BE49-F238E27FC236}">
+                <a16:creationId xmlns:a16="http://schemas.microsoft.com/office/drawing/2014/main" id="{6045E096-E423-A0C2-1BBF-F496661F82BE}"/>
+              </a:ext>
+            </a:extLst>
+          </p:cNvPr>
           <p:cNvSpPr>
             <a:spLocks noGrp="1"/>
           </p:cNvSpPr>
@@ -7557,16 +4066,21 @@
           <a:lstStyle/>
           <a:p>
             <a:r>
-              <a:rPr lang="zh-CN" altLang="en-US"/>
-              <a:t> 年龄 </a:t>
+              <a:rPr lang="zh-CN" altLang="en-US" dirty="0"/>
+              <a:t>年龄</a:t>
             </a:r>
-            <a:endParaRPr kumimoji="1" lang="en-US" altLang="zh-CN" dirty="0"/>
           </a:p>
         </p:txBody>
       </p:sp>
       <p:sp>
         <p:nvSpPr>
-          <p:cNvPr id="5" name="文本占位符 4"/>
+          <p:cNvPr id="5" name="文本占位符 4">
+            <a:extLst>
+              <a:ext uri="{FF2B5EF4-FFF2-40B4-BE49-F238E27FC236}">
+                <a16:creationId xmlns:a16="http://schemas.microsoft.com/office/drawing/2014/main" id="{29A29FFA-8F56-CCF5-7133-7EF2394899BB}"/>
+              </a:ext>
+            </a:extLst>
+          </p:cNvPr>
           <p:cNvSpPr>
             <a:spLocks noGrp="1"/>
           </p:cNvSpPr>
@@ -7580,14 +4094,18 @@
           <a:lstStyle/>
           <a:p>
             <a:r>
-              <a:rPr lang="zh-CN" altLang="en-US"/>
+              <a:rPr lang="zh-CN" altLang="en-US" dirty="0"/>
               <a:t>日期</a:t>
             </a:r>
-            <a:endParaRPr lang="zh-CN" altLang="en-US" dirty="0"/>
           </a:p>
         </p:txBody>
       </p:sp>
     </p:spTree>
+    <p:extLst>
+      <p:ext uri="{BB962C8B-B14F-4D97-AF65-F5344CB8AC3E}">
+        <p14:creationId xmlns:p14="http://schemas.microsoft.com/office/powerpoint/2010/main" val="3163204008"/>
+      </p:ext>
+    </p:extLst>
   </p:cSld>
   <p:clrMapOvr>
     <a:masterClrMapping/>
@@ -8209,267 +4727,6 @@
 </file>
 
 <file path=ppt/theme/theme2.xml><?xml version="1.0" encoding="utf-8"?>
-<a:theme xmlns:a="http://schemas.openxmlformats.org/drawingml/2006/main" name="1_自定义设计方案">
-  <a:themeElements>
-    <a:clrScheme name="Office">
-      <a:dk1>
-        <a:sysClr val="windowText" lastClr="000000"/>
-      </a:dk1>
-      <a:lt1>
-        <a:sysClr val="window" lastClr="FFFFFF"/>
-      </a:lt1>
-      <a:dk2>
-        <a:srgbClr val="44546A"/>
-      </a:dk2>
-      <a:lt2>
-        <a:srgbClr val="E7E6E6"/>
-      </a:lt2>
-      <a:accent1>
-        <a:srgbClr val="4472C4"/>
-      </a:accent1>
-      <a:accent2>
-        <a:srgbClr val="ED7D31"/>
-      </a:accent2>
-      <a:accent3>
-        <a:srgbClr val="A5A5A5"/>
-      </a:accent3>
-      <a:accent4>
-        <a:srgbClr val="FFC000"/>
-      </a:accent4>
-      <a:accent5>
-        <a:srgbClr val="5B9BD5"/>
-      </a:accent5>
-      <a:accent6>
-        <a:srgbClr val="70AD47"/>
-      </a:accent6>
-      <a:hlink>
-        <a:srgbClr val="0563C1"/>
-      </a:hlink>
-      <a:folHlink>
-        <a:srgbClr val="954F72"/>
-      </a:folHlink>
-    </a:clrScheme>
-    <a:fontScheme name="Office">
-      <a:majorFont>
-        <a:latin typeface="DengXian Light"/>
-        <a:ea typeface=""/>
-        <a:cs typeface=""/>
-        <a:font script="Jpan" typeface="Yu Gothic Light"/>
-        <a:font script="Hang" typeface="맑은 고딕"/>
-        <a:font script="Hans" typeface="DengXian Light"/>
-        <a:font script="Hant" typeface="新細明體"/>
-        <a:font script="Arab" typeface="Times New Roman"/>
-        <a:font script="Hebr" typeface="Times New Roman"/>
-        <a:font script="Thai" typeface="Angsana New"/>
-        <a:font script="Ethi" typeface="Nyala"/>
-        <a:font script="Beng" typeface="Vrinda"/>
-        <a:font script="Gujr" typeface="Shruti"/>
-        <a:font script="Khmr" typeface="MoolBoran"/>
-        <a:font script="Knda" typeface="Tunga"/>
-        <a:font script="Guru" typeface="Raavi"/>
-        <a:font script="Cans" typeface="Euphemia"/>
-        <a:font script="Cher" typeface="Plantagenet Cherokee"/>
-        <a:font script="Yiii" typeface="Microsoft Yi Baiti"/>
-        <a:font script="Tibt" typeface="Microsoft Himalaya"/>
-        <a:font script="Thaa" typeface="MV Boli"/>
-        <a:font script="Deva" typeface="Mangal"/>
-        <a:font script="Telu" typeface="Gautami"/>
-        <a:font script="Taml" typeface="Latha"/>
-        <a:font script="Syrc" typeface="Estrangelo Edessa"/>
-        <a:font script="Orya" typeface="Kalinga"/>
-        <a:font script="Mlym" typeface="Kartika"/>
-        <a:font script="Laoo" typeface="DokChampa"/>
-        <a:font script="Sinh" typeface="Iskoola Pota"/>
-        <a:font script="Mong" typeface="Mongolian Baiti"/>
-        <a:font script="Viet" typeface="Times New Roman"/>
-        <a:font script="Uigh" typeface="Microsoft Uighur"/>
-        <a:font script="Geor" typeface="Sylfaen"/>
-      </a:majorFont>
-      <a:minorFont>
-        <a:latin typeface="DengXian"/>
-        <a:ea typeface=""/>
-        <a:cs typeface=""/>
-        <a:font script="Jpan" typeface="Yu Gothic"/>
-        <a:font script="Hang" typeface="맑은 고딕"/>
-        <a:font script="Hans" typeface="DengXian"/>
-        <a:font script="Hant" typeface="新細明體"/>
-        <a:font script="Arab" typeface="Arial"/>
-        <a:font script="Hebr" typeface="Arial"/>
-        <a:font script="Thai" typeface="Cordia New"/>
-        <a:font script="Ethi" typeface="Nyala"/>
-        <a:font script="Beng" typeface="Vrinda"/>
-        <a:font script="Gujr" typeface="Shruti"/>
-        <a:font script="Khmr" typeface="DaunPenh"/>
-        <a:font script="Knda" typeface="Tunga"/>
-        <a:font script="Guru" typeface="Raavi"/>
-        <a:font script="Cans" typeface="Euphemia"/>
-        <a:font script="Cher" typeface="Plantagenet Cherokee"/>
-        <a:font script="Yiii" typeface="Microsoft Yi Baiti"/>
-        <a:font script="Tibt" typeface="Microsoft Himalaya"/>
-        <a:font script="Thaa" typeface="MV Boli"/>
-        <a:font script="Deva" typeface="Mangal"/>
-        <a:font script="Telu" typeface="Gautami"/>
-        <a:font script="Taml" typeface="Latha"/>
-        <a:font script="Syrc" typeface="Estrangelo Edessa"/>
-        <a:font script="Orya" typeface="Kalinga"/>
-        <a:font script="Mlym" typeface="Kartika"/>
-        <a:font script="Laoo" typeface="DokChampa"/>
-        <a:font script="Sinh" typeface="Iskoola Pota"/>
-        <a:font script="Mong" typeface="Mongolian Baiti"/>
-        <a:font script="Viet" typeface="Arial"/>
-        <a:font script="Uigh" typeface="Microsoft Uighur"/>
-        <a:font script="Geor" typeface="Sylfaen"/>
-      </a:minorFont>
-    </a:fontScheme>
-    <a:fmtScheme name="Office">
-      <a:fillStyleLst>
-        <a:solidFill>
-          <a:schemeClr val="phClr"/>
-        </a:solidFill>
-        <a:gradFill rotWithShape="1">
-          <a:gsLst>
-            <a:gs pos="0">
-              <a:schemeClr val="phClr">
-                <a:lumMod val="110000"/>
-                <a:satMod val="105000"/>
-                <a:tint val="67000"/>
-              </a:schemeClr>
-            </a:gs>
-            <a:gs pos="50000">
-              <a:schemeClr val="phClr">
-                <a:lumMod val="105000"/>
-                <a:satMod val="103000"/>
-                <a:tint val="73000"/>
-              </a:schemeClr>
-            </a:gs>
-            <a:gs pos="100000">
-              <a:schemeClr val="phClr">
-                <a:lumMod val="105000"/>
-                <a:satMod val="109000"/>
-                <a:tint val="81000"/>
-              </a:schemeClr>
-            </a:gs>
-          </a:gsLst>
-          <a:lin ang="5400000" scaled="0"/>
-        </a:gradFill>
-        <a:gradFill rotWithShape="1">
-          <a:gsLst>
-            <a:gs pos="0">
-              <a:schemeClr val="phClr">
-                <a:satMod val="103000"/>
-                <a:lumMod val="102000"/>
-                <a:tint val="94000"/>
-              </a:schemeClr>
-            </a:gs>
-            <a:gs pos="50000">
-              <a:schemeClr val="phClr">
-                <a:satMod val="110000"/>
-                <a:lumMod val="100000"/>
-                <a:shade val="100000"/>
-              </a:schemeClr>
-            </a:gs>
-            <a:gs pos="100000">
-              <a:schemeClr val="phClr">
-                <a:lumMod val="99000"/>
-                <a:satMod val="120000"/>
-                <a:shade val="78000"/>
-              </a:schemeClr>
-            </a:gs>
-          </a:gsLst>
-          <a:lin ang="5400000" scaled="0"/>
-        </a:gradFill>
-      </a:fillStyleLst>
-      <a:lnStyleLst>
-        <a:ln w="6350" cap="flat" cmpd="sng" algn="ctr">
-          <a:solidFill>
-            <a:schemeClr val="phClr"/>
-          </a:solidFill>
-          <a:prstDash val="solid"/>
-          <a:miter lim="800000"/>
-        </a:ln>
-        <a:ln w="12700" cap="flat" cmpd="sng" algn="ctr">
-          <a:solidFill>
-            <a:schemeClr val="phClr"/>
-          </a:solidFill>
-          <a:prstDash val="solid"/>
-          <a:miter lim="800000"/>
-        </a:ln>
-        <a:ln w="19050" cap="flat" cmpd="sng" algn="ctr">
-          <a:solidFill>
-            <a:schemeClr val="phClr"/>
-          </a:solidFill>
-          <a:prstDash val="solid"/>
-          <a:miter lim="800000"/>
-        </a:ln>
-      </a:lnStyleLst>
-      <a:effectStyleLst>
-        <a:effectStyle>
-          <a:effectLst/>
-        </a:effectStyle>
-        <a:effectStyle>
-          <a:effectLst/>
-        </a:effectStyle>
-        <a:effectStyle>
-          <a:effectLst>
-            <a:outerShdw blurRad="57150" dist="19050" dir="5400000" algn="ctr" rotWithShape="0">
-              <a:srgbClr val="000000">
-                <a:alpha val="63000"/>
-              </a:srgbClr>
-            </a:outerShdw>
-          </a:effectLst>
-        </a:effectStyle>
-      </a:effectStyleLst>
-      <a:bgFillStyleLst>
-        <a:solidFill>
-          <a:schemeClr val="phClr"/>
-        </a:solidFill>
-        <a:solidFill>
-          <a:schemeClr val="phClr">
-            <a:tint val="95000"/>
-            <a:satMod val="170000"/>
-          </a:schemeClr>
-        </a:solidFill>
-        <a:gradFill rotWithShape="1">
-          <a:gsLst>
-            <a:gs pos="0">
-              <a:schemeClr val="phClr">
-                <a:tint val="93000"/>
-                <a:satMod val="150000"/>
-                <a:shade val="98000"/>
-                <a:lumMod val="102000"/>
-              </a:schemeClr>
-            </a:gs>
-            <a:gs pos="50000">
-              <a:schemeClr val="phClr">
-                <a:tint val="98000"/>
-                <a:satMod val="130000"/>
-                <a:shade val="90000"/>
-                <a:lumMod val="103000"/>
-              </a:schemeClr>
-            </a:gs>
-            <a:gs pos="100000">
-              <a:schemeClr val="phClr">
-                <a:shade val="63000"/>
-                <a:satMod val="120000"/>
-              </a:schemeClr>
-            </a:gs>
-          </a:gsLst>
-          <a:lin ang="5400000" scaled="0"/>
-        </a:gradFill>
-      </a:bgFillStyleLst>
-    </a:fmtScheme>
-  </a:themeElements>
-  <a:objectDefaults/>
-  <a:extraClrSchemeLst/>
-  <a:extLst>
-    <a:ext uri="{05A4C25C-085E-4340-85A3-A5531E510DB2}">
-      <thm15:themeFamily xmlns:thm15="http://schemas.microsoft.com/office/thememl/2012/main" name="Office Theme" id="{62F939B6-93AF-4DB8-9C6B-D6C7DFDC589F}" vid="{4A3C46E8-61CC-4603-A589-7422A47A8E4A}"/>
-    </a:ext>
-  </a:extLst>
-</a:theme>
-</file>
-
-<file path=ppt/theme/theme3.xml><?xml version="1.0" encoding="utf-8"?>
 <a:theme xmlns:a="http://schemas.openxmlformats.org/drawingml/2006/main" name="Office 主题">
   <a:themeElements>
     <a:clrScheme name="Office">
